--- a/layers/Conv/CNN.pptx
+++ b/layers/Conv/CNN.pptx
@@ -264,7 +264,7 @@
           <a:p>
             <a:fld id="{D8B57CEC-3B74-4591-82D9-EBF36D867529}" type="datetimeFigureOut">
               <a:rPr lang="en-US" smtClean="0"/>
-              <a:t>10/29/2020</a:t>
+              <a:t>11/2/2020</a:t>
             </a:fld>
             <a:endParaRPr lang="en-US"/>
           </a:p>
@@ -462,7 +462,7 @@
           <a:p>
             <a:fld id="{D8B57CEC-3B74-4591-82D9-EBF36D867529}" type="datetimeFigureOut">
               <a:rPr lang="en-US" smtClean="0"/>
-              <a:t>10/29/2020</a:t>
+              <a:t>11/2/2020</a:t>
             </a:fld>
             <a:endParaRPr lang="en-US"/>
           </a:p>
@@ -670,7 +670,7 @@
           <a:p>
             <a:fld id="{D8B57CEC-3B74-4591-82D9-EBF36D867529}" type="datetimeFigureOut">
               <a:rPr lang="en-US" smtClean="0"/>
-              <a:t>10/29/2020</a:t>
+              <a:t>11/2/2020</a:t>
             </a:fld>
             <a:endParaRPr lang="en-US"/>
           </a:p>
@@ -868,7 +868,7 @@
           <a:p>
             <a:fld id="{D8B57CEC-3B74-4591-82D9-EBF36D867529}" type="datetimeFigureOut">
               <a:rPr lang="en-US" smtClean="0"/>
-              <a:t>10/29/2020</a:t>
+              <a:t>11/2/2020</a:t>
             </a:fld>
             <a:endParaRPr lang="en-US"/>
           </a:p>
@@ -1143,7 +1143,7 @@
           <a:p>
             <a:fld id="{D8B57CEC-3B74-4591-82D9-EBF36D867529}" type="datetimeFigureOut">
               <a:rPr lang="en-US" smtClean="0"/>
-              <a:t>10/29/2020</a:t>
+              <a:t>11/2/2020</a:t>
             </a:fld>
             <a:endParaRPr lang="en-US"/>
           </a:p>
@@ -1408,7 +1408,7 @@
           <a:p>
             <a:fld id="{D8B57CEC-3B74-4591-82D9-EBF36D867529}" type="datetimeFigureOut">
               <a:rPr lang="en-US" smtClean="0"/>
-              <a:t>10/29/2020</a:t>
+              <a:t>11/2/2020</a:t>
             </a:fld>
             <a:endParaRPr lang="en-US"/>
           </a:p>
@@ -1820,7 +1820,7 @@
           <a:p>
             <a:fld id="{D8B57CEC-3B74-4591-82D9-EBF36D867529}" type="datetimeFigureOut">
               <a:rPr lang="en-US" smtClean="0"/>
-              <a:t>10/29/2020</a:t>
+              <a:t>11/2/2020</a:t>
             </a:fld>
             <a:endParaRPr lang="en-US"/>
           </a:p>
@@ -1961,7 +1961,7 @@
           <a:p>
             <a:fld id="{D8B57CEC-3B74-4591-82D9-EBF36D867529}" type="datetimeFigureOut">
               <a:rPr lang="en-US" smtClean="0"/>
-              <a:t>10/29/2020</a:t>
+              <a:t>11/2/2020</a:t>
             </a:fld>
             <a:endParaRPr lang="en-US"/>
           </a:p>
@@ -2074,7 +2074,7 @@
           <a:p>
             <a:fld id="{D8B57CEC-3B74-4591-82D9-EBF36D867529}" type="datetimeFigureOut">
               <a:rPr lang="en-US" smtClean="0"/>
-              <a:t>10/29/2020</a:t>
+              <a:t>11/2/2020</a:t>
             </a:fld>
             <a:endParaRPr lang="en-US"/>
           </a:p>
@@ -2385,7 +2385,7 @@
           <a:p>
             <a:fld id="{D8B57CEC-3B74-4591-82D9-EBF36D867529}" type="datetimeFigureOut">
               <a:rPr lang="en-US" smtClean="0"/>
-              <a:t>10/29/2020</a:t>
+              <a:t>11/2/2020</a:t>
             </a:fld>
             <a:endParaRPr lang="en-US"/>
           </a:p>
@@ -2673,7 +2673,7 @@
           <a:p>
             <a:fld id="{D8B57CEC-3B74-4591-82D9-EBF36D867529}" type="datetimeFigureOut">
               <a:rPr lang="en-US" smtClean="0"/>
-              <a:t>10/29/2020</a:t>
+              <a:t>11/2/2020</a:t>
             </a:fld>
             <a:endParaRPr lang="en-US"/>
           </a:p>
@@ -2914,7 +2914,7 @@
           <a:p>
             <a:fld id="{D8B57CEC-3B74-4591-82D9-EBF36D867529}" type="datetimeFigureOut">
               <a:rPr lang="en-US" smtClean="0"/>
-              <a:t>10/29/2020</a:t>
+              <a:t>11/2/2020</a:t>
             </a:fld>
             <a:endParaRPr lang="en-US"/>
           </a:p>
@@ -9235,7 +9235,7 @@
         </p:nvSpPr>
         <p:spPr>
           <a:xfrm>
-            <a:off x="8554629" y="3652187"/>
+            <a:off x="10020481" y="3652187"/>
             <a:ext cx="357704" cy="371608"/>
           </a:xfrm>
           <a:prstGeom prst="rect">
@@ -9305,6 +9305,176 @@
               <a:rPr lang="en-US" dirty="0"/>
               <a:t>Consider only one kernel and one multiply and plus</a:t>
             </a:r>
+          </a:p>
+        </p:txBody>
+      </p:sp>
+      <p:sp>
+        <p:nvSpPr>
+          <p:cNvPr id="2" name="TextBox 1">
+            <a:extLst>
+              <a:ext uri="{FF2B5EF4-FFF2-40B4-BE49-F238E27FC236}">
+                <a16:creationId xmlns:a16="http://schemas.microsoft.com/office/drawing/2014/main" id="{BBF8793F-8F36-4E7A-ABD2-C8B6F172E08E}"/>
+              </a:ext>
+            </a:extLst>
+          </p:cNvPr>
+          <p:cNvSpPr txBox="1"/>
+          <p:nvPr/>
+        </p:nvSpPr>
+        <p:spPr>
+          <a:xfrm>
+            <a:off x="8487922" y="3528351"/>
+            <a:ext cx="411090" cy="523220"/>
+          </a:xfrm>
+          <a:prstGeom prst="rect">
+            <a:avLst/>
+          </a:prstGeom>
+          <a:noFill/>
+        </p:spPr>
+        <p:txBody>
+          <a:bodyPr wrap="square" rtlCol="0">
+            <a:spAutoFit/>
+          </a:bodyPr>
+          <a:lstStyle/>
+          <a:p>
+            <a:r>
+              <a:rPr lang="en-US" sz="2800" dirty="0"/>
+              <a:t>+</a:t>
+            </a:r>
+          </a:p>
+        </p:txBody>
+      </p:sp>
+      <p:sp>
+        <p:nvSpPr>
+          <p:cNvPr id="3" name="TextBox 2">
+            <a:extLst>
+              <a:ext uri="{FF2B5EF4-FFF2-40B4-BE49-F238E27FC236}">
+                <a16:creationId xmlns:a16="http://schemas.microsoft.com/office/drawing/2014/main" id="{9DEAF780-08AB-4EA0-85C7-91B5A1464BA7}"/>
+              </a:ext>
+            </a:extLst>
+          </p:cNvPr>
+          <p:cNvSpPr txBox="1"/>
+          <p:nvPr/>
+        </p:nvSpPr>
+        <p:spPr>
+          <a:xfrm>
+            <a:off x="9539970" y="3527757"/>
+            <a:ext cx="450999" cy="584775"/>
+          </a:xfrm>
+          <a:prstGeom prst="rect">
+            <a:avLst/>
+          </a:prstGeom>
+          <a:noFill/>
+        </p:spPr>
+        <p:txBody>
+          <a:bodyPr wrap="square" rtlCol="0">
+            <a:spAutoFit/>
+          </a:bodyPr>
+          <a:lstStyle/>
+          <a:p>
+            <a:r>
+              <a:rPr lang="en-US" sz="3200" dirty="0"/>
+              <a:t>=</a:t>
+            </a:r>
+          </a:p>
+        </p:txBody>
+      </p:sp>
+      <p:sp>
+        <p:nvSpPr>
+          <p:cNvPr id="6" name="Rectangle 5">
+            <a:extLst>
+              <a:ext uri="{FF2B5EF4-FFF2-40B4-BE49-F238E27FC236}">
+                <a16:creationId xmlns:a16="http://schemas.microsoft.com/office/drawing/2014/main" id="{7567A848-9027-4BC2-8359-B41BAD6F46DC}"/>
+              </a:ext>
+            </a:extLst>
+          </p:cNvPr>
+          <p:cNvSpPr/>
+          <p:nvPr/>
+        </p:nvSpPr>
+        <p:spPr>
+          <a:xfrm>
+            <a:off x="9040639" y="3665306"/>
+            <a:ext cx="357704" cy="371608"/>
+          </a:xfrm>
+          <a:prstGeom prst="rect">
+            <a:avLst/>
+          </a:prstGeom>
+          <a:solidFill>
+            <a:schemeClr val="bg1"/>
+          </a:solidFill>
+          <a:ln>
+            <a:solidFill>
+              <a:schemeClr val="tx1"/>
+            </a:solidFill>
+          </a:ln>
+        </p:spPr>
+        <p:style>
+          <a:lnRef idx="3">
+            <a:schemeClr val="lt1"/>
+          </a:lnRef>
+          <a:fillRef idx="1">
+            <a:schemeClr val="accent3"/>
+          </a:fillRef>
+          <a:effectRef idx="1">
+            <a:schemeClr val="accent3"/>
+          </a:effectRef>
+          <a:fontRef idx="minor">
+            <a:schemeClr val="lt1"/>
+          </a:fontRef>
+        </p:style>
+        <p:txBody>
+          <a:bodyPr rtlCol="0" anchor="ctr"/>
+          <a:lstStyle/>
+          <a:p>
+            <a:pPr algn="ctr"/>
+            <a:r>
+              <a:rPr lang="en-US" altLang="zh-CN" sz="800" dirty="0">
+                <a:solidFill>
+                  <a:schemeClr val="tx1"/>
+                </a:solidFill>
+              </a:rPr>
+              <a:t>bias</a:t>
+            </a:r>
+            <a:endParaRPr lang="en-US" sz="800" dirty="0">
+              <a:solidFill>
+                <a:schemeClr val="tx1"/>
+              </a:solidFill>
+            </a:endParaRPr>
+          </a:p>
+        </p:txBody>
+      </p:sp>
+      <p:sp>
+        <p:nvSpPr>
+          <p:cNvPr id="8" name="TextBox 7">
+            <a:extLst>
+              <a:ext uri="{FF2B5EF4-FFF2-40B4-BE49-F238E27FC236}">
+                <a16:creationId xmlns:a16="http://schemas.microsoft.com/office/drawing/2014/main" id="{03C77016-1594-4B0C-9C63-7B9F49D9D022}"/>
+              </a:ext>
+            </a:extLst>
+          </p:cNvPr>
+          <p:cNvSpPr txBox="1"/>
+          <p:nvPr/>
+        </p:nvSpPr>
+        <p:spPr>
+          <a:xfrm>
+            <a:off x="1572792" y="6042762"/>
+            <a:ext cx="839755" cy="369332"/>
+          </a:xfrm>
+          <a:prstGeom prst="rect">
+            <a:avLst/>
+          </a:prstGeom>
+          <a:noFill/>
+        </p:spPr>
+        <p:txBody>
+          <a:bodyPr wrap="square" rtlCol="0">
+            <a:spAutoFit/>
+          </a:bodyPr>
+          <a:lstStyle/>
+          <a:p>
+            <a:r>
+              <a:rPr lang="en-US" altLang="zh-CN" dirty="0"/>
+              <a:t>Wight</a:t>
+            </a:r>
+            <a:endParaRPr lang="en-US" dirty="0"/>
           </a:p>
         </p:txBody>
       </p:sp>
@@ -11256,7 +11426,7 @@
         </p:nvSpPr>
         <p:spPr>
           <a:xfrm>
-            <a:off x="3964473" y="3801649"/>
+            <a:off x="5563117" y="3795429"/>
             <a:ext cx="1318726" cy="584775"/>
           </a:xfrm>
           <a:prstGeom prst="rect">
@@ -11526,13 +11696,13 @@
           <p:nvPr>
             <p:extLst>
               <p:ext uri="{D42A27DB-BD31-4B8C-83A1-F6EECF244321}">
-                <p14:modId xmlns:p14="http://schemas.microsoft.com/office/powerpoint/2010/main" val="3864227663"/>
+                <p14:modId xmlns:p14="http://schemas.microsoft.com/office/powerpoint/2010/main" val="228114189"/>
               </p:ext>
             </p:extLst>
           </p:nvPr>
         </p:nvGraphicFramePr>
         <p:xfrm>
-          <a:off x="4756277" y="3723196"/>
+          <a:off x="6354921" y="3716976"/>
           <a:ext cx="1097127" cy="741680"/>
         </p:xfrm>
         <a:graphic>
@@ -11719,6 +11889,214 @@
           </a:p>
         </p:txBody>
       </p:sp>
+      <p:sp>
+        <p:nvSpPr>
+          <p:cNvPr id="2" name="TextBox 1">
+            <a:extLst>
+              <a:ext uri="{FF2B5EF4-FFF2-40B4-BE49-F238E27FC236}">
+                <a16:creationId xmlns:a16="http://schemas.microsoft.com/office/drawing/2014/main" id="{22BAF515-6B5C-4E04-8913-1EB184093801}"/>
+              </a:ext>
+            </a:extLst>
+          </p:cNvPr>
+          <p:cNvSpPr txBox="1"/>
+          <p:nvPr/>
+        </p:nvSpPr>
+        <p:spPr>
+          <a:xfrm>
+            <a:off x="3535050" y="3795429"/>
+            <a:ext cx="411090" cy="523220"/>
+          </a:xfrm>
+          <a:prstGeom prst="rect">
+            <a:avLst/>
+          </a:prstGeom>
+          <a:noFill/>
+        </p:spPr>
+        <p:txBody>
+          <a:bodyPr wrap="square" rtlCol="0">
+            <a:spAutoFit/>
+          </a:bodyPr>
+          <a:lstStyle/>
+          <a:p>
+            <a:r>
+              <a:rPr lang="en-US" sz="2800" dirty="0"/>
+              <a:t>+</a:t>
+            </a:r>
+          </a:p>
+        </p:txBody>
+      </p:sp>
+      <p:graphicFrame>
+        <p:nvGraphicFramePr>
+          <p:cNvPr id="8" name="Table 21">
+            <a:extLst>
+              <a:ext uri="{FF2B5EF4-FFF2-40B4-BE49-F238E27FC236}">
+                <a16:creationId xmlns:a16="http://schemas.microsoft.com/office/drawing/2014/main" id="{77B40D12-687F-4FF3-84D8-50F444E129F9}"/>
+              </a:ext>
+            </a:extLst>
+          </p:cNvPr>
+          <p:cNvGraphicFramePr>
+            <a:graphicFrameLocks noGrp="1"/>
+          </p:cNvGraphicFramePr>
+          <p:nvPr>
+            <p:extLst>
+              <p:ext uri="{D42A27DB-BD31-4B8C-83A1-F6EECF244321}">
+                <p14:modId xmlns:p14="http://schemas.microsoft.com/office/powerpoint/2010/main" val="3437432453"/>
+              </p:ext>
+            </p:extLst>
+          </p:nvPr>
+        </p:nvGraphicFramePr>
+        <p:xfrm>
+          <a:off x="4159114" y="3716976"/>
+          <a:ext cx="1097127" cy="741680"/>
+        </p:xfrm>
+        <a:graphic>
+          <a:graphicData uri="http://schemas.openxmlformats.org/drawingml/2006/table">
+            <a:tbl>
+              <a:tblPr firstRow="1" bandRow="1">
+                <a:tableStyleId>{5940675A-B579-460E-94D1-54222C63F5DA}</a:tableStyleId>
+              </a:tblPr>
+              <a:tblGrid>
+                <a:gridCol w="365709">
+                  <a:extLst>
+                    <a:ext uri="{9D8B030D-6E8A-4147-A177-3AD203B41FA5}">
+                      <a16:colId xmlns:a16="http://schemas.microsoft.com/office/drawing/2014/main" val="2109735214"/>
+                    </a:ext>
+                  </a:extLst>
+                </a:gridCol>
+                <a:gridCol w="365709">
+                  <a:extLst>
+                    <a:ext uri="{9D8B030D-6E8A-4147-A177-3AD203B41FA5}">
+                      <a16:colId xmlns:a16="http://schemas.microsoft.com/office/drawing/2014/main" val="963963792"/>
+                    </a:ext>
+                  </a:extLst>
+                </a:gridCol>
+                <a:gridCol w="365709">
+                  <a:extLst>
+                    <a:ext uri="{9D8B030D-6E8A-4147-A177-3AD203B41FA5}">
+                      <a16:colId xmlns:a16="http://schemas.microsoft.com/office/drawing/2014/main" val="3292845390"/>
+                    </a:ext>
+                  </a:extLst>
+                </a:gridCol>
+              </a:tblGrid>
+              <a:tr h="370840">
+                <a:tc>
+                  <a:txBody>
+                    <a:bodyPr/>
+                    <a:lstStyle/>
+                    <a:p>
+                      <a:endParaRPr lang="en-US" dirty="0"/>
+                    </a:p>
+                  </a:txBody>
+                  <a:tcPr>
+                    <a:solidFill>
+                      <a:schemeClr val="bg1"/>
+                    </a:solidFill>
+                  </a:tcPr>
+                </a:tc>
+                <a:tc>
+                  <a:txBody>
+                    <a:bodyPr/>
+                    <a:lstStyle/>
+                    <a:p>
+                      <a:endParaRPr lang="en-US" dirty="0"/>
+                    </a:p>
+                  </a:txBody>
+                  <a:tcPr>
+                    <a:lnB w="12700" cap="flat" cmpd="sng" algn="ctr">
+                      <a:solidFill>
+                        <a:schemeClr val="tx1"/>
+                      </a:solidFill>
+                      <a:prstDash val="solid"/>
+                      <a:round/>
+                      <a:headEnd type="none" w="med" len="med"/>
+                      <a:tailEnd type="none" w="med" len="med"/>
+                    </a:lnB>
+                    <a:solidFill>
+                      <a:schemeClr val="bg1"/>
+                    </a:solidFill>
+                  </a:tcPr>
+                </a:tc>
+                <a:tc>
+                  <a:txBody>
+                    <a:bodyPr/>
+                    <a:lstStyle/>
+                    <a:p>
+                      <a:endParaRPr lang="en-US" dirty="0"/>
+                    </a:p>
+                  </a:txBody>
+                  <a:tcPr>
+                    <a:solidFill>
+                      <a:schemeClr val="bg1"/>
+                    </a:solidFill>
+                  </a:tcPr>
+                </a:tc>
+                <a:extLst>
+                  <a:ext uri="{0D108BD9-81ED-4DB2-BD59-A6C34878D82A}">
+                    <a16:rowId xmlns:a16="http://schemas.microsoft.com/office/drawing/2014/main" val="608528951"/>
+                  </a:ext>
+                </a:extLst>
+              </a:tr>
+              <a:tr h="370840">
+                <a:tc>
+                  <a:txBody>
+                    <a:bodyPr/>
+                    <a:lstStyle/>
+                    <a:p>
+                      <a:endParaRPr lang="en-US"/>
+                    </a:p>
+                  </a:txBody>
+                  <a:tcPr>
+                    <a:solidFill>
+                      <a:schemeClr val="bg1"/>
+                    </a:solidFill>
+                  </a:tcPr>
+                </a:tc>
+                <a:tc>
+                  <a:txBody>
+                    <a:bodyPr/>
+                    <a:lstStyle/>
+                    <a:p>
+                      <a:endParaRPr lang="en-US" dirty="0"/>
+                    </a:p>
+                  </a:txBody>
+                  <a:tcPr>
+                    <a:lnT w="12700" cap="flat" cmpd="sng" algn="ctr">
+                      <a:solidFill>
+                        <a:schemeClr val="tx1"/>
+                      </a:solidFill>
+                      <a:prstDash val="solid"/>
+                      <a:round/>
+                      <a:headEnd type="none" w="med" len="med"/>
+                      <a:tailEnd type="none" w="med" len="med"/>
+                    </a:lnT>
+                    <a:solidFill>
+                      <a:schemeClr val="bg1"/>
+                    </a:solidFill>
+                  </a:tcPr>
+                </a:tc>
+                <a:tc>
+                  <a:txBody>
+                    <a:bodyPr/>
+                    <a:lstStyle/>
+                    <a:p>
+                      <a:endParaRPr lang="en-US" dirty="0"/>
+                    </a:p>
+                  </a:txBody>
+                  <a:tcPr>
+                    <a:solidFill>
+                      <a:schemeClr val="bg1"/>
+                    </a:solidFill>
+                  </a:tcPr>
+                </a:tc>
+                <a:extLst>
+                  <a:ext uri="{0D108BD9-81ED-4DB2-BD59-A6C34878D82A}">
+                    <a16:rowId xmlns:a16="http://schemas.microsoft.com/office/drawing/2014/main" val="521488567"/>
+                  </a:ext>
+                </a:extLst>
+              </a:tr>
+            </a:tbl>
+          </a:graphicData>
+        </a:graphic>
+      </p:graphicFrame>
     </p:spTree>
     <p:extLst>
       <p:ext uri="{BB962C8B-B14F-4D97-AF65-F5344CB8AC3E}">
@@ -13667,8 +14045,8 @@
         </p:nvSpPr>
         <p:spPr>
           <a:xfrm>
-            <a:off x="189010" y="5095787"/>
-            <a:ext cx="1318726" cy="584775"/>
+            <a:off x="193868" y="5242346"/>
+            <a:ext cx="407008" cy="584775"/>
           </a:xfrm>
           <a:prstGeom prst="rect">
             <a:avLst/>
@@ -13703,13 +14081,13 @@
           <p:nvPr>
             <p:extLst>
               <p:ext uri="{D42A27DB-BD31-4B8C-83A1-F6EECF244321}">
-                <p14:modId xmlns:p14="http://schemas.microsoft.com/office/powerpoint/2010/main" val="1999440198"/>
+                <p14:modId xmlns:p14="http://schemas.microsoft.com/office/powerpoint/2010/main" val="2368098225"/>
               </p:ext>
             </p:extLst>
           </p:nvPr>
         </p:nvGraphicFramePr>
         <p:xfrm>
-          <a:off x="1056430" y="5122055"/>
+          <a:off x="1061288" y="5268614"/>
           <a:ext cx="763689" cy="523540"/>
         </p:xfrm>
         <a:graphic>
@@ -17583,13 +17961,13 @@
           <p:nvPr>
             <p:extLst>
               <p:ext uri="{D42A27DB-BD31-4B8C-83A1-F6EECF244321}">
-                <p14:modId xmlns:p14="http://schemas.microsoft.com/office/powerpoint/2010/main" val="62531994"/>
+                <p14:modId xmlns:p14="http://schemas.microsoft.com/office/powerpoint/2010/main" val="58206855"/>
               </p:ext>
             </p:extLst>
           </p:nvPr>
         </p:nvGraphicFramePr>
         <p:xfrm>
-          <a:off x="2346642" y="5101647"/>
+          <a:off x="2351500" y="5248206"/>
           <a:ext cx="763689" cy="523540"/>
         </p:xfrm>
         <a:graphic>
@@ -17756,13 +18134,13 @@
           <p:nvPr>
             <p:extLst>
               <p:ext uri="{D42A27DB-BD31-4B8C-83A1-F6EECF244321}">
-                <p14:modId xmlns:p14="http://schemas.microsoft.com/office/powerpoint/2010/main" val="2136050113"/>
+                <p14:modId xmlns:p14="http://schemas.microsoft.com/office/powerpoint/2010/main" val="2783742813"/>
               </p:ext>
             </p:extLst>
           </p:nvPr>
         </p:nvGraphicFramePr>
         <p:xfrm>
-          <a:off x="3646572" y="5095787"/>
+          <a:off x="3651430" y="5242346"/>
           <a:ext cx="763689" cy="523540"/>
         </p:xfrm>
         <a:graphic>
@@ -17929,13 +18307,13 @@
           <p:nvPr>
             <p:extLst>
               <p:ext uri="{D42A27DB-BD31-4B8C-83A1-F6EECF244321}">
-                <p14:modId xmlns:p14="http://schemas.microsoft.com/office/powerpoint/2010/main" val="838822853"/>
+                <p14:modId xmlns:p14="http://schemas.microsoft.com/office/powerpoint/2010/main" val="637468046"/>
               </p:ext>
             </p:extLst>
           </p:nvPr>
         </p:nvGraphicFramePr>
         <p:xfrm>
-          <a:off x="6649370" y="5124714"/>
+          <a:off x="6654228" y="5271273"/>
           <a:ext cx="763689" cy="523540"/>
         </p:xfrm>
         <a:graphic>
@@ -18102,13 +18480,13 @@
           <p:nvPr>
             <p:extLst>
               <p:ext uri="{D42A27DB-BD31-4B8C-83A1-F6EECF244321}">
-                <p14:modId xmlns:p14="http://schemas.microsoft.com/office/powerpoint/2010/main" val="3539654192"/>
+                <p14:modId xmlns:p14="http://schemas.microsoft.com/office/powerpoint/2010/main" val="2708768255"/>
               </p:ext>
             </p:extLst>
           </p:nvPr>
         </p:nvGraphicFramePr>
         <p:xfrm>
-          <a:off x="5081103" y="5122055"/>
+          <a:off x="5085961" y="5268614"/>
           <a:ext cx="763689" cy="523540"/>
         </p:xfrm>
         <a:graphic>
@@ -18275,13 +18653,13 @@
           <p:nvPr>
             <p:extLst>
               <p:ext uri="{D42A27DB-BD31-4B8C-83A1-F6EECF244321}">
-                <p14:modId xmlns:p14="http://schemas.microsoft.com/office/powerpoint/2010/main" val="3790786757"/>
+                <p14:modId xmlns:p14="http://schemas.microsoft.com/office/powerpoint/2010/main" val="1191940904"/>
               </p:ext>
             </p:extLst>
           </p:nvPr>
         </p:nvGraphicFramePr>
         <p:xfrm>
-          <a:off x="8083902" y="5124714"/>
+          <a:off x="8088760" y="5271273"/>
           <a:ext cx="763689" cy="523540"/>
         </p:xfrm>
         <a:graphic>
@@ -18448,13 +18826,13 @@
           <p:nvPr>
             <p:extLst>
               <p:ext uri="{D42A27DB-BD31-4B8C-83A1-F6EECF244321}">
-                <p14:modId xmlns:p14="http://schemas.microsoft.com/office/powerpoint/2010/main" val="3855262740"/>
+                <p14:modId xmlns:p14="http://schemas.microsoft.com/office/powerpoint/2010/main" val="2530263367"/>
               </p:ext>
             </p:extLst>
           </p:nvPr>
         </p:nvGraphicFramePr>
         <p:xfrm>
-          <a:off x="9646445" y="5122055"/>
+          <a:off x="9651303" y="5268614"/>
           <a:ext cx="763689" cy="523540"/>
         </p:xfrm>
         <a:graphic>
@@ -18620,7 +18998,7 @@
         </p:nvSpPr>
         <p:spPr>
           <a:xfrm>
-            <a:off x="3519755" y="5850332"/>
+            <a:off x="3524613" y="5996891"/>
             <a:ext cx="1399592" cy="646331"/>
           </a:xfrm>
           <a:prstGeom prst="rect">
@@ -18655,7 +19033,7 @@
         </p:nvSpPr>
         <p:spPr>
           <a:xfrm>
-            <a:off x="2217762" y="5835425"/>
+            <a:off x="2222620" y="5981984"/>
             <a:ext cx="1399592" cy="646331"/>
           </a:xfrm>
           <a:prstGeom prst="rect">
@@ -18690,7 +19068,7 @@
         </p:nvSpPr>
         <p:spPr>
           <a:xfrm>
-            <a:off x="990082" y="5841285"/>
+            <a:off x="994940" y="5987844"/>
             <a:ext cx="1399592" cy="646331"/>
           </a:xfrm>
           <a:prstGeom prst="rect">
@@ -18725,7 +19103,7 @@
         </p:nvSpPr>
         <p:spPr>
           <a:xfrm>
-            <a:off x="7950161" y="5874194"/>
+            <a:off x="7955019" y="6020753"/>
             <a:ext cx="1399592" cy="646331"/>
           </a:xfrm>
           <a:prstGeom prst="rect">
@@ -18760,7 +19138,7 @@
         </p:nvSpPr>
         <p:spPr>
           <a:xfrm>
-            <a:off x="6550569" y="5840257"/>
+            <a:off x="6555427" y="5986816"/>
             <a:ext cx="1399592" cy="646331"/>
           </a:xfrm>
           <a:prstGeom prst="rect">
@@ -18795,7 +19173,7 @@
         </p:nvSpPr>
         <p:spPr>
           <a:xfrm>
-            <a:off x="5011255" y="5861328"/>
+            <a:off x="5016113" y="6007887"/>
             <a:ext cx="1399592" cy="646331"/>
           </a:xfrm>
           <a:prstGeom prst="rect">
@@ -18830,7 +19208,7 @@
         </p:nvSpPr>
         <p:spPr>
           <a:xfrm>
-            <a:off x="9576600" y="5860129"/>
+            <a:off x="9581458" y="6006688"/>
             <a:ext cx="1399592" cy="646331"/>
           </a:xfrm>
           <a:prstGeom prst="rect">
@@ -18851,6 +19229,1126 @@
           </a:p>
         </p:txBody>
       </p:sp>
+      <p:sp>
+        <p:nvSpPr>
+          <p:cNvPr id="2" name="TextBox 1">
+            <a:extLst>
+              <a:ext uri="{FF2B5EF4-FFF2-40B4-BE49-F238E27FC236}">
+                <a16:creationId xmlns:a16="http://schemas.microsoft.com/office/drawing/2014/main" id="{9298E6A6-477F-481B-A27C-5B804B15AAFF}"/>
+              </a:ext>
+            </a:extLst>
+          </p:cNvPr>
+          <p:cNvSpPr txBox="1"/>
+          <p:nvPr/>
+        </p:nvSpPr>
+        <p:spPr>
+          <a:xfrm>
+            <a:off x="189010" y="4405363"/>
+            <a:ext cx="407008" cy="584775"/>
+          </a:xfrm>
+          <a:prstGeom prst="rect">
+            <a:avLst/>
+          </a:prstGeom>
+          <a:noFill/>
+        </p:spPr>
+        <p:txBody>
+          <a:bodyPr wrap="square" rtlCol="0">
+            <a:spAutoFit/>
+          </a:bodyPr>
+          <a:lstStyle/>
+          <a:p>
+            <a:r>
+              <a:rPr lang="en-US" sz="3200" dirty="0"/>
+              <a:t>+</a:t>
+            </a:r>
+          </a:p>
+        </p:txBody>
+      </p:sp>
+      <p:graphicFrame>
+        <p:nvGraphicFramePr>
+          <p:cNvPr id="3" name="Table 21">
+            <a:extLst>
+              <a:ext uri="{FF2B5EF4-FFF2-40B4-BE49-F238E27FC236}">
+                <a16:creationId xmlns:a16="http://schemas.microsoft.com/office/drawing/2014/main" id="{03199703-D074-4B5C-B93F-120B81BF38A2}"/>
+              </a:ext>
+            </a:extLst>
+          </p:cNvPr>
+          <p:cNvGraphicFramePr>
+            <a:graphicFrameLocks noGrp="1"/>
+          </p:cNvGraphicFramePr>
+          <p:nvPr>
+            <p:extLst>
+              <p:ext uri="{D42A27DB-BD31-4B8C-83A1-F6EECF244321}">
+                <p14:modId xmlns:p14="http://schemas.microsoft.com/office/powerpoint/2010/main" val="3140760193"/>
+              </p:ext>
+            </p:extLst>
+          </p:nvPr>
+        </p:nvGraphicFramePr>
+        <p:xfrm>
+          <a:off x="1056430" y="4431631"/>
+          <a:ext cx="763689" cy="523540"/>
+        </p:xfrm>
+        <a:graphic>
+          <a:graphicData uri="http://schemas.openxmlformats.org/drawingml/2006/table">
+            <a:tbl>
+              <a:tblPr firstRow="1" bandRow="1">
+                <a:tableStyleId>{5940675A-B579-460E-94D1-54222C63F5DA}</a:tableStyleId>
+              </a:tblPr>
+              <a:tblGrid>
+                <a:gridCol w="254563">
+                  <a:extLst>
+                    <a:ext uri="{9D8B030D-6E8A-4147-A177-3AD203B41FA5}">
+                      <a16:colId xmlns:a16="http://schemas.microsoft.com/office/drawing/2014/main" val="2109735214"/>
+                    </a:ext>
+                  </a:extLst>
+                </a:gridCol>
+                <a:gridCol w="254563">
+                  <a:extLst>
+                    <a:ext uri="{9D8B030D-6E8A-4147-A177-3AD203B41FA5}">
+                      <a16:colId xmlns:a16="http://schemas.microsoft.com/office/drawing/2014/main" val="963963792"/>
+                    </a:ext>
+                  </a:extLst>
+                </a:gridCol>
+                <a:gridCol w="254563">
+                  <a:extLst>
+                    <a:ext uri="{9D8B030D-6E8A-4147-A177-3AD203B41FA5}">
+                      <a16:colId xmlns:a16="http://schemas.microsoft.com/office/drawing/2014/main" val="3292845390"/>
+                    </a:ext>
+                  </a:extLst>
+                </a:gridCol>
+              </a:tblGrid>
+              <a:tr h="258135">
+                <a:tc>
+                  <a:txBody>
+                    <a:bodyPr/>
+                    <a:lstStyle/>
+                    <a:p>
+                      <a:endParaRPr lang="en-US" sz="1300" dirty="0"/>
+                    </a:p>
+                  </a:txBody>
+                  <a:tcPr marL="63650" marR="63650" marT="31825" marB="31825">
+                    <a:solidFill>
+                      <a:schemeClr val="bg1"/>
+                    </a:solidFill>
+                  </a:tcPr>
+                </a:tc>
+                <a:tc>
+                  <a:txBody>
+                    <a:bodyPr/>
+                    <a:lstStyle/>
+                    <a:p>
+                      <a:endParaRPr lang="en-US" sz="1300" dirty="0"/>
+                    </a:p>
+                  </a:txBody>
+                  <a:tcPr marL="63650" marR="63650" marT="31825" marB="31825">
+                    <a:solidFill>
+                      <a:schemeClr val="bg1"/>
+                    </a:solidFill>
+                  </a:tcPr>
+                </a:tc>
+                <a:tc>
+                  <a:txBody>
+                    <a:bodyPr/>
+                    <a:lstStyle/>
+                    <a:p>
+                      <a:endParaRPr lang="en-US" sz="1300" dirty="0"/>
+                    </a:p>
+                  </a:txBody>
+                  <a:tcPr marL="63650" marR="63650" marT="31825" marB="31825">
+                    <a:solidFill>
+                      <a:schemeClr val="bg1"/>
+                    </a:solidFill>
+                  </a:tcPr>
+                </a:tc>
+                <a:extLst>
+                  <a:ext uri="{0D108BD9-81ED-4DB2-BD59-A6C34878D82A}">
+                    <a16:rowId xmlns:a16="http://schemas.microsoft.com/office/drawing/2014/main" val="608528951"/>
+                  </a:ext>
+                </a:extLst>
+              </a:tr>
+              <a:tr h="258135">
+                <a:tc>
+                  <a:txBody>
+                    <a:bodyPr/>
+                    <a:lstStyle/>
+                    <a:p>
+                      <a:endParaRPr lang="en-US" sz="1300"/>
+                    </a:p>
+                  </a:txBody>
+                  <a:tcPr marL="63650" marR="63650" marT="31825" marB="31825">
+                    <a:solidFill>
+                      <a:schemeClr val="bg1"/>
+                    </a:solidFill>
+                  </a:tcPr>
+                </a:tc>
+                <a:tc>
+                  <a:txBody>
+                    <a:bodyPr/>
+                    <a:lstStyle/>
+                    <a:p>
+                      <a:endParaRPr lang="en-US" sz="1300" dirty="0"/>
+                    </a:p>
+                  </a:txBody>
+                  <a:tcPr marL="63650" marR="63650" marT="31825" marB="31825">
+                    <a:solidFill>
+                      <a:schemeClr val="bg1"/>
+                    </a:solidFill>
+                  </a:tcPr>
+                </a:tc>
+                <a:tc>
+                  <a:txBody>
+                    <a:bodyPr/>
+                    <a:lstStyle/>
+                    <a:p>
+                      <a:endParaRPr lang="en-US" sz="1300" dirty="0"/>
+                    </a:p>
+                  </a:txBody>
+                  <a:tcPr marL="63650" marR="63650" marT="31825" marB="31825">
+                    <a:solidFill>
+                      <a:schemeClr val="bg1"/>
+                    </a:solidFill>
+                  </a:tcPr>
+                </a:tc>
+                <a:extLst>
+                  <a:ext uri="{0D108BD9-81ED-4DB2-BD59-A6C34878D82A}">
+                    <a16:rowId xmlns:a16="http://schemas.microsoft.com/office/drawing/2014/main" val="521488567"/>
+                  </a:ext>
+                </a:extLst>
+              </a:tr>
+            </a:tbl>
+          </a:graphicData>
+        </a:graphic>
+      </p:graphicFrame>
+      <p:graphicFrame>
+        <p:nvGraphicFramePr>
+          <p:cNvPr id="4" name="Table 21">
+            <a:extLst>
+              <a:ext uri="{FF2B5EF4-FFF2-40B4-BE49-F238E27FC236}">
+                <a16:creationId xmlns:a16="http://schemas.microsoft.com/office/drawing/2014/main" id="{59021165-069C-42D2-A54D-6E6A26450016}"/>
+              </a:ext>
+            </a:extLst>
+          </p:cNvPr>
+          <p:cNvGraphicFramePr>
+            <a:graphicFrameLocks noGrp="1"/>
+          </p:cNvGraphicFramePr>
+          <p:nvPr>
+            <p:extLst>
+              <p:ext uri="{D42A27DB-BD31-4B8C-83A1-F6EECF244321}">
+                <p14:modId xmlns:p14="http://schemas.microsoft.com/office/powerpoint/2010/main" val="2859369338"/>
+              </p:ext>
+            </p:extLst>
+          </p:nvPr>
+        </p:nvGraphicFramePr>
+        <p:xfrm>
+          <a:off x="2346642" y="4411223"/>
+          <a:ext cx="763689" cy="523540"/>
+        </p:xfrm>
+        <a:graphic>
+          <a:graphicData uri="http://schemas.openxmlformats.org/drawingml/2006/table">
+            <a:tbl>
+              <a:tblPr firstRow="1" bandRow="1">
+                <a:tableStyleId>{5940675A-B579-460E-94D1-54222C63F5DA}</a:tableStyleId>
+              </a:tblPr>
+              <a:tblGrid>
+                <a:gridCol w="254563">
+                  <a:extLst>
+                    <a:ext uri="{9D8B030D-6E8A-4147-A177-3AD203B41FA5}">
+                      <a16:colId xmlns:a16="http://schemas.microsoft.com/office/drawing/2014/main" val="2109735214"/>
+                    </a:ext>
+                  </a:extLst>
+                </a:gridCol>
+                <a:gridCol w="254563">
+                  <a:extLst>
+                    <a:ext uri="{9D8B030D-6E8A-4147-A177-3AD203B41FA5}">
+                      <a16:colId xmlns:a16="http://schemas.microsoft.com/office/drawing/2014/main" val="963963792"/>
+                    </a:ext>
+                  </a:extLst>
+                </a:gridCol>
+                <a:gridCol w="254563">
+                  <a:extLst>
+                    <a:ext uri="{9D8B030D-6E8A-4147-A177-3AD203B41FA5}">
+                      <a16:colId xmlns:a16="http://schemas.microsoft.com/office/drawing/2014/main" val="3292845390"/>
+                    </a:ext>
+                  </a:extLst>
+                </a:gridCol>
+              </a:tblGrid>
+              <a:tr h="258135">
+                <a:tc>
+                  <a:txBody>
+                    <a:bodyPr/>
+                    <a:lstStyle/>
+                    <a:p>
+                      <a:endParaRPr lang="en-US" sz="1300" dirty="0"/>
+                    </a:p>
+                  </a:txBody>
+                  <a:tcPr marL="63650" marR="63650" marT="31825" marB="31825">
+                    <a:solidFill>
+                      <a:schemeClr val="bg1"/>
+                    </a:solidFill>
+                  </a:tcPr>
+                </a:tc>
+                <a:tc>
+                  <a:txBody>
+                    <a:bodyPr/>
+                    <a:lstStyle/>
+                    <a:p>
+                      <a:endParaRPr lang="en-US" sz="1300" dirty="0"/>
+                    </a:p>
+                  </a:txBody>
+                  <a:tcPr marL="63650" marR="63650" marT="31825" marB="31825">
+                    <a:solidFill>
+                      <a:schemeClr val="bg1"/>
+                    </a:solidFill>
+                  </a:tcPr>
+                </a:tc>
+                <a:tc>
+                  <a:txBody>
+                    <a:bodyPr/>
+                    <a:lstStyle/>
+                    <a:p>
+                      <a:endParaRPr lang="en-US" sz="1300" dirty="0"/>
+                    </a:p>
+                  </a:txBody>
+                  <a:tcPr marL="63650" marR="63650" marT="31825" marB="31825">
+                    <a:solidFill>
+                      <a:schemeClr val="bg1"/>
+                    </a:solidFill>
+                  </a:tcPr>
+                </a:tc>
+                <a:extLst>
+                  <a:ext uri="{0D108BD9-81ED-4DB2-BD59-A6C34878D82A}">
+                    <a16:rowId xmlns:a16="http://schemas.microsoft.com/office/drawing/2014/main" val="608528951"/>
+                  </a:ext>
+                </a:extLst>
+              </a:tr>
+              <a:tr h="258135">
+                <a:tc>
+                  <a:txBody>
+                    <a:bodyPr/>
+                    <a:lstStyle/>
+                    <a:p>
+                      <a:endParaRPr lang="en-US" sz="1300"/>
+                    </a:p>
+                  </a:txBody>
+                  <a:tcPr marL="63650" marR="63650" marT="31825" marB="31825">
+                    <a:solidFill>
+                      <a:schemeClr val="bg1"/>
+                    </a:solidFill>
+                  </a:tcPr>
+                </a:tc>
+                <a:tc>
+                  <a:txBody>
+                    <a:bodyPr/>
+                    <a:lstStyle/>
+                    <a:p>
+                      <a:endParaRPr lang="en-US" sz="1300"/>
+                    </a:p>
+                  </a:txBody>
+                  <a:tcPr marL="63650" marR="63650" marT="31825" marB="31825">
+                    <a:solidFill>
+                      <a:schemeClr val="bg1"/>
+                    </a:solidFill>
+                  </a:tcPr>
+                </a:tc>
+                <a:tc>
+                  <a:txBody>
+                    <a:bodyPr/>
+                    <a:lstStyle/>
+                    <a:p>
+                      <a:endParaRPr lang="en-US" sz="1300" dirty="0"/>
+                    </a:p>
+                  </a:txBody>
+                  <a:tcPr marL="63650" marR="63650" marT="31825" marB="31825">
+                    <a:solidFill>
+                      <a:schemeClr val="bg1"/>
+                    </a:solidFill>
+                  </a:tcPr>
+                </a:tc>
+                <a:extLst>
+                  <a:ext uri="{0D108BD9-81ED-4DB2-BD59-A6C34878D82A}">
+                    <a16:rowId xmlns:a16="http://schemas.microsoft.com/office/drawing/2014/main" val="521488567"/>
+                  </a:ext>
+                </a:extLst>
+              </a:tr>
+            </a:tbl>
+          </a:graphicData>
+        </a:graphic>
+      </p:graphicFrame>
+      <p:graphicFrame>
+        <p:nvGraphicFramePr>
+          <p:cNvPr id="6" name="Table 21">
+            <a:extLst>
+              <a:ext uri="{FF2B5EF4-FFF2-40B4-BE49-F238E27FC236}">
+                <a16:creationId xmlns:a16="http://schemas.microsoft.com/office/drawing/2014/main" id="{14EB08A8-DBEA-4DD5-BB10-CD98B593BCC8}"/>
+              </a:ext>
+            </a:extLst>
+          </p:cNvPr>
+          <p:cNvGraphicFramePr>
+            <a:graphicFrameLocks noGrp="1"/>
+          </p:cNvGraphicFramePr>
+          <p:nvPr>
+            <p:extLst>
+              <p:ext uri="{D42A27DB-BD31-4B8C-83A1-F6EECF244321}">
+                <p14:modId xmlns:p14="http://schemas.microsoft.com/office/powerpoint/2010/main" val="1554065709"/>
+              </p:ext>
+            </p:extLst>
+          </p:nvPr>
+        </p:nvGraphicFramePr>
+        <p:xfrm>
+          <a:off x="3646572" y="4405363"/>
+          <a:ext cx="763689" cy="523540"/>
+        </p:xfrm>
+        <a:graphic>
+          <a:graphicData uri="http://schemas.openxmlformats.org/drawingml/2006/table">
+            <a:tbl>
+              <a:tblPr firstRow="1" bandRow="1">
+                <a:tableStyleId>{5940675A-B579-460E-94D1-54222C63F5DA}</a:tableStyleId>
+              </a:tblPr>
+              <a:tblGrid>
+                <a:gridCol w="254563">
+                  <a:extLst>
+                    <a:ext uri="{9D8B030D-6E8A-4147-A177-3AD203B41FA5}">
+                      <a16:colId xmlns:a16="http://schemas.microsoft.com/office/drawing/2014/main" val="2109735214"/>
+                    </a:ext>
+                  </a:extLst>
+                </a:gridCol>
+                <a:gridCol w="254563">
+                  <a:extLst>
+                    <a:ext uri="{9D8B030D-6E8A-4147-A177-3AD203B41FA5}">
+                      <a16:colId xmlns:a16="http://schemas.microsoft.com/office/drawing/2014/main" val="963963792"/>
+                    </a:ext>
+                  </a:extLst>
+                </a:gridCol>
+                <a:gridCol w="254563">
+                  <a:extLst>
+                    <a:ext uri="{9D8B030D-6E8A-4147-A177-3AD203B41FA5}">
+                      <a16:colId xmlns:a16="http://schemas.microsoft.com/office/drawing/2014/main" val="3292845390"/>
+                    </a:ext>
+                  </a:extLst>
+                </a:gridCol>
+              </a:tblGrid>
+              <a:tr h="258135">
+                <a:tc>
+                  <a:txBody>
+                    <a:bodyPr/>
+                    <a:lstStyle/>
+                    <a:p>
+                      <a:endParaRPr lang="en-US" sz="1300" dirty="0"/>
+                    </a:p>
+                  </a:txBody>
+                  <a:tcPr marL="63650" marR="63650" marT="31825" marB="31825">
+                    <a:solidFill>
+                      <a:schemeClr val="bg1"/>
+                    </a:solidFill>
+                  </a:tcPr>
+                </a:tc>
+                <a:tc>
+                  <a:txBody>
+                    <a:bodyPr/>
+                    <a:lstStyle/>
+                    <a:p>
+                      <a:endParaRPr lang="en-US" sz="1300" dirty="0"/>
+                    </a:p>
+                  </a:txBody>
+                  <a:tcPr marL="63650" marR="63650" marT="31825" marB="31825">
+                    <a:solidFill>
+                      <a:schemeClr val="bg1"/>
+                    </a:solidFill>
+                  </a:tcPr>
+                </a:tc>
+                <a:tc>
+                  <a:txBody>
+                    <a:bodyPr/>
+                    <a:lstStyle/>
+                    <a:p>
+                      <a:endParaRPr lang="en-US" sz="1300" dirty="0"/>
+                    </a:p>
+                  </a:txBody>
+                  <a:tcPr marL="63650" marR="63650" marT="31825" marB="31825">
+                    <a:solidFill>
+                      <a:schemeClr val="bg1"/>
+                    </a:solidFill>
+                  </a:tcPr>
+                </a:tc>
+                <a:extLst>
+                  <a:ext uri="{0D108BD9-81ED-4DB2-BD59-A6C34878D82A}">
+                    <a16:rowId xmlns:a16="http://schemas.microsoft.com/office/drawing/2014/main" val="608528951"/>
+                  </a:ext>
+                </a:extLst>
+              </a:tr>
+              <a:tr h="258135">
+                <a:tc>
+                  <a:txBody>
+                    <a:bodyPr/>
+                    <a:lstStyle/>
+                    <a:p>
+                      <a:endParaRPr lang="en-US" sz="1300"/>
+                    </a:p>
+                  </a:txBody>
+                  <a:tcPr marL="63650" marR="63650" marT="31825" marB="31825">
+                    <a:solidFill>
+                      <a:schemeClr val="bg1"/>
+                    </a:solidFill>
+                  </a:tcPr>
+                </a:tc>
+                <a:tc>
+                  <a:txBody>
+                    <a:bodyPr/>
+                    <a:lstStyle/>
+                    <a:p>
+                      <a:endParaRPr lang="en-US" sz="1300"/>
+                    </a:p>
+                  </a:txBody>
+                  <a:tcPr marL="63650" marR="63650" marT="31825" marB="31825">
+                    <a:solidFill>
+                      <a:schemeClr val="bg1"/>
+                    </a:solidFill>
+                  </a:tcPr>
+                </a:tc>
+                <a:tc>
+                  <a:txBody>
+                    <a:bodyPr/>
+                    <a:lstStyle/>
+                    <a:p>
+                      <a:endParaRPr lang="en-US" sz="1300" dirty="0"/>
+                    </a:p>
+                  </a:txBody>
+                  <a:tcPr marL="63650" marR="63650" marT="31825" marB="31825">
+                    <a:solidFill>
+                      <a:schemeClr val="bg1"/>
+                    </a:solidFill>
+                  </a:tcPr>
+                </a:tc>
+                <a:extLst>
+                  <a:ext uri="{0D108BD9-81ED-4DB2-BD59-A6C34878D82A}">
+                    <a16:rowId xmlns:a16="http://schemas.microsoft.com/office/drawing/2014/main" val="521488567"/>
+                  </a:ext>
+                </a:extLst>
+              </a:tr>
+            </a:tbl>
+          </a:graphicData>
+        </a:graphic>
+      </p:graphicFrame>
+      <p:graphicFrame>
+        <p:nvGraphicFramePr>
+          <p:cNvPr id="8" name="Table 21">
+            <a:extLst>
+              <a:ext uri="{FF2B5EF4-FFF2-40B4-BE49-F238E27FC236}">
+                <a16:creationId xmlns:a16="http://schemas.microsoft.com/office/drawing/2014/main" id="{962A567E-16A2-4A64-A3B6-89B994C60BD5}"/>
+              </a:ext>
+            </a:extLst>
+          </p:cNvPr>
+          <p:cNvGraphicFramePr>
+            <a:graphicFrameLocks noGrp="1"/>
+          </p:cNvGraphicFramePr>
+          <p:nvPr>
+            <p:extLst>
+              <p:ext uri="{D42A27DB-BD31-4B8C-83A1-F6EECF244321}">
+                <p14:modId xmlns:p14="http://schemas.microsoft.com/office/powerpoint/2010/main" val="1615569267"/>
+              </p:ext>
+            </p:extLst>
+          </p:nvPr>
+        </p:nvGraphicFramePr>
+        <p:xfrm>
+          <a:off x="6649370" y="4434290"/>
+          <a:ext cx="763689" cy="523540"/>
+        </p:xfrm>
+        <a:graphic>
+          <a:graphicData uri="http://schemas.openxmlformats.org/drawingml/2006/table">
+            <a:tbl>
+              <a:tblPr firstRow="1" bandRow="1">
+                <a:tableStyleId>{5940675A-B579-460E-94D1-54222C63F5DA}</a:tableStyleId>
+              </a:tblPr>
+              <a:tblGrid>
+                <a:gridCol w="254563">
+                  <a:extLst>
+                    <a:ext uri="{9D8B030D-6E8A-4147-A177-3AD203B41FA5}">
+                      <a16:colId xmlns:a16="http://schemas.microsoft.com/office/drawing/2014/main" val="2109735214"/>
+                    </a:ext>
+                  </a:extLst>
+                </a:gridCol>
+                <a:gridCol w="254563">
+                  <a:extLst>
+                    <a:ext uri="{9D8B030D-6E8A-4147-A177-3AD203B41FA5}">
+                      <a16:colId xmlns:a16="http://schemas.microsoft.com/office/drawing/2014/main" val="963963792"/>
+                    </a:ext>
+                  </a:extLst>
+                </a:gridCol>
+                <a:gridCol w="254563">
+                  <a:extLst>
+                    <a:ext uri="{9D8B030D-6E8A-4147-A177-3AD203B41FA5}">
+                      <a16:colId xmlns:a16="http://schemas.microsoft.com/office/drawing/2014/main" val="3292845390"/>
+                    </a:ext>
+                  </a:extLst>
+                </a:gridCol>
+              </a:tblGrid>
+              <a:tr h="258135">
+                <a:tc>
+                  <a:txBody>
+                    <a:bodyPr/>
+                    <a:lstStyle/>
+                    <a:p>
+                      <a:endParaRPr lang="en-US" sz="1300" dirty="0"/>
+                    </a:p>
+                  </a:txBody>
+                  <a:tcPr marL="63650" marR="63650" marT="31825" marB="31825">
+                    <a:solidFill>
+                      <a:schemeClr val="bg1"/>
+                    </a:solidFill>
+                  </a:tcPr>
+                </a:tc>
+                <a:tc>
+                  <a:txBody>
+                    <a:bodyPr/>
+                    <a:lstStyle/>
+                    <a:p>
+                      <a:endParaRPr lang="en-US" sz="1300" dirty="0"/>
+                    </a:p>
+                  </a:txBody>
+                  <a:tcPr marL="63650" marR="63650" marT="31825" marB="31825">
+                    <a:solidFill>
+                      <a:schemeClr val="bg1"/>
+                    </a:solidFill>
+                  </a:tcPr>
+                </a:tc>
+                <a:tc>
+                  <a:txBody>
+                    <a:bodyPr/>
+                    <a:lstStyle/>
+                    <a:p>
+                      <a:endParaRPr lang="en-US" sz="1300" dirty="0"/>
+                    </a:p>
+                  </a:txBody>
+                  <a:tcPr marL="63650" marR="63650" marT="31825" marB="31825">
+                    <a:solidFill>
+                      <a:schemeClr val="bg1"/>
+                    </a:solidFill>
+                  </a:tcPr>
+                </a:tc>
+                <a:extLst>
+                  <a:ext uri="{0D108BD9-81ED-4DB2-BD59-A6C34878D82A}">
+                    <a16:rowId xmlns:a16="http://schemas.microsoft.com/office/drawing/2014/main" val="608528951"/>
+                  </a:ext>
+                </a:extLst>
+              </a:tr>
+              <a:tr h="258135">
+                <a:tc>
+                  <a:txBody>
+                    <a:bodyPr/>
+                    <a:lstStyle/>
+                    <a:p>
+                      <a:endParaRPr lang="en-US" sz="1300" dirty="0"/>
+                    </a:p>
+                  </a:txBody>
+                  <a:tcPr marL="63650" marR="63650" marT="31825" marB="31825">
+                    <a:solidFill>
+                      <a:schemeClr val="bg1"/>
+                    </a:solidFill>
+                  </a:tcPr>
+                </a:tc>
+                <a:tc>
+                  <a:txBody>
+                    <a:bodyPr/>
+                    <a:lstStyle/>
+                    <a:p>
+                      <a:endParaRPr lang="en-US" sz="1300" dirty="0"/>
+                    </a:p>
+                  </a:txBody>
+                  <a:tcPr marL="63650" marR="63650" marT="31825" marB="31825">
+                    <a:solidFill>
+                      <a:schemeClr val="bg1"/>
+                    </a:solidFill>
+                  </a:tcPr>
+                </a:tc>
+                <a:tc>
+                  <a:txBody>
+                    <a:bodyPr/>
+                    <a:lstStyle/>
+                    <a:p>
+                      <a:endParaRPr lang="en-US" sz="1300" dirty="0"/>
+                    </a:p>
+                  </a:txBody>
+                  <a:tcPr marL="63650" marR="63650" marT="31825" marB="31825">
+                    <a:solidFill>
+                      <a:schemeClr val="bg1"/>
+                    </a:solidFill>
+                  </a:tcPr>
+                </a:tc>
+                <a:extLst>
+                  <a:ext uri="{0D108BD9-81ED-4DB2-BD59-A6C34878D82A}">
+                    <a16:rowId xmlns:a16="http://schemas.microsoft.com/office/drawing/2014/main" val="521488567"/>
+                  </a:ext>
+                </a:extLst>
+              </a:tr>
+            </a:tbl>
+          </a:graphicData>
+        </a:graphic>
+      </p:graphicFrame>
+      <p:graphicFrame>
+        <p:nvGraphicFramePr>
+          <p:cNvPr id="10" name="Table 21">
+            <a:extLst>
+              <a:ext uri="{FF2B5EF4-FFF2-40B4-BE49-F238E27FC236}">
+                <a16:creationId xmlns:a16="http://schemas.microsoft.com/office/drawing/2014/main" id="{D2BEEDD2-D4C0-4708-9312-9997F88E8CC8}"/>
+              </a:ext>
+            </a:extLst>
+          </p:cNvPr>
+          <p:cNvGraphicFramePr>
+            <a:graphicFrameLocks noGrp="1"/>
+          </p:cNvGraphicFramePr>
+          <p:nvPr>
+            <p:extLst>
+              <p:ext uri="{D42A27DB-BD31-4B8C-83A1-F6EECF244321}">
+                <p14:modId xmlns:p14="http://schemas.microsoft.com/office/powerpoint/2010/main" val="1741975980"/>
+              </p:ext>
+            </p:extLst>
+          </p:nvPr>
+        </p:nvGraphicFramePr>
+        <p:xfrm>
+          <a:off x="5081103" y="4431631"/>
+          <a:ext cx="763689" cy="523540"/>
+        </p:xfrm>
+        <a:graphic>
+          <a:graphicData uri="http://schemas.openxmlformats.org/drawingml/2006/table">
+            <a:tbl>
+              <a:tblPr firstRow="1" bandRow="1">
+                <a:tableStyleId>{5940675A-B579-460E-94D1-54222C63F5DA}</a:tableStyleId>
+              </a:tblPr>
+              <a:tblGrid>
+                <a:gridCol w="254563">
+                  <a:extLst>
+                    <a:ext uri="{9D8B030D-6E8A-4147-A177-3AD203B41FA5}">
+                      <a16:colId xmlns:a16="http://schemas.microsoft.com/office/drawing/2014/main" val="2109735214"/>
+                    </a:ext>
+                  </a:extLst>
+                </a:gridCol>
+                <a:gridCol w="254563">
+                  <a:extLst>
+                    <a:ext uri="{9D8B030D-6E8A-4147-A177-3AD203B41FA5}">
+                      <a16:colId xmlns:a16="http://schemas.microsoft.com/office/drawing/2014/main" val="963963792"/>
+                    </a:ext>
+                  </a:extLst>
+                </a:gridCol>
+                <a:gridCol w="254563">
+                  <a:extLst>
+                    <a:ext uri="{9D8B030D-6E8A-4147-A177-3AD203B41FA5}">
+                      <a16:colId xmlns:a16="http://schemas.microsoft.com/office/drawing/2014/main" val="3292845390"/>
+                    </a:ext>
+                  </a:extLst>
+                </a:gridCol>
+              </a:tblGrid>
+              <a:tr h="258135">
+                <a:tc>
+                  <a:txBody>
+                    <a:bodyPr/>
+                    <a:lstStyle/>
+                    <a:p>
+                      <a:endParaRPr lang="en-US" sz="1300" dirty="0"/>
+                    </a:p>
+                  </a:txBody>
+                  <a:tcPr marL="63650" marR="63650" marT="31825" marB="31825">
+                    <a:solidFill>
+                      <a:schemeClr val="bg1"/>
+                    </a:solidFill>
+                  </a:tcPr>
+                </a:tc>
+                <a:tc>
+                  <a:txBody>
+                    <a:bodyPr/>
+                    <a:lstStyle/>
+                    <a:p>
+                      <a:endParaRPr lang="en-US" sz="1300" dirty="0"/>
+                    </a:p>
+                  </a:txBody>
+                  <a:tcPr marL="63650" marR="63650" marT="31825" marB="31825">
+                    <a:solidFill>
+                      <a:schemeClr val="bg1"/>
+                    </a:solidFill>
+                  </a:tcPr>
+                </a:tc>
+                <a:tc>
+                  <a:txBody>
+                    <a:bodyPr/>
+                    <a:lstStyle/>
+                    <a:p>
+                      <a:endParaRPr lang="en-US" sz="1300" dirty="0"/>
+                    </a:p>
+                  </a:txBody>
+                  <a:tcPr marL="63650" marR="63650" marT="31825" marB="31825">
+                    <a:solidFill>
+                      <a:schemeClr val="bg1"/>
+                    </a:solidFill>
+                  </a:tcPr>
+                </a:tc>
+                <a:extLst>
+                  <a:ext uri="{0D108BD9-81ED-4DB2-BD59-A6C34878D82A}">
+                    <a16:rowId xmlns:a16="http://schemas.microsoft.com/office/drawing/2014/main" val="608528951"/>
+                  </a:ext>
+                </a:extLst>
+              </a:tr>
+              <a:tr h="258135">
+                <a:tc>
+                  <a:txBody>
+                    <a:bodyPr/>
+                    <a:lstStyle/>
+                    <a:p>
+                      <a:endParaRPr lang="en-US" sz="1300"/>
+                    </a:p>
+                  </a:txBody>
+                  <a:tcPr marL="63650" marR="63650" marT="31825" marB="31825">
+                    <a:solidFill>
+                      <a:schemeClr val="bg1"/>
+                    </a:solidFill>
+                  </a:tcPr>
+                </a:tc>
+                <a:tc>
+                  <a:txBody>
+                    <a:bodyPr/>
+                    <a:lstStyle/>
+                    <a:p>
+                      <a:endParaRPr lang="en-US" sz="1300" dirty="0"/>
+                    </a:p>
+                  </a:txBody>
+                  <a:tcPr marL="63650" marR="63650" marT="31825" marB="31825">
+                    <a:solidFill>
+                      <a:schemeClr val="bg1"/>
+                    </a:solidFill>
+                  </a:tcPr>
+                </a:tc>
+                <a:tc>
+                  <a:txBody>
+                    <a:bodyPr/>
+                    <a:lstStyle/>
+                    <a:p>
+                      <a:endParaRPr lang="en-US" sz="1300" dirty="0"/>
+                    </a:p>
+                  </a:txBody>
+                  <a:tcPr marL="63650" marR="63650" marT="31825" marB="31825">
+                    <a:solidFill>
+                      <a:schemeClr val="bg1"/>
+                    </a:solidFill>
+                  </a:tcPr>
+                </a:tc>
+                <a:extLst>
+                  <a:ext uri="{0D108BD9-81ED-4DB2-BD59-A6C34878D82A}">
+                    <a16:rowId xmlns:a16="http://schemas.microsoft.com/office/drawing/2014/main" val="521488567"/>
+                  </a:ext>
+                </a:extLst>
+              </a:tr>
+            </a:tbl>
+          </a:graphicData>
+        </a:graphic>
+      </p:graphicFrame>
+      <p:graphicFrame>
+        <p:nvGraphicFramePr>
+          <p:cNvPr id="12" name="Table 21">
+            <a:extLst>
+              <a:ext uri="{FF2B5EF4-FFF2-40B4-BE49-F238E27FC236}">
+                <a16:creationId xmlns:a16="http://schemas.microsoft.com/office/drawing/2014/main" id="{304E0F69-879F-4530-836C-DFAB1E7FDB10}"/>
+              </a:ext>
+            </a:extLst>
+          </p:cNvPr>
+          <p:cNvGraphicFramePr>
+            <a:graphicFrameLocks noGrp="1"/>
+          </p:cNvGraphicFramePr>
+          <p:nvPr>
+            <p:extLst>
+              <p:ext uri="{D42A27DB-BD31-4B8C-83A1-F6EECF244321}">
+                <p14:modId xmlns:p14="http://schemas.microsoft.com/office/powerpoint/2010/main" val="1940130733"/>
+              </p:ext>
+            </p:extLst>
+          </p:nvPr>
+        </p:nvGraphicFramePr>
+        <p:xfrm>
+          <a:off x="8083902" y="4434290"/>
+          <a:ext cx="763689" cy="523540"/>
+        </p:xfrm>
+        <a:graphic>
+          <a:graphicData uri="http://schemas.openxmlformats.org/drawingml/2006/table">
+            <a:tbl>
+              <a:tblPr firstRow="1" bandRow="1">
+                <a:tableStyleId>{5940675A-B579-460E-94D1-54222C63F5DA}</a:tableStyleId>
+              </a:tblPr>
+              <a:tblGrid>
+                <a:gridCol w="254563">
+                  <a:extLst>
+                    <a:ext uri="{9D8B030D-6E8A-4147-A177-3AD203B41FA5}">
+                      <a16:colId xmlns:a16="http://schemas.microsoft.com/office/drawing/2014/main" val="2109735214"/>
+                    </a:ext>
+                  </a:extLst>
+                </a:gridCol>
+                <a:gridCol w="254563">
+                  <a:extLst>
+                    <a:ext uri="{9D8B030D-6E8A-4147-A177-3AD203B41FA5}">
+                      <a16:colId xmlns:a16="http://schemas.microsoft.com/office/drawing/2014/main" val="963963792"/>
+                    </a:ext>
+                  </a:extLst>
+                </a:gridCol>
+                <a:gridCol w="254563">
+                  <a:extLst>
+                    <a:ext uri="{9D8B030D-6E8A-4147-A177-3AD203B41FA5}">
+                      <a16:colId xmlns:a16="http://schemas.microsoft.com/office/drawing/2014/main" val="3292845390"/>
+                    </a:ext>
+                  </a:extLst>
+                </a:gridCol>
+              </a:tblGrid>
+              <a:tr h="258135">
+                <a:tc>
+                  <a:txBody>
+                    <a:bodyPr/>
+                    <a:lstStyle/>
+                    <a:p>
+                      <a:endParaRPr lang="en-US" sz="1300" dirty="0"/>
+                    </a:p>
+                  </a:txBody>
+                  <a:tcPr marL="63650" marR="63650" marT="31825" marB="31825">
+                    <a:solidFill>
+                      <a:schemeClr val="bg1"/>
+                    </a:solidFill>
+                  </a:tcPr>
+                </a:tc>
+                <a:tc>
+                  <a:txBody>
+                    <a:bodyPr/>
+                    <a:lstStyle/>
+                    <a:p>
+                      <a:endParaRPr lang="en-US" sz="1300" dirty="0"/>
+                    </a:p>
+                  </a:txBody>
+                  <a:tcPr marL="63650" marR="63650" marT="31825" marB="31825">
+                    <a:solidFill>
+                      <a:schemeClr val="bg1"/>
+                    </a:solidFill>
+                  </a:tcPr>
+                </a:tc>
+                <a:tc>
+                  <a:txBody>
+                    <a:bodyPr/>
+                    <a:lstStyle/>
+                    <a:p>
+                      <a:endParaRPr lang="en-US" sz="1300" dirty="0"/>
+                    </a:p>
+                  </a:txBody>
+                  <a:tcPr marL="63650" marR="63650" marT="31825" marB="31825">
+                    <a:solidFill>
+                      <a:schemeClr val="bg1"/>
+                    </a:solidFill>
+                  </a:tcPr>
+                </a:tc>
+                <a:extLst>
+                  <a:ext uri="{0D108BD9-81ED-4DB2-BD59-A6C34878D82A}">
+                    <a16:rowId xmlns:a16="http://schemas.microsoft.com/office/drawing/2014/main" val="608528951"/>
+                  </a:ext>
+                </a:extLst>
+              </a:tr>
+              <a:tr h="258135">
+                <a:tc>
+                  <a:txBody>
+                    <a:bodyPr/>
+                    <a:lstStyle/>
+                    <a:p>
+                      <a:endParaRPr lang="en-US" sz="1300"/>
+                    </a:p>
+                  </a:txBody>
+                  <a:tcPr marL="63650" marR="63650" marT="31825" marB="31825">
+                    <a:solidFill>
+                      <a:schemeClr val="bg1"/>
+                    </a:solidFill>
+                  </a:tcPr>
+                </a:tc>
+                <a:tc>
+                  <a:txBody>
+                    <a:bodyPr/>
+                    <a:lstStyle/>
+                    <a:p>
+                      <a:endParaRPr lang="en-US" sz="1300"/>
+                    </a:p>
+                  </a:txBody>
+                  <a:tcPr marL="63650" marR="63650" marT="31825" marB="31825">
+                    <a:solidFill>
+                      <a:schemeClr val="bg1"/>
+                    </a:solidFill>
+                  </a:tcPr>
+                </a:tc>
+                <a:tc>
+                  <a:txBody>
+                    <a:bodyPr/>
+                    <a:lstStyle/>
+                    <a:p>
+                      <a:endParaRPr lang="en-US" sz="1300" dirty="0"/>
+                    </a:p>
+                  </a:txBody>
+                  <a:tcPr marL="63650" marR="63650" marT="31825" marB="31825">
+                    <a:solidFill>
+                      <a:schemeClr val="bg1"/>
+                    </a:solidFill>
+                  </a:tcPr>
+                </a:tc>
+                <a:extLst>
+                  <a:ext uri="{0D108BD9-81ED-4DB2-BD59-A6C34878D82A}">
+                    <a16:rowId xmlns:a16="http://schemas.microsoft.com/office/drawing/2014/main" val="521488567"/>
+                  </a:ext>
+                </a:extLst>
+              </a:tr>
+            </a:tbl>
+          </a:graphicData>
+        </a:graphic>
+      </p:graphicFrame>
+      <p:graphicFrame>
+        <p:nvGraphicFramePr>
+          <p:cNvPr id="14" name="Table 21">
+            <a:extLst>
+              <a:ext uri="{FF2B5EF4-FFF2-40B4-BE49-F238E27FC236}">
+                <a16:creationId xmlns:a16="http://schemas.microsoft.com/office/drawing/2014/main" id="{BA52168E-604D-4303-B2B7-4AE732778CA8}"/>
+              </a:ext>
+            </a:extLst>
+          </p:cNvPr>
+          <p:cNvGraphicFramePr>
+            <a:graphicFrameLocks noGrp="1"/>
+          </p:cNvGraphicFramePr>
+          <p:nvPr>
+            <p:extLst>
+              <p:ext uri="{D42A27DB-BD31-4B8C-83A1-F6EECF244321}">
+                <p14:modId xmlns:p14="http://schemas.microsoft.com/office/powerpoint/2010/main" val="2226273498"/>
+              </p:ext>
+            </p:extLst>
+          </p:nvPr>
+        </p:nvGraphicFramePr>
+        <p:xfrm>
+          <a:off x="9646445" y="4431631"/>
+          <a:ext cx="763689" cy="523540"/>
+        </p:xfrm>
+        <a:graphic>
+          <a:graphicData uri="http://schemas.openxmlformats.org/drawingml/2006/table">
+            <a:tbl>
+              <a:tblPr firstRow="1" bandRow="1">
+                <a:tableStyleId>{5940675A-B579-460E-94D1-54222C63F5DA}</a:tableStyleId>
+              </a:tblPr>
+              <a:tblGrid>
+                <a:gridCol w="254563">
+                  <a:extLst>
+                    <a:ext uri="{9D8B030D-6E8A-4147-A177-3AD203B41FA5}">
+                      <a16:colId xmlns:a16="http://schemas.microsoft.com/office/drawing/2014/main" val="2109735214"/>
+                    </a:ext>
+                  </a:extLst>
+                </a:gridCol>
+                <a:gridCol w="254563">
+                  <a:extLst>
+                    <a:ext uri="{9D8B030D-6E8A-4147-A177-3AD203B41FA5}">
+                      <a16:colId xmlns:a16="http://schemas.microsoft.com/office/drawing/2014/main" val="963963792"/>
+                    </a:ext>
+                  </a:extLst>
+                </a:gridCol>
+                <a:gridCol w="254563">
+                  <a:extLst>
+                    <a:ext uri="{9D8B030D-6E8A-4147-A177-3AD203B41FA5}">
+                      <a16:colId xmlns:a16="http://schemas.microsoft.com/office/drawing/2014/main" val="3292845390"/>
+                    </a:ext>
+                  </a:extLst>
+                </a:gridCol>
+              </a:tblGrid>
+              <a:tr h="258135">
+                <a:tc>
+                  <a:txBody>
+                    <a:bodyPr/>
+                    <a:lstStyle/>
+                    <a:p>
+                      <a:endParaRPr lang="en-US" sz="1300" dirty="0"/>
+                    </a:p>
+                  </a:txBody>
+                  <a:tcPr marL="63650" marR="63650" marT="31825" marB="31825">
+                    <a:solidFill>
+                      <a:schemeClr val="bg1"/>
+                    </a:solidFill>
+                  </a:tcPr>
+                </a:tc>
+                <a:tc>
+                  <a:txBody>
+                    <a:bodyPr/>
+                    <a:lstStyle/>
+                    <a:p>
+                      <a:endParaRPr lang="en-US" sz="1300" dirty="0"/>
+                    </a:p>
+                  </a:txBody>
+                  <a:tcPr marL="63650" marR="63650" marT="31825" marB="31825">
+                    <a:solidFill>
+                      <a:schemeClr val="bg1"/>
+                    </a:solidFill>
+                  </a:tcPr>
+                </a:tc>
+                <a:tc>
+                  <a:txBody>
+                    <a:bodyPr/>
+                    <a:lstStyle/>
+                    <a:p>
+                      <a:endParaRPr lang="en-US" sz="1300"/>
+                    </a:p>
+                  </a:txBody>
+                  <a:tcPr marL="63650" marR="63650" marT="31825" marB="31825">
+                    <a:solidFill>
+                      <a:schemeClr val="bg1"/>
+                    </a:solidFill>
+                  </a:tcPr>
+                </a:tc>
+                <a:extLst>
+                  <a:ext uri="{0D108BD9-81ED-4DB2-BD59-A6C34878D82A}">
+                    <a16:rowId xmlns:a16="http://schemas.microsoft.com/office/drawing/2014/main" val="608528951"/>
+                  </a:ext>
+                </a:extLst>
+              </a:tr>
+              <a:tr h="258135">
+                <a:tc>
+                  <a:txBody>
+                    <a:bodyPr/>
+                    <a:lstStyle/>
+                    <a:p>
+                      <a:endParaRPr lang="en-US" sz="1300"/>
+                    </a:p>
+                  </a:txBody>
+                  <a:tcPr marL="63650" marR="63650" marT="31825" marB="31825">
+                    <a:solidFill>
+                      <a:schemeClr val="bg1"/>
+                    </a:solidFill>
+                  </a:tcPr>
+                </a:tc>
+                <a:tc>
+                  <a:txBody>
+                    <a:bodyPr/>
+                    <a:lstStyle/>
+                    <a:p>
+                      <a:endParaRPr lang="en-US" sz="1300"/>
+                    </a:p>
+                  </a:txBody>
+                  <a:tcPr marL="63650" marR="63650" marT="31825" marB="31825">
+                    <a:solidFill>
+                      <a:schemeClr val="bg1"/>
+                    </a:solidFill>
+                  </a:tcPr>
+                </a:tc>
+                <a:tc>
+                  <a:txBody>
+                    <a:bodyPr/>
+                    <a:lstStyle/>
+                    <a:p>
+                      <a:endParaRPr lang="en-US" sz="1300" dirty="0"/>
+                    </a:p>
+                  </a:txBody>
+                  <a:tcPr marL="63650" marR="63650" marT="31825" marB="31825">
+                    <a:solidFill>
+                      <a:schemeClr val="bg1"/>
+                    </a:solidFill>
+                  </a:tcPr>
+                </a:tc>
+                <a:extLst>
+                  <a:ext uri="{0D108BD9-81ED-4DB2-BD59-A6C34878D82A}">
+                    <a16:rowId xmlns:a16="http://schemas.microsoft.com/office/drawing/2014/main" val="521488567"/>
+                  </a:ext>
+                </a:extLst>
+              </a:tr>
+            </a:tbl>
+          </a:graphicData>
+        </a:graphic>
+      </p:graphicFrame>
     </p:spTree>
     <p:extLst>
       <p:ext uri="{BB962C8B-B14F-4D97-AF65-F5344CB8AC3E}">
@@ -18896,13 +20394,13 @@
           <p:nvPr>
             <p:extLst>
               <p:ext uri="{D42A27DB-BD31-4B8C-83A1-F6EECF244321}">
-                <p14:modId xmlns:p14="http://schemas.microsoft.com/office/powerpoint/2010/main" val="519934089"/>
+                <p14:modId xmlns:p14="http://schemas.microsoft.com/office/powerpoint/2010/main" val="1541781639"/>
               </p:ext>
             </p:extLst>
           </p:nvPr>
         </p:nvGraphicFramePr>
         <p:xfrm>
-          <a:off x="6649621" y="3021242"/>
+          <a:off x="8954362" y="3041163"/>
           <a:ext cx="763689" cy="523540"/>
         </p:xfrm>
         <a:graphic>
@@ -19069,13 +20567,13 @@
           <p:nvPr>
             <p:extLst>
               <p:ext uri="{D42A27DB-BD31-4B8C-83A1-F6EECF244321}">
-                <p14:modId xmlns:p14="http://schemas.microsoft.com/office/powerpoint/2010/main" val="213631521"/>
+                <p14:modId xmlns:p14="http://schemas.microsoft.com/office/powerpoint/2010/main" val="2062946531"/>
               </p:ext>
             </p:extLst>
           </p:nvPr>
         </p:nvGraphicFramePr>
         <p:xfrm>
-          <a:off x="6518147" y="2884675"/>
+          <a:off x="8822888" y="2904596"/>
           <a:ext cx="763689" cy="523540"/>
         </p:xfrm>
         <a:graphic>
@@ -19242,13 +20740,13 @@
           <p:nvPr>
             <p:extLst>
               <p:ext uri="{D42A27DB-BD31-4B8C-83A1-F6EECF244321}">
-                <p14:modId xmlns:p14="http://schemas.microsoft.com/office/powerpoint/2010/main" val="2987694548"/>
+                <p14:modId xmlns:p14="http://schemas.microsoft.com/office/powerpoint/2010/main" val="703891114"/>
               </p:ext>
             </p:extLst>
           </p:nvPr>
         </p:nvGraphicFramePr>
         <p:xfrm>
-          <a:off x="6399251" y="2759472"/>
+          <a:off x="8703992" y="2779393"/>
           <a:ext cx="763689" cy="523540"/>
         </p:xfrm>
         <a:graphic>
@@ -19415,13 +20913,13 @@
           <p:nvPr>
             <p:extLst>
               <p:ext uri="{D42A27DB-BD31-4B8C-83A1-F6EECF244321}">
-                <p14:modId xmlns:p14="http://schemas.microsoft.com/office/powerpoint/2010/main" val="2623029357"/>
+                <p14:modId xmlns:p14="http://schemas.microsoft.com/office/powerpoint/2010/main" val="3811205324"/>
               </p:ext>
             </p:extLst>
           </p:nvPr>
         </p:nvGraphicFramePr>
         <p:xfrm>
-          <a:off x="6267777" y="2625928"/>
+          <a:off x="8572518" y="2645849"/>
           <a:ext cx="763689" cy="523540"/>
         </p:xfrm>
         <a:graphic>
@@ -19588,13 +21086,13 @@
           <p:nvPr>
             <p:extLst>
               <p:ext uri="{D42A27DB-BD31-4B8C-83A1-F6EECF244321}">
-                <p14:modId xmlns:p14="http://schemas.microsoft.com/office/powerpoint/2010/main" val="1757836564"/>
+                <p14:modId xmlns:p14="http://schemas.microsoft.com/office/powerpoint/2010/main" val="1814285090"/>
               </p:ext>
             </p:extLst>
           </p:nvPr>
         </p:nvGraphicFramePr>
         <p:xfrm>
-          <a:off x="6136303" y="2495043"/>
+          <a:off x="8441044" y="2514964"/>
           <a:ext cx="763689" cy="523540"/>
         </p:xfrm>
         <a:graphic>
@@ -19761,13 +21259,13 @@
           <p:nvPr>
             <p:extLst>
               <p:ext uri="{D42A27DB-BD31-4B8C-83A1-F6EECF244321}">
-                <p14:modId xmlns:p14="http://schemas.microsoft.com/office/powerpoint/2010/main" val="3235565723"/>
+                <p14:modId xmlns:p14="http://schemas.microsoft.com/office/powerpoint/2010/main" val="57552933"/>
               </p:ext>
             </p:extLst>
           </p:nvPr>
         </p:nvGraphicFramePr>
         <p:xfrm>
-          <a:off x="6004829" y="2364158"/>
+          <a:off x="8309570" y="2384079"/>
           <a:ext cx="763689" cy="523540"/>
         </p:xfrm>
         <a:graphic>
@@ -21819,8 +23317,8 @@
         </p:nvSpPr>
         <p:spPr>
           <a:xfrm>
-            <a:off x="5011255" y="2440003"/>
-            <a:ext cx="1318726" cy="584775"/>
+            <a:off x="7326665" y="2484346"/>
+            <a:ext cx="436406" cy="584775"/>
           </a:xfrm>
           <a:prstGeom prst="rect">
             <a:avLst/>
@@ -21855,13 +23353,13 @@
           <p:nvPr>
             <p:extLst>
               <p:ext uri="{D42A27DB-BD31-4B8C-83A1-F6EECF244321}">
-                <p14:modId xmlns:p14="http://schemas.microsoft.com/office/powerpoint/2010/main" val="3732650085"/>
+                <p14:modId xmlns:p14="http://schemas.microsoft.com/office/powerpoint/2010/main" val="431129199"/>
               </p:ext>
             </p:extLst>
           </p:nvPr>
         </p:nvGraphicFramePr>
         <p:xfrm>
-          <a:off x="5885932" y="2233273"/>
+          <a:off x="8190673" y="2253194"/>
           <a:ext cx="763689" cy="523540"/>
         </p:xfrm>
         <a:graphic>
@@ -22162,6 +23660,1126 @@
           </a:p>
         </p:txBody>
       </p:sp>
+      <p:graphicFrame>
+        <p:nvGraphicFramePr>
+          <p:cNvPr id="3" name="Table 21">
+            <a:extLst>
+              <a:ext uri="{FF2B5EF4-FFF2-40B4-BE49-F238E27FC236}">
+                <a16:creationId xmlns:a16="http://schemas.microsoft.com/office/drawing/2014/main" id="{631E6457-5959-4029-86A8-990A6B19BDC5}"/>
+              </a:ext>
+            </a:extLst>
+          </p:cNvPr>
+          <p:cNvGraphicFramePr>
+            <a:graphicFrameLocks noGrp="1"/>
+          </p:cNvGraphicFramePr>
+          <p:nvPr>
+            <p:extLst>
+              <p:ext uri="{D42A27DB-BD31-4B8C-83A1-F6EECF244321}">
+                <p14:modId xmlns:p14="http://schemas.microsoft.com/office/powerpoint/2010/main" val="2649464045"/>
+              </p:ext>
+            </p:extLst>
+          </p:nvPr>
+        </p:nvGraphicFramePr>
+        <p:xfrm>
+          <a:off x="6135374" y="3041163"/>
+          <a:ext cx="763689" cy="523540"/>
+        </p:xfrm>
+        <a:graphic>
+          <a:graphicData uri="http://schemas.openxmlformats.org/drawingml/2006/table">
+            <a:tbl>
+              <a:tblPr firstRow="1" bandRow="1">
+                <a:tableStyleId>{5940675A-B579-460E-94D1-54222C63F5DA}</a:tableStyleId>
+              </a:tblPr>
+              <a:tblGrid>
+                <a:gridCol w="254563">
+                  <a:extLst>
+                    <a:ext uri="{9D8B030D-6E8A-4147-A177-3AD203B41FA5}">
+                      <a16:colId xmlns:a16="http://schemas.microsoft.com/office/drawing/2014/main" val="2109735214"/>
+                    </a:ext>
+                  </a:extLst>
+                </a:gridCol>
+                <a:gridCol w="254563">
+                  <a:extLst>
+                    <a:ext uri="{9D8B030D-6E8A-4147-A177-3AD203B41FA5}">
+                      <a16:colId xmlns:a16="http://schemas.microsoft.com/office/drawing/2014/main" val="963963792"/>
+                    </a:ext>
+                  </a:extLst>
+                </a:gridCol>
+                <a:gridCol w="254563">
+                  <a:extLst>
+                    <a:ext uri="{9D8B030D-6E8A-4147-A177-3AD203B41FA5}">
+                      <a16:colId xmlns:a16="http://schemas.microsoft.com/office/drawing/2014/main" val="3292845390"/>
+                    </a:ext>
+                  </a:extLst>
+                </a:gridCol>
+              </a:tblGrid>
+              <a:tr h="258135">
+                <a:tc>
+                  <a:txBody>
+                    <a:bodyPr/>
+                    <a:lstStyle/>
+                    <a:p>
+                      <a:endParaRPr lang="en-US" sz="1300" dirty="0"/>
+                    </a:p>
+                  </a:txBody>
+                  <a:tcPr marL="63650" marR="63650" marT="31825" marB="31825">
+                    <a:solidFill>
+                      <a:schemeClr val="bg1"/>
+                    </a:solidFill>
+                  </a:tcPr>
+                </a:tc>
+                <a:tc>
+                  <a:txBody>
+                    <a:bodyPr/>
+                    <a:lstStyle/>
+                    <a:p>
+                      <a:endParaRPr lang="en-US" sz="1300" dirty="0"/>
+                    </a:p>
+                  </a:txBody>
+                  <a:tcPr marL="63650" marR="63650" marT="31825" marB="31825">
+                    <a:solidFill>
+                      <a:schemeClr val="bg1"/>
+                    </a:solidFill>
+                  </a:tcPr>
+                </a:tc>
+                <a:tc>
+                  <a:txBody>
+                    <a:bodyPr/>
+                    <a:lstStyle/>
+                    <a:p>
+                      <a:endParaRPr lang="en-US" sz="1300"/>
+                    </a:p>
+                  </a:txBody>
+                  <a:tcPr marL="63650" marR="63650" marT="31825" marB="31825">
+                    <a:solidFill>
+                      <a:schemeClr val="bg1"/>
+                    </a:solidFill>
+                  </a:tcPr>
+                </a:tc>
+                <a:extLst>
+                  <a:ext uri="{0D108BD9-81ED-4DB2-BD59-A6C34878D82A}">
+                    <a16:rowId xmlns:a16="http://schemas.microsoft.com/office/drawing/2014/main" val="608528951"/>
+                  </a:ext>
+                </a:extLst>
+              </a:tr>
+              <a:tr h="258135">
+                <a:tc>
+                  <a:txBody>
+                    <a:bodyPr/>
+                    <a:lstStyle/>
+                    <a:p>
+                      <a:endParaRPr lang="en-US" sz="1300"/>
+                    </a:p>
+                  </a:txBody>
+                  <a:tcPr marL="63650" marR="63650" marT="31825" marB="31825">
+                    <a:solidFill>
+                      <a:schemeClr val="bg1"/>
+                    </a:solidFill>
+                  </a:tcPr>
+                </a:tc>
+                <a:tc>
+                  <a:txBody>
+                    <a:bodyPr/>
+                    <a:lstStyle/>
+                    <a:p>
+                      <a:endParaRPr lang="en-US" sz="1300"/>
+                    </a:p>
+                  </a:txBody>
+                  <a:tcPr marL="63650" marR="63650" marT="31825" marB="31825">
+                    <a:solidFill>
+                      <a:schemeClr val="bg1"/>
+                    </a:solidFill>
+                  </a:tcPr>
+                </a:tc>
+                <a:tc>
+                  <a:txBody>
+                    <a:bodyPr/>
+                    <a:lstStyle/>
+                    <a:p>
+                      <a:endParaRPr lang="en-US" sz="1300" dirty="0"/>
+                    </a:p>
+                  </a:txBody>
+                  <a:tcPr marL="63650" marR="63650" marT="31825" marB="31825">
+                    <a:solidFill>
+                      <a:schemeClr val="bg1"/>
+                    </a:solidFill>
+                  </a:tcPr>
+                </a:tc>
+                <a:extLst>
+                  <a:ext uri="{0D108BD9-81ED-4DB2-BD59-A6C34878D82A}">
+                    <a16:rowId xmlns:a16="http://schemas.microsoft.com/office/drawing/2014/main" val="521488567"/>
+                  </a:ext>
+                </a:extLst>
+              </a:tr>
+            </a:tbl>
+          </a:graphicData>
+        </a:graphic>
+      </p:graphicFrame>
+      <p:graphicFrame>
+        <p:nvGraphicFramePr>
+          <p:cNvPr id="8" name="Table 21">
+            <a:extLst>
+              <a:ext uri="{FF2B5EF4-FFF2-40B4-BE49-F238E27FC236}">
+                <a16:creationId xmlns:a16="http://schemas.microsoft.com/office/drawing/2014/main" id="{DB92E433-8200-492F-8B7C-4E7AA20B42F8}"/>
+              </a:ext>
+            </a:extLst>
+          </p:cNvPr>
+          <p:cNvGraphicFramePr>
+            <a:graphicFrameLocks noGrp="1"/>
+          </p:cNvGraphicFramePr>
+          <p:nvPr>
+            <p:extLst>
+              <p:ext uri="{D42A27DB-BD31-4B8C-83A1-F6EECF244321}">
+                <p14:modId xmlns:p14="http://schemas.microsoft.com/office/powerpoint/2010/main" val="524876976"/>
+              </p:ext>
+            </p:extLst>
+          </p:nvPr>
+        </p:nvGraphicFramePr>
+        <p:xfrm>
+          <a:off x="6003900" y="2904596"/>
+          <a:ext cx="763689" cy="523540"/>
+        </p:xfrm>
+        <a:graphic>
+          <a:graphicData uri="http://schemas.openxmlformats.org/drawingml/2006/table">
+            <a:tbl>
+              <a:tblPr firstRow="1" bandRow="1">
+                <a:tableStyleId>{5940675A-B579-460E-94D1-54222C63F5DA}</a:tableStyleId>
+              </a:tblPr>
+              <a:tblGrid>
+                <a:gridCol w="254563">
+                  <a:extLst>
+                    <a:ext uri="{9D8B030D-6E8A-4147-A177-3AD203B41FA5}">
+                      <a16:colId xmlns:a16="http://schemas.microsoft.com/office/drawing/2014/main" val="2109735214"/>
+                    </a:ext>
+                  </a:extLst>
+                </a:gridCol>
+                <a:gridCol w="254563">
+                  <a:extLst>
+                    <a:ext uri="{9D8B030D-6E8A-4147-A177-3AD203B41FA5}">
+                      <a16:colId xmlns:a16="http://schemas.microsoft.com/office/drawing/2014/main" val="963963792"/>
+                    </a:ext>
+                  </a:extLst>
+                </a:gridCol>
+                <a:gridCol w="254563">
+                  <a:extLst>
+                    <a:ext uri="{9D8B030D-6E8A-4147-A177-3AD203B41FA5}">
+                      <a16:colId xmlns:a16="http://schemas.microsoft.com/office/drawing/2014/main" val="3292845390"/>
+                    </a:ext>
+                  </a:extLst>
+                </a:gridCol>
+              </a:tblGrid>
+              <a:tr h="258135">
+                <a:tc>
+                  <a:txBody>
+                    <a:bodyPr/>
+                    <a:lstStyle/>
+                    <a:p>
+                      <a:endParaRPr lang="en-US" sz="1300" dirty="0"/>
+                    </a:p>
+                  </a:txBody>
+                  <a:tcPr marL="63650" marR="63650" marT="31825" marB="31825">
+                    <a:solidFill>
+                      <a:schemeClr val="bg1"/>
+                    </a:solidFill>
+                  </a:tcPr>
+                </a:tc>
+                <a:tc>
+                  <a:txBody>
+                    <a:bodyPr/>
+                    <a:lstStyle/>
+                    <a:p>
+                      <a:endParaRPr lang="en-US" sz="1300" dirty="0"/>
+                    </a:p>
+                  </a:txBody>
+                  <a:tcPr marL="63650" marR="63650" marT="31825" marB="31825">
+                    <a:solidFill>
+                      <a:schemeClr val="bg1"/>
+                    </a:solidFill>
+                  </a:tcPr>
+                </a:tc>
+                <a:tc>
+                  <a:txBody>
+                    <a:bodyPr/>
+                    <a:lstStyle/>
+                    <a:p>
+                      <a:endParaRPr lang="en-US" sz="1300"/>
+                    </a:p>
+                  </a:txBody>
+                  <a:tcPr marL="63650" marR="63650" marT="31825" marB="31825">
+                    <a:solidFill>
+                      <a:schemeClr val="bg1"/>
+                    </a:solidFill>
+                  </a:tcPr>
+                </a:tc>
+                <a:extLst>
+                  <a:ext uri="{0D108BD9-81ED-4DB2-BD59-A6C34878D82A}">
+                    <a16:rowId xmlns:a16="http://schemas.microsoft.com/office/drawing/2014/main" val="608528951"/>
+                  </a:ext>
+                </a:extLst>
+              </a:tr>
+              <a:tr h="258135">
+                <a:tc>
+                  <a:txBody>
+                    <a:bodyPr/>
+                    <a:lstStyle/>
+                    <a:p>
+                      <a:endParaRPr lang="en-US" sz="1300"/>
+                    </a:p>
+                  </a:txBody>
+                  <a:tcPr marL="63650" marR="63650" marT="31825" marB="31825">
+                    <a:solidFill>
+                      <a:schemeClr val="bg1"/>
+                    </a:solidFill>
+                  </a:tcPr>
+                </a:tc>
+                <a:tc>
+                  <a:txBody>
+                    <a:bodyPr/>
+                    <a:lstStyle/>
+                    <a:p>
+                      <a:endParaRPr lang="en-US" sz="1300" dirty="0"/>
+                    </a:p>
+                  </a:txBody>
+                  <a:tcPr marL="63650" marR="63650" marT="31825" marB="31825">
+                    <a:solidFill>
+                      <a:schemeClr val="bg1"/>
+                    </a:solidFill>
+                  </a:tcPr>
+                </a:tc>
+                <a:tc>
+                  <a:txBody>
+                    <a:bodyPr/>
+                    <a:lstStyle/>
+                    <a:p>
+                      <a:endParaRPr lang="en-US" sz="1300" dirty="0"/>
+                    </a:p>
+                  </a:txBody>
+                  <a:tcPr marL="63650" marR="63650" marT="31825" marB="31825">
+                    <a:solidFill>
+                      <a:schemeClr val="bg1"/>
+                    </a:solidFill>
+                  </a:tcPr>
+                </a:tc>
+                <a:extLst>
+                  <a:ext uri="{0D108BD9-81ED-4DB2-BD59-A6C34878D82A}">
+                    <a16:rowId xmlns:a16="http://schemas.microsoft.com/office/drawing/2014/main" val="521488567"/>
+                  </a:ext>
+                </a:extLst>
+              </a:tr>
+            </a:tbl>
+          </a:graphicData>
+        </a:graphic>
+      </p:graphicFrame>
+      <p:graphicFrame>
+        <p:nvGraphicFramePr>
+          <p:cNvPr id="10" name="Table 21">
+            <a:extLst>
+              <a:ext uri="{FF2B5EF4-FFF2-40B4-BE49-F238E27FC236}">
+                <a16:creationId xmlns:a16="http://schemas.microsoft.com/office/drawing/2014/main" id="{21078A4B-C85F-47EB-BF56-2F27EFE8D3AE}"/>
+              </a:ext>
+            </a:extLst>
+          </p:cNvPr>
+          <p:cNvGraphicFramePr>
+            <a:graphicFrameLocks noGrp="1"/>
+          </p:cNvGraphicFramePr>
+          <p:nvPr>
+            <p:extLst>
+              <p:ext uri="{D42A27DB-BD31-4B8C-83A1-F6EECF244321}">
+                <p14:modId xmlns:p14="http://schemas.microsoft.com/office/powerpoint/2010/main" val="3762200335"/>
+              </p:ext>
+            </p:extLst>
+          </p:nvPr>
+        </p:nvGraphicFramePr>
+        <p:xfrm>
+          <a:off x="5885004" y="2779393"/>
+          <a:ext cx="763689" cy="523540"/>
+        </p:xfrm>
+        <a:graphic>
+          <a:graphicData uri="http://schemas.openxmlformats.org/drawingml/2006/table">
+            <a:tbl>
+              <a:tblPr firstRow="1" bandRow="1">
+                <a:tableStyleId>{5940675A-B579-460E-94D1-54222C63F5DA}</a:tableStyleId>
+              </a:tblPr>
+              <a:tblGrid>
+                <a:gridCol w="254563">
+                  <a:extLst>
+                    <a:ext uri="{9D8B030D-6E8A-4147-A177-3AD203B41FA5}">
+                      <a16:colId xmlns:a16="http://schemas.microsoft.com/office/drawing/2014/main" val="2109735214"/>
+                    </a:ext>
+                  </a:extLst>
+                </a:gridCol>
+                <a:gridCol w="254563">
+                  <a:extLst>
+                    <a:ext uri="{9D8B030D-6E8A-4147-A177-3AD203B41FA5}">
+                      <a16:colId xmlns:a16="http://schemas.microsoft.com/office/drawing/2014/main" val="963963792"/>
+                    </a:ext>
+                  </a:extLst>
+                </a:gridCol>
+                <a:gridCol w="254563">
+                  <a:extLst>
+                    <a:ext uri="{9D8B030D-6E8A-4147-A177-3AD203B41FA5}">
+                      <a16:colId xmlns:a16="http://schemas.microsoft.com/office/drawing/2014/main" val="3292845390"/>
+                    </a:ext>
+                  </a:extLst>
+                </a:gridCol>
+              </a:tblGrid>
+              <a:tr h="258135">
+                <a:tc>
+                  <a:txBody>
+                    <a:bodyPr/>
+                    <a:lstStyle/>
+                    <a:p>
+                      <a:endParaRPr lang="en-US" sz="1300" dirty="0"/>
+                    </a:p>
+                  </a:txBody>
+                  <a:tcPr marL="63650" marR="63650" marT="31825" marB="31825">
+                    <a:solidFill>
+                      <a:schemeClr val="bg1"/>
+                    </a:solidFill>
+                  </a:tcPr>
+                </a:tc>
+                <a:tc>
+                  <a:txBody>
+                    <a:bodyPr/>
+                    <a:lstStyle/>
+                    <a:p>
+                      <a:endParaRPr lang="en-US" sz="1300" dirty="0"/>
+                    </a:p>
+                  </a:txBody>
+                  <a:tcPr marL="63650" marR="63650" marT="31825" marB="31825">
+                    <a:solidFill>
+                      <a:schemeClr val="bg1"/>
+                    </a:solidFill>
+                  </a:tcPr>
+                </a:tc>
+                <a:tc>
+                  <a:txBody>
+                    <a:bodyPr/>
+                    <a:lstStyle/>
+                    <a:p>
+                      <a:endParaRPr lang="en-US" sz="1300" dirty="0"/>
+                    </a:p>
+                  </a:txBody>
+                  <a:tcPr marL="63650" marR="63650" marT="31825" marB="31825">
+                    <a:solidFill>
+                      <a:schemeClr val="bg1"/>
+                    </a:solidFill>
+                  </a:tcPr>
+                </a:tc>
+                <a:extLst>
+                  <a:ext uri="{0D108BD9-81ED-4DB2-BD59-A6C34878D82A}">
+                    <a16:rowId xmlns:a16="http://schemas.microsoft.com/office/drawing/2014/main" val="608528951"/>
+                  </a:ext>
+                </a:extLst>
+              </a:tr>
+              <a:tr h="258135">
+                <a:tc>
+                  <a:txBody>
+                    <a:bodyPr/>
+                    <a:lstStyle/>
+                    <a:p>
+                      <a:endParaRPr lang="en-US" sz="1300"/>
+                    </a:p>
+                  </a:txBody>
+                  <a:tcPr marL="63650" marR="63650" marT="31825" marB="31825">
+                    <a:solidFill>
+                      <a:schemeClr val="bg1"/>
+                    </a:solidFill>
+                  </a:tcPr>
+                </a:tc>
+                <a:tc>
+                  <a:txBody>
+                    <a:bodyPr/>
+                    <a:lstStyle/>
+                    <a:p>
+                      <a:endParaRPr lang="en-US" sz="1300" dirty="0"/>
+                    </a:p>
+                  </a:txBody>
+                  <a:tcPr marL="63650" marR="63650" marT="31825" marB="31825">
+                    <a:solidFill>
+                      <a:schemeClr val="bg1"/>
+                    </a:solidFill>
+                  </a:tcPr>
+                </a:tc>
+                <a:tc>
+                  <a:txBody>
+                    <a:bodyPr/>
+                    <a:lstStyle/>
+                    <a:p>
+                      <a:endParaRPr lang="en-US" sz="1300" dirty="0"/>
+                    </a:p>
+                  </a:txBody>
+                  <a:tcPr marL="63650" marR="63650" marT="31825" marB="31825">
+                    <a:solidFill>
+                      <a:schemeClr val="bg1"/>
+                    </a:solidFill>
+                  </a:tcPr>
+                </a:tc>
+                <a:extLst>
+                  <a:ext uri="{0D108BD9-81ED-4DB2-BD59-A6C34878D82A}">
+                    <a16:rowId xmlns:a16="http://schemas.microsoft.com/office/drawing/2014/main" val="521488567"/>
+                  </a:ext>
+                </a:extLst>
+              </a:tr>
+            </a:tbl>
+          </a:graphicData>
+        </a:graphic>
+      </p:graphicFrame>
+      <p:graphicFrame>
+        <p:nvGraphicFramePr>
+          <p:cNvPr id="11" name="Table 21">
+            <a:extLst>
+              <a:ext uri="{FF2B5EF4-FFF2-40B4-BE49-F238E27FC236}">
+                <a16:creationId xmlns:a16="http://schemas.microsoft.com/office/drawing/2014/main" id="{FBD364C6-2408-4DCA-AB9D-A73BCB671F96}"/>
+              </a:ext>
+            </a:extLst>
+          </p:cNvPr>
+          <p:cNvGraphicFramePr>
+            <a:graphicFrameLocks noGrp="1"/>
+          </p:cNvGraphicFramePr>
+          <p:nvPr>
+            <p:extLst>
+              <p:ext uri="{D42A27DB-BD31-4B8C-83A1-F6EECF244321}">
+                <p14:modId xmlns:p14="http://schemas.microsoft.com/office/powerpoint/2010/main" val="3278016904"/>
+              </p:ext>
+            </p:extLst>
+          </p:nvPr>
+        </p:nvGraphicFramePr>
+        <p:xfrm>
+          <a:off x="5753530" y="2645849"/>
+          <a:ext cx="763689" cy="523540"/>
+        </p:xfrm>
+        <a:graphic>
+          <a:graphicData uri="http://schemas.openxmlformats.org/drawingml/2006/table">
+            <a:tbl>
+              <a:tblPr firstRow="1" bandRow="1">
+                <a:tableStyleId>{5940675A-B579-460E-94D1-54222C63F5DA}</a:tableStyleId>
+              </a:tblPr>
+              <a:tblGrid>
+                <a:gridCol w="254563">
+                  <a:extLst>
+                    <a:ext uri="{9D8B030D-6E8A-4147-A177-3AD203B41FA5}">
+                      <a16:colId xmlns:a16="http://schemas.microsoft.com/office/drawing/2014/main" val="2109735214"/>
+                    </a:ext>
+                  </a:extLst>
+                </a:gridCol>
+                <a:gridCol w="254563">
+                  <a:extLst>
+                    <a:ext uri="{9D8B030D-6E8A-4147-A177-3AD203B41FA5}">
+                      <a16:colId xmlns:a16="http://schemas.microsoft.com/office/drawing/2014/main" val="963963792"/>
+                    </a:ext>
+                  </a:extLst>
+                </a:gridCol>
+                <a:gridCol w="254563">
+                  <a:extLst>
+                    <a:ext uri="{9D8B030D-6E8A-4147-A177-3AD203B41FA5}">
+                      <a16:colId xmlns:a16="http://schemas.microsoft.com/office/drawing/2014/main" val="3292845390"/>
+                    </a:ext>
+                  </a:extLst>
+                </a:gridCol>
+              </a:tblGrid>
+              <a:tr h="258135">
+                <a:tc>
+                  <a:txBody>
+                    <a:bodyPr/>
+                    <a:lstStyle/>
+                    <a:p>
+                      <a:endParaRPr lang="en-US" sz="1300" dirty="0"/>
+                    </a:p>
+                  </a:txBody>
+                  <a:tcPr marL="63650" marR="63650" marT="31825" marB="31825">
+                    <a:solidFill>
+                      <a:schemeClr val="bg1"/>
+                    </a:solidFill>
+                  </a:tcPr>
+                </a:tc>
+                <a:tc>
+                  <a:txBody>
+                    <a:bodyPr/>
+                    <a:lstStyle/>
+                    <a:p>
+                      <a:endParaRPr lang="en-US" sz="1300" dirty="0"/>
+                    </a:p>
+                  </a:txBody>
+                  <a:tcPr marL="63650" marR="63650" marT="31825" marB="31825">
+                    <a:solidFill>
+                      <a:schemeClr val="bg1"/>
+                    </a:solidFill>
+                  </a:tcPr>
+                </a:tc>
+                <a:tc>
+                  <a:txBody>
+                    <a:bodyPr/>
+                    <a:lstStyle/>
+                    <a:p>
+                      <a:endParaRPr lang="en-US" sz="1300"/>
+                    </a:p>
+                  </a:txBody>
+                  <a:tcPr marL="63650" marR="63650" marT="31825" marB="31825">
+                    <a:solidFill>
+                      <a:schemeClr val="bg1"/>
+                    </a:solidFill>
+                  </a:tcPr>
+                </a:tc>
+                <a:extLst>
+                  <a:ext uri="{0D108BD9-81ED-4DB2-BD59-A6C34878D82A}">
+                    <a16:rowId xmlns:a16="http://schemas.microsoft.com/office/drawing/2014/main" val="608528951"/>
+                  </a:ext>
+                </a:extLst>
+              </a:tr>
+              <a:tr h="258135">
+                <a:tc>
+                  <a:txBody>
+                    <a:bodyPr/>
+                    <a:lstStyle/>
+                    <a:p>
+                      <a:endParaRPr lang="en-US" sz="1300"/>
+                    </a:p>
+                  </a:txBody>
+                  <a:tcPr marL="63650" marR="63650" marT="31825" marB="31825">
+                    <a:solidFill>
+                      <a:schemeClr val="bg1"/>
+                    </a:solidFill>
+                  </a:tcPr>
+                </a:tc>
+                <a:tc>
+                  <a:txBody>
+                    <a:bodyPr/>
+                    <a:lstStyle/>
+                    <a:p>
+                      <a:endParaRPr lang="en-US" sz="1300" dirty="0"/>
+                    </a:p>
+                  </a:txBody>
+                  <a:tcPr marL="63650" marR="63650" marT="31825" marB="31825">
+                    <a:solidFill>
+                      <a:schemeClr val="bg1"/>
+                    </a:solidFill>
+                  </a:tcPr>
+                </a:tc>
+                <a:tc>
+                  <a:txBody>
+                    <a:bodyPr/>
+                    <a:lstStyle/>
+                    <a:p>
+                      <a:endParaRPr lang="en-US" sz="1300" dirty="0"/>
+                    </a:p>
+                  </a:txBody>
+                  <a:tcPr marL="63650" marR="63650" marT="31825" marB="31825">
+                    <a:solidFill>
+                      <a:schemeClr val="bg1"/>
+                    </a:solidFill>
+                  </a:tcPr>
+                </a:tc>
+                <a:extLst>
+                  <a:ext uri="{0D108BD9-81ED-4DB2-BD59-A6C34878D82A}">
+                    <a16:rowId xmlns:a16="http://schemas.microsoft.com/office/drawing/2014/main" val="521488567"/>
+                  </a:ext>
+                </a:extLst>
+              </a:tr>
+            </a:tbl>
+          </a:graphicData>
+        </a:graphic>
+      </p:graphicFrame>
+      <p:graphicFrame>
+        <p:nvGraphicFramePr>
+          <p:cNvPr id="12" name="Table 21">
+            <a:extLst>
+              <a:ext uri="{FF2B5EF4-FFF2-40B4-BE49-F238E27FC236}">
+                <a16:creationId xmlns:a16="http://schemas.microsoft.com/office/drawing/2014/main" id="{A94481DE-D623-4E51-AEF7-49059B8ADFEE}"/>
+              </a:ext>
+            </a:extLst>
+          </p:cNvPr>
+          <p:cNvGraphicFramePr>
+            <a:graphicFrameLocks noGrp="1"/>
+          </p:cNvGraphicFramePr>
+          <p:nvPr>
+            <p:extLst>
+              <p:ext uri="{D42A27DB-BD31-4B8C-83A1-F6EECF244321}">
+                <p14:modId xmlns:p14="http://schemas.microsoft.com/office/powerpoint/2010/main" val="3407808546"/>
+              </p:ext>
+            </p:extLst>
+          </p:nvPr>
+        </p:nvGraphicFramePr>
+        <p:xfrm>
+          <a:off x="5622056" y="2514964"/>
+          <a:ext cx="763689" cy="523540"/>
+        </p:xfrm>
+        <a:graphic>
+          <a:graphicData uri="http://schemas.openxmlformats.org/drawingml/2006/table">
+            <a:tbl>
+              <a:tblPr firstRow="1" bandRow="1">
+                <a:tableStyleId>{5940675A-B579-460E-94D1-54222C63F5DA}</a:tableStyleId>
+              </a:tblPr>
+              <a:tblGrid>
+                <a:gridCol w="254563">
+                  <a:extLst>
+                    <a:ext uri="{9D8B030D-6E8A-4147-A177-3AD203B41FA5}">
+                      <a16:colId xmlns:a16="http://schemas.microsoft.com/office/drawing/2014/main" val="2109735214"/>
+                    </a:ext>
+                  </a:extLst>
+                </a:gridCol>
+                <a:gridCol w="254563">
+                  <a:extLst>
+                    <a:ext uri="{9D8B030D-6E8A-4147-A177-3AD203B41FA5}">
+                      <a16:colId xmlns:a16="http://schemas.microsoft.com/office/drawing/2014/main" val="963963792"/>
+                    </a:ext>
+                  </a:extLst>
+                </a:gridCol>
+                <a:gridCol w="254563">
+                  <a:extLst>
+                    <a:ext uri="{9D8B030D-6E8A-4147-A177-3AD203B41FA5}">
+                      <a16:colId xmlns:a16="http://schemas.microsoft.com/office/drawing/2014/main" val="3292845390"/>
+                    </a:ext>
+                  </a:extLst>
+                </a:gridCol>
+              </a:tblGrid>
+              <a:tr h="258135">
+                <a:tc>
+                  <a:txBody>
+                    <a:bodyPr/>
+                    <a:lstStyle/>
+                    <a:p>
+                      <a:endParaRPr lang="en-US" sz="1300" dirty="0"/>
+                    </a:p>
+                  </a:txBody>
+                  <a:tcPr marL="63650" marR="63650" marT="31825" marB="31825">
+                    <a:solidFill>
+                      <a:schemeClr val="bg1"/>
+                    </a:solidFill>
+                  </a:tcPr>
+                </a:tc>
+                <a:tc>
+                  <a:txBody>
+                    <a:bodyPr/>
+                    <a:lstStyle/>
+                    <a:p>
+                      <a:endParaRPr lang="en-US" sz="1300" dirty="0"/>
+                    </a:p>
+                  </a:txBody>
+                  <a:tcPr marL="63650" marR="63650" marT="31825" marB="31825">
+                    <a:solidFill>
+                      <a:schemeClr val="bg1"/>
+                    </a:solidFill>
+                  </a:tcPr>
+                </a:tc>
+                <a:tc>
+                  <a:txBody>
+                    <a:bodyPr/>
+                    <a:lstStyle/>
+                    <a:p>
+                      <a:endParaRPr lang="en-US" sz="1300"/>
+                    </a:p>
+                  </a:txBody>
+                  <a:tcPr marL="63650" marR="63650" marT="31825" marB="31825">
+                    <a:solidFill>
+                      <a:schemeClr val="bg1"/>
+                    </a:solidFill>
+                  </a:tcPr>
+                </a:tc>
+                <a:extLst>
+                  <a:ext uri="{0D108BD9-81ED-4DB2-BD59-A6C34878D82A}">
+                    <a16:rowId xmlns:a16="http://schemas.microsoft.com/office/drawing/2014/main" val="608528951"/>
+                  </a:ext>
+                </a:extLst>
+              </a:tr>
+              <a:tr h="258135">
+                <a:tc>
+                  <a:txBody>
+                    <a:bodyPr/>
+                    <a:lstStyle/>
+                    <a:p>
+                      <a:endParaRPr lang="en-US" sz="1300"/>
+                    </a:p>
+                  </a:txBody>
+                  <a:tcPr marL="63650" marR="63650" marT="31825" marB="31825">
+                    <a:solidFill>
+                      <a:schemeClr val="bg1"/>
+                    </a:solidFill>
+                  </a:tcPr>
+                </a:tc>
+                <a:tc>
+                  <a:txBody>
+                    <a:bodyPr/>
+                    <a:lstStyle/>
+                    <a:p>
+                      <a:endParaRPr lang="en-US" sz="1300"/>
+                    </a:p>
+                  </a:txBody>
+                  <a:tcPr marL="63650" marR="63650" marT="31825" marB="31825">
+                    <a:solidFill>
+                      <a:schemeClr val="bg1"/>
+                    </a:solidFill>
+                  </a:tcPr>
+                </a:tc>
+                <a:tc>
+                  <a:txBody>
+                    <a:bodyPr/>
+                    <a:lstStyle/>
+                    <a:p>
+                      <a:endParaRPr lang="en-US" sz="1300" dirty="0"/>
+                    </a:p>
+                  </a:txBody>
+                  <a:tcPr marL="63650" marR="63650" marT="31825" marB="31825">
+                    <a:solidFill>
+                      <a:schemeClr val="bg1"/>
+                    </a:solidFill>
+                  </a:tcPr>
+                </a:tc>
+                <a:extLst>
+                  <a:ext uri="{0D108BD9-81ED-4DB2-BD59-A6C34878D82A}">
+                    <a16:rowId xmlns:a16="http://schemas.microsoft.com/office/drawing/2014/main" val="521488567"/>
+                  </a:ext>
+                </a:extLst>
+              </a:tr>
+            </a:tbl>
+          </a:graphicData>
+        </a:graphic>
+      </p:graphicFrame>
+      <p:graphicFrame>
+        <p:nvGraphicFramePr>
+          <p:cNvPr id="13" name="Table 21">
+            <a:extLst>
+              <a:ext uri="{FF2B5EF4-FFF2-40B4-BE49-F238E27FC236}">
+                <a16:creationId xmlns:a16="http://schemas.microsoft.com/office/drawing/2014/main" id="{5BB2F411-2770-40D4-BFD7-2096FDB67E4E}"/>
+              </a:ext>
+            </a:extLst>
+          </p:cNvPr>
+          <p:cNvGraphicFramePr>
+            <a:graphicFrameLocks noGrp="1"/>
+          </p:cNvGraphicFramePr>
+          <p:nvPr>
+            <p:extLst>
+              <p:ext uri="{D42A27DB-BD31-4B8C-83A1-F6EECF244321}">
+                <p14:modId xmlns:p14="http://schemas.microsoft.com/office/powerpoint/2010/main" val="3341295123"/>
+              </p:ext>
+            </p:extLst>
+          </p:nvPr>
+        </p:nvGraphicFramePr>
+        <p:xfrm>
+          <a:off x="5490582" y="2384079"/>
+          <a:ext cx="763689" cy="523540"/>
+        </p:xfrm>
+        <a:graphic>
+          <a:graphicData uri="http://schemas.openxmlformats.org/drawingml/2006/table">
+            <a:tbl>
+              <a:tblPr firstRow="1" bandRow="1">
+                <a:tableStyleId>{5940675A-B579-460E-94D1-54222C63F5DA}</a:tableStyleId>
+              </a:tblPr>
+              <a:tblGrid>
+                <a:gridCol w="254563">
+                  <a:extLst>
+                    <a:ext uri="{9D8B030D-6E8A-4147-A177-3AD203B41FA5}">
+                      <a16:colId xmlns:a16="http://schemas.microsoft.com/office/drawing/2014/main" val="2109735214"/>
+                    </a:ext>
+                  </a:extLst>
+                </a:gridCol>
+                <a:gridCol w="254563">
+                  <a:extLst>
+                    <a:ext uri="{9D8B030D-6E8A-4147-A177-3AD203B41FA5}">
+                      <a16:colId xmlns:a16="http://schemas.microsoft.com/office/drawing/2014/main" val="963963792"/>
+                    </a:ext>
+                  </a:extLst>
+                </a:gridCol>
+                <a:gridCol w="254563">
+                  <a:extLst>
+                    <a:ext uri="{9D8B030D-6E8A-4147-A177-3AD203B41FA5}">
+                      <a16:colId xmlns:a16="http://schemas.microsoft.com/office/drawing/2014/main" val="3292845390"/>
+                    </a:ext>
+                  </a:extLst>
+                </a:gridCol>
+              </a:tblGrid>
+              <a:tr h="258135">
+                <a:tc>
+                  <a:txBody>
+                    <a:bodyPr/>
+                    <a:lstStyle/>
+                    <a:p>
+                      <a:endParaRPr lang="en-US" sz="1300" dirty="0"/>
+                    </a:p>
+                  </a:txBody>
+                  <a:tcPr marL="63650" marR="63650" marT="31825" marB="31825">
+                    <a:solidFill>
+                      <a:schemeClr val="bg1"/>
+                    </a:solidFill>
+                  </a:tcPr>
+                </a:tc>
+                <a:tc>
+                  <a:txBody>
+                    <a:bodyPr/>
+                    <a:lstStyle/>
+                    <a:p>
+                      <a:endParaRPr lang="en-US" sz="1300" dirty="0"/>
+                    </a:p>
+                  </a:txBody>
+                  <a:tcPr marL="63650" marR="63650" marT="31825" marB="31825">
+                    <a:solidFill>
+                      <a:schemeClr val="bg1"/>
+                    </a:solidFill>
+                  </a:tcPr>
+                </a:tc>
+                <a:tc>
+                  <a:txBody>
+                    <a:bodyPr/>
+                    <a:lstStyle/>
+                    <a:p>
+                      <a:endParaRPr lang="en-US" sz="1300" dirty="0"/>
+                    </a:p>
+                  </a:txBody>
+                  <a:tcPr marL="63650" marR="63650" marT="31825" marB="31825">
+                    <a:solidFill>
+                      <a:schemeClr val="bg1"/>
+                    </a:solidFill>
+                  </a:tcPr>
+                </a:tc>
+                <a:extLst>
+                  <a:ext uri="{0D108BD9-81ED-4DB2-BD59-A6C34878D82A}">
+                    <a16:rowId xmlns:a16="http://schemas.microsoft.com/office/drawing/2014/main" val="608528951"/>
+                  </a:ext>
+                </a:extLst>
+              </a:tr>
+              <a:tr h="258135">
+                <a:tc>
+                  <a:txBody>
+                    <a:bodyPr/>
+                    <a:lstStyle/>
+                    <a:p>
+                      <a:endParaRPr lang="en-US" sz="1300"/>
+                    </a:p>
+                  </a:txBody>
+                  <a:tcPr marL="63650" marR="63650" marT="31825" marB="31825">
+                    <a:solidFill>
+                      <a:schemeClr val="bg1"/>
+                    </a:solidFill>
+                  </a:tcPr>
+                </a:tc>
+                <a:tc>
+                  <a:txBody>
+                    <a:bodyPr/>
+                    <a:lstStyle/>
+                    <a:p>
+                      <a:endParaRPr lang="en-US" sz="1300"/>
+                    </a:p>
+                  </a:txBody>
+                  <a:tcPr marL="63650" marR="63650" marT="31825" marB="31825">
+                    <a:solidFill>
+                      <a:schemeClr val="bg1"/>
+                    </a:solidFill>
+                  </a:tcPr>
+                </a:tc>
+                <a:tc>
+                  <a:txBody>
+                    <a:bodyPr/>
+                    <a:lstStyle/>
+                    <a:p>
+                      <a:endParaRPr lang="en-US" sz="1300" dirty="0"/>
+                    </a:p>
+                  </a:txBody>
+                  <a:tcPr marL="63650" marR="63650" marT="31825" marB="31825">
+                    <a:solidFill>
+                      <a:schemeClr val="bg1"/>
+                    </a:solidFill>
+                  </a:tcPr>
+                </a:tc>
+                <a:extLst>
+                  <a:ext uri="{0D108BD9-81ED-4DB2-BD59-A6C34878D82A}">
+                    <a16:rowId xmlns:a16="http://schemas.microsoft.com/office/drawing/2014/main" val="521488567"/>
+                  </a:ext>
+                </a:extLst>
+              </a:tr>
+            </a:tbl>
+          </a:graphicData>
+        </a:graphic>
+      </p:graphicFrame>
+      <p:graphicFrame>
+        <p:nvGraphicFramePr>
+          <p:cNvPr id="14" name="Table 21">
+            <a:extLst>
+              <a:ext uri="{FF2B5EF4-FFF2-40B4-BE49-F238E27FC236}">
+                <a16:creationId xmlns:a16="http://schemas.microsoft.com/office/drawing/2014/main" id="{F3796427-CEFF-4BCE-B740-FB783BEB322B}"/>
+              </a:ext>
+            </a:extLst>
+          </p:cNvPr>
+          <p:cNvGraphicFramePr>
+            <a:graphicFrameLocks noGrp="1"/>
+          </p:cNvGraphicFramePr>
+          <p:nvPr>
+            <p:extLst>
+              <p:ext uri="{D42A27DB-BD31-4B8C-83A1-F6EECF244321}">
+                <p14:modId xmlns:p14="http://schemas.microsoft.com/office/powerpoint/2010/main" val="2351025938"/>
+              </p:ext>
+            </p:extLst>
+          </p:nvPr>
+        </p:nvGraphicFramePr>
+        <p:xfrm>
+          <a:off x="5371685" y="2253194"/>
+          <a:ext cx="763689" cy="523540"/>
+        </p:xfrm>
+        <a:graphic>
+          <a:graphicData uri="http://schemas.openxmlformats.org/drawingml/2006/table">
+            <a:tbl>
+              <a:tblPr firstRow="1" bandRow="1">
+                <a:tableStyleId>{5940675A-B579-460E-94D1-54222C63F5DA}</a:tableStyleId>
+              </a:tblPr>
+              <a:tblGrid>
+                <a:gridCol w="254563">
+                  <a:extLst>
+                    <a:ext uri="{9D8B030D-6E8A-4147-A177-3AD203B41FA5}">
+                      <a16:colId xmlns:a16="http://schemas.microsoft.com/office/drawing/2014/main" val="2109735214"/>
+                    </a:ext>
+                  </a:extLst>
+                </a:gridCol>
+                <a:gridCol w="254563">
+                  <a:extLst>
+                    <a:ext uri="{9D8B030D-6E8A-4147-A177-3AD203B41FA5}">
+                      <a16:colId xmlns:a16="http://schemas.microsoft.com/office/drawing/2014/main" val="963963792"/>
+                    </a:ext>
+                  </a:extLst>
+                </a:gridCol>
+                <a:gridCol w="254563">
+                  <a:extLst>
+                    <a:ext uri="{9D8B030D-6E8A-4147-A177-3AD203B41FA5}">
+                      <a16:colId xmlns:a16="http://schemas.microsoft.com/office/drawing/2014/main" val="3292845390"/>
+                    </a:ext>
+                  </a:extLst>
+                </a:gridCol>
+              </a:tblGrid>
+              <a:tr h="258135">
+                <a:tc>
+                  <a:txBody>
+                    <a:bodyPr/>
+                    <a:lstStyle/>
+                    <a:p>
+                      <a:endParaRPr lang="en-US" sz="1300" dirty="0"/>
+                    </a:p>
+                  </a:txBody>
+                  <a:tcPr marL="63650" marR="63650" marT="31825" marB="31825">
+                    <a:solidFill>
+                      <a:schemeClr val="bg1"/>
+                    </a:solidFill>
+                  </a:tcPr>
+                </a:tc>
+                <a:tc>
+                  <a:txBody>
+                    <a:bodyPr/>
+                    <a:lstStyle/>
+                    <a:p>
+                      <a:endParaRPr lang="en-US" sz="1300" dirty="0"/>
+                    </a:p>
+                  </a:txBody>
+                  <a:tcPr marL="63650" marR="63650" marT="31825" marB="31825">
+                    <a:solidFill>
+                      <a:schemeClr val="bg1"/>
+                    </a:solidFill>
+                  </a:tcPr>
+                </a:tc>
+                <a:tc>
+                  <a:txBody>
+                    <a:bodyPr/>
+                    <a:lstStyle/>
+                    <a:p>
+                      <a:endParaRPr lang="en-US" sz="1300" dirty="0"/>
+                    </a:p>
+                  </a:txBody>
+                  <a:tcPr marL="63650" marR="63650" marT="31825" marB="31825">
+                    <a:solidFill>
+                      <a:schemeClr val="bg1"/>
+                    </a:solidFill>
+                  </a:tcPr>
+                </a:tc>
+                <a:extLst>
+                  <a:ext uri="{0D108BD9-81ED-4DB2-BD59-A6C34878D82A}">
+                    <a16:rowId xmlns:a16="http://schemas.microsoft.com/office/drawing/2014/main" val="608528951"/>
+                  </a:ext>
+                </a:extLst>
+              </a:tr>
+              <a:tr h="258135">
+                <a:tc>
+                  <a:txBody>
+                    <a:bodyPr/>
+                    <a:lstStyle/>
+                    <a:p>
+                      <a:endParaRPr lang="en-US" sz="1300" dirty="0"/>
+                    </a:p>
+                  </a:txBody>
+                  <a:tcPr marL="63650" marR="63650" marT="31825" marB="31825">
+                    <a:solidFill>
+                      <a:schemeClr val="bg1"/>
+                    </a:solidFill>
+                  </a:tcPr>
+                </a:tc>
+                <a:tc>
+                  <a:txBody>
+                    <a:bodyPr/>
+                    <a:lstStyle/>
+                    <a:p>
+                      <a:endParaRPr lang="en-US" sz="1300" dirty="0"/>
+                    </a:p>
+                  </a:txBody>
+                  <a:tcPr marL="63650" marR="63650" marT="31825" marB="31825">
+                    <a:solidFill>
+                      <a:schemeClr val="bg1"/>
+                    </a:solidFill>
+                  </a:tcPr>
+                </a:tc>
+                <a:tc>
+                  <a:txBody>
+                    <a:bodyPr/>
+                    <a:lstStyle/>
+                    <a:p>
+                      <a:endParaRPr lang="en-US" sz="1300" dirty="0"/>
+                    </a:p>
+                  </a:txBody>
+                  <a:tcPr marL="63650" marR="63650" marT="31825" marB="31825">
+                    <a:solidFill>
+                      <a:schemeClr val="bg1"/>
+                    </a:solidFill>
+                  </a:tcPr>
+                </a:tc>
+                <a:extLst>
+                  <a:ext uri="{0D108BD9-81ED-4DB2-BD59-A6C34878D82A}">
+                    <a16:rowId xmlns:a16="http://schemas.microsoft.com/office/drawing/2014/main" val="521488567"/>
+                  </a:ext>
+                </a:extLst>
+              </a:tr>
+            </a:tbl>
+          </a:graphicData>
+        </a:graphic>
+      </p:graphicFrame>
+      <p:sp>
+        <p:nvSpPr>
+          <p:cNvPr id="15" name="TextBox 14">
+            <a:extLst>
+              <a:ext uri="{FF2B5EF4-FFF2-40B4-BE49-F238E27FC236}">
+                <a16:creationId xmlns:a16="http://schemas.microsoft.com/office/drawing/2014/main" id="{E469696F-653A-43BC-99C8-2DA01E83E46A}"/>
+              </a:ext>
+            </a:extLst>
+          </p:cNvPr>
+          <p:cNvSpPr txBox="1"/>
+          <p:nvPr/>
+        </p:nvSpPr>
+        <p:spPr>
+          <a:xfrm>
+            <a:off x="4475662" y="2581591"/>
+            <a:ext cx="436406" cy="584775"/>
+          </a:xfrm>
+          <a:prstGeom prst="rect">
+            <a:avLst/>
+          </a:prstGeom>
+          <a:noFill/>
+        </p:spPr>
+        <p:txBody>
+          <a:bodyPr wrap="square" rtlCol="0">
+            <a:spAutoFit/>
+          </a:bodyPr>
+          <a:lstStyle/>
+          <a:p>
+            <a:r>
+              <a:rPr lang="en-US" sz="3200" dirty="0"/>
+              <a:t>+</a:t>
+            </a:r>
+          </a:p>
+        </p:txBody>
+      </p:sp>
     </p:spTree>
     <p:extLst>
       <p:ext uri="{BB962C8B-B14F-4D97-AF65-F5344CB8AC3E}">
@@ -22241,8 +24859,8 @@
         </p:nvSpPr>
         <p:spPr>
           <a:xfrm>
-            <a:off x="6674498" y="3121909"/>
-            <a:ext cx="1318726" cy="584775"/>
+            <a:off x="8962366" y="3102971"/>
+            <a:ext cx="361732" cy="584775"/>
           </a:xfrm>
           <a:prstGeom prst="rect">
             <a:avLst/>
@@ -25552,13 +28170,13 @@
           <p:nvPr>
             <p:extLst>
               <p:ext uri="{D42A27DB-BD31-4B8C-83A1-F6EECF244321}">
-                <p14:modId xmlns:p14="http://schemas.microsoft.com/office/powerpoint/2010/main" val="2928464114"/>
+                <p14:modId xmlns:p14="http://schemas.microsoft.com/office/powerpoint/2010/main" val="1890139600"/>
               </p:ext>
             </p:extLst>
           </p:nvPr>
         </p:nvGraphicFramePr>
         <p:xfrm>
-          <a:off x="8756913" y="2585307"/>
+          <a:off x="10456728" y="2556109"/>
           <a:ext cx="763689" cy="523540"/>
         </p:xfrm>
         <a:graphic>
@@ -25725,13 +28343,13 @@
           <p:nvPr>
             <p:extLst>
               <p:ext uri="{D42A27DB-BD31-4B8C-83A1-F6EECF244321}">
-                <p14:modId xmlns:p14="http://schemas.microsoft.com/office/powerpoint/2010/main" val="2674583006"/>
+                <p14:modId xmlns:p14="http://schemas.microsoft.com/office/powerpoint/2010/main" val="3817199824"/>
               </p:ext>
             </p:extLst>
           </p:nvPr>
         </p:nvGraphicFramePr>
         <p:xfrm>
-          <a:off x="8625439" y="2448740"/>
+          <a:off x="10325254" y="2419542"/>
           <a:ext cx="763689" cy="523540"/>
         </p:xfrm>
         <a:graphic>
@@ -25898,13 +28516,13 @@
           <p:nvPr>
             <p:extLst>
               <p:ext uri="{D42A27DB-BD31-4B8C-83A1-F6EECF244321}">
-                <p14:modId xmlns:p14="http://schemas.microsoft.com/office/powerpoint/2010/main" val="4041504569"/>
+                <p14:modId xmlns:p14="http://schemas.microsoft.com/office/powerpoint/2010/main" val="3370359502"/>
               </p:ext>
             </p:extLst>
           </p:nvPr>
         </p:nvGraphicFramePr>
         <p:xfrm>
-          <a:off x="8506543" y="2323537"/>
+          <a:off x="10206358" y="2294339"/>
           <a:ext cx="763689" cy="523540"/>
         </p:xfrm>
         <a:graphic>
@@ -26071,13 +28689,13 @@
           <p:nvPr>
             <p:extLst>
               <p:ext uri="{D42A27DB-BD31-4B8C-83A1-F6EECF244321}">
-                <p14:modId xmlns:p14="http://schemas.microsoft.com/office/powerpoint/2010/main" val="1154410356"/>
+                <p14:modId xmlns:p14="http://schemas.microsoft.com/office/powerpoint/2010/main" val="436856221"/>
               </p:ext>
             </p:extLst>
           </p:nvPr>
         </p:nvGraphicFramePr>
         <p:xfrm>
-          <a:off x="8375069" y="2189993"/>
+          <a:off x="10074884" y="2160795"/>
           <a:ext cx="763689" cy="523540"/>
         </p:xfrm>
         <a:graphic>
@@ -26244,13 +28862,13 @@
           <p:nvPr>
             <p:extLst>
               <p:ext uri="{D42A27DB-BD31-4B8C-83A1-F6EECF244321}">
-                <p14:modId xmlns:p14="http://schemas.microsoft.com/office/powerpoint/2010/main" val="3278975618"/>
+                <p14:modId xmlns:p14="http://schemas.microsoft.com/office/powerpoint/2010/main" val="3257830914"/>
               </p:ext>
             </p:extLst>
           </p:nvPr>
         </p:nvGraphicFramePr>
         <p:xfrm>
-          <a:off x="8243595" y="2059108"/>
+          <a:off x="9943410" y="2029910"/>
           <a:ext cx="763689" cy="523540"/>
         </p:xfrm>
         <a:graphic>
@@ -26417,13 +29035,13 @@
           <p:nvPr>
             <p:extLst>
               <p:ext uri="{D42A27DB-BD31-4B8C-83A1-F6EECF244321}">
-                <p14:modId xmlns:p14="http://schemas.microsoft.com/office/powerpoint/2010/main" val="3997064584"/>
+                <p14:modId xmlns:p14="http://schemas.microsoft.com/office/powerpoint/2010/main" val="3177489035"/>
               </p:ext>
             </p:extLst>
           </p:nvPr>
         </p:nvGraphicFramePr>
         <p:xfrm>
-          <a:off x="8112121" y="1928223"/>
+          <a:off x="9811936" y="1899025"/>
           <a:ext cx="763689" cy="523540"/>
         </p:xfrm>
         <a:graphic>
@@ -26590,13 +29208,13 @@
           <p:nvPr>
             <p:extLst>
               <p:ext uri="{D42A27DB-BD31-4B8C-83A1-F6EECF244321}">
-                <p14:modId xmlns:p14="http://schemas.microsoft.com/office/powerpoint/2010/main" val="2429894924"/>
+                <p14:modId xmlns:p14="http://schemas.microsoft.com/office/powerpoint/2010/main" val="523019445"/>
               </p:ext>
             </p:extLst>
           </p:nvPr>
         </p:nvGraphicFramePr>
         <p:xfrm>
-          <a:off x="7993224" y="1797338"/>
+          <a:off x="9693039" y="1768140"/>
           <a:ext cx="763689" cy="523540"/>
         </p:xfrm>
         <a:graphic>
@@ -26763,13 +29381,13 @@
           <p:nvPr>
             <p:extLst>
               <p:ext uri="{D42A27DB-BD31-4B8C-83A1-F6EECF244321}">
-                <p14:modId xmlns:p14="http://schemas.microsoft.com/office/powerpoint/2010/main" val="908018400"/>
+                <p14:modId xmlns:p14="http://schemas.microsoft.com/office/powerpoint/2010/main" val="2645007250"/>
               </p:ext>
             </p:extLst>
           </p:nvPr>
         </p:nvGraphicFramePr>
         <p:xfrm>
-          <a:off x="8737429" y="4860627"/>
+          <a:off x="10437244" y="4831429"/>
           <a:ext cx="763689" cy="523540"/>
         </p:xfrm>
         <a:graphic>
@@ -26930,13 +29548,13 @@
           <p:nvPr>
             <p:extLst>
               <p:ext uri="{D42A27DB-BD31-4B8C-83A1-F6EECF244321}">
-                <p14:modId xmlns:p14="http://schemas.microsoft.com/office/powerpoint/2010/main" val="602888603"/>
+                <p14:modId xmlns:p14="http://schemas.microsoft.com/office/powerpoint/2010/main" val="2621086629"/>
               </p:ext>
             </p:extLst>
           </p:nvPr>
         </p:nvGraphicFramePr>
         <p:xfrm>
-          <a:off x="8623178" y="4721556"/>
+          <a:off x="10322993" y="4692358"/>
           <a:ext cx="763689" cy="523540"/>
         </p:xfrm>
         <a:graphic>
@@ -27097,13 +29715,13 @@
           <p:nvPr>
             <p:extLst>
               <p:ext uri="{D42A27DB-BD31-4B8C-83A1-F6EECF244321}">
-                <p14:modId xmlns:p14="http://schemas.microsoft.com/office/powerpoint/2010/main" val="4193002628"/>
+                <p14:modId xmlns:p14="http://schemas.microsoft.com/office/powerpoint/2010/main" val="3836957987"/>
               </p:ext>
             </p:extLst>
           </p:nvPr>
         </p:nvGraphicFramePr>
         <p:xfrm>
-          <a:off x="8493965" y="4582485"/>
+          <a:off x="10193780" y="4553287"/>
           <a:ext cx="763689" cy="523540"/>
         </p:xfrm>
         <a:graphic>
@@ -27264,13 +29882,13 @@
           <p:nvPr>
             <p:extLst>
               <p:ext uri="{D42A27DB-BD31-4B8C-83A1-F6EECF244321}">
-                <p14:modId xmlns:p14="http://schemas.microsoft.com/office/powerpoint/2010/main" val="1993457970"/>
+                <p14:modId xmlns:p14="http://schemas.microsoft.com/office/powerpoint/2010/main" val="2269079291"/>
               </p:ext>
             </p:extLst>
           </p:nvPr>
         </p:nvGraphicFramePr>
         <p:xfrm>
-          <a:off x="8375068" y="4440872"/>
+          <a:off x="10074883" y="4411674"/>
           <a:ext cx="763689" cy="523540"/>
         </p:xfrm>
         <a:graphic>
@@ -27431,13 +30049,13 @@
           <p:nvPr>
             <p:extLst>
               <p:ext uri="{D42A27DB-BD31-4B8C-83A1-F6EECF244321}">
-                <p14:modId xmlns:p14="http://schemas.microsoft.com/office/powerpoint/2010/main" val="662771269"/>
+                <p14:modId xmlns:p14="http://schemas.microsoft.com/office/powerpoint/2010/main" val="4042397485"/>
               </p:ext>
             </p:extLst>
           </p:nvPr>
         </p:nvGraphicFramePr>
         <p:xfrm>
-          <a:off x="8245284" y="4282426"/>
+          <a:off x="9945099" y="4253228"/>
           <a:ext cx="763689" cy="523540"/>
         </p:xfrm>
         <a:graphic>
@@ -27598,13 +30216,13 @@
           <p:nvPr>
             <p:extLst>
               <p:ext uri="{D42A27DB-BD31-4B8C-83A1-F6EECF244321}">
-                <p14:modId xmlns:p14="http://schemas.microsoft.com/office/powerpoint/2010/main" val="2354434796"/>
+                <p14:modId xmlns:p14="http://schemas.microsoft.com/office/powerpoint/2010/main" val="1902515121"/>
               </p:ext>
             </p:extLst>
           </p:nvPr>
         </p:nvGraphicFramePr>
         <p:xfrm>
-          <a:off x="8112120" y="4154564"/>
+          <a:off x="9811935" y="4125366"/>
           <a:ext cx="763689" cy="523540"/>
         </p:xfrm>
         <a:graphic>
@@ -27765,13 +30383,13 @@
           <p:nvPr>
             <p:extLst>
               <p:ext uri="{D42A27DB-BD31-4B8C-83A1-F6EECF244321}">
-                <p14:modId xmlns:p14="http://schemas.microsoft.com/office/powerpoint/2010/main" val="2834123955"/>
+                <p14:modId xmlns:p14="http://schemas.microsoft.com/office/powerpoint/2010/main" val="288836938"/>
               </p:ext>
             </p:extLst>
           </p:nvPr>
         </p:nvGraphicFramePr>
         <p:xfrm>
-          <a:off x="7993224" y="4026702"/>
+          <a:off x="9693039" y="3997504"/>
           <a:ext cx="763689" cy="523540"/>
         </p:xfrm>
         <a:graphic>
@@ -27917,6 +30535,1126 @@
           </a:graphicData>
         </a:graphic>
       </p:graphicFrame>
+      <p:graphicFrame>
+        <p:nvGraphicFramePr>
+          <p:cNvPr id="22" name="Table 21">
+            <a:extLst>
+              <a:ext uri="{FF2B5EF4-FFF2-40B4-BE49-F238E27FC236}">
+                <a16:creationId xmlns:a16="http://schemas.microsoft.com/office/drawing/2014/main" id="{12542B80-FFAB-416C-B18B-BF4B239BDDBF}"/>
+              </a:ext>
+            </a:extLst>
+          </p:cNvPr>
+          <p:cNvGraphicFramePr>
+            <a:graphicFrameLocks noGrp="1"/>
+          </p:cNvGraphicFramePr>
+          <p:nvPr>
+            <p:extLst>
+              <p:ext uri="{D42A27DB-BD31-4B8C-83A1-F6EECF244321}">
+                <p14:modId xmlns:p14="http://schemas.microsoft.com/office/powerpoint/2010/main" val="1313241137"/>
+              </p:ext>
+            </p:extLst>
+          </p:nvPr>
+        </p:nvGraphicFramePr>
+        <p:xfrm>
+          <a:off x="7989430" y="3562544"/>
+          <a:ext cx="763689" cy="523540"/>
+        </p:xfrm>
+        <a:graphic>
+          <a:graphicData uri="http://schemas.openxmlformats.org/drawingml/2006/table">
+            <a:tbl>
+              <a:tblPr firstRow="1" bandRow="1">
+                <a:tableStyleId>{5940675A-B579-460E-94D1-54222C63F5DA}</a:tableStyleId>
+              </a:tblPr>
+              <a:tblGrid>
+                <a:gridCol w="254563">
+                  <a:extLst>
+                    <a:ext uri="{9D8B030D-6E8A-4147-A177-3AD203B41FA5}">
+                      <a16:colId xmlns:a16="http://schemas.microsoft.com/office/drawing/2014/main" val="2109735214"/>
+                    </a:ext>
+                  </a:extLst>
+                </a:gridCol>
+                <a:gridCol w="254563">
+                  <a:extLst>
+                    <a:ext uri="{9D8B030D-6E8A-4147-A177-3AD203B41FA5}">
+                      <a16:colId xmlns:a16="http://schemas.microsoft.com/office/drawing/2014/main" val="963963792"/>
+                    </a:ext>
+                  </a:extLst>
+                </a:gridCol>
+                <a:gridCol w="254563">
+                  <a:extLst>
+                    <a:ext uri="{9D8B030D-6E8A-4147-A177-3AD203B41FA5}">
+                      <a16:colId xmlns:a16="http://schemas.microsoft.com/office/drawing/2014/main" val="3292845390"/>
+                    </a:ext>
+                  </a:extLst>
+                </a:gridCol>
+              </a:tblGrid>
+              <a:tr h="258135">
+                <a:tc>
+                  <a:txBody>
+                    <a:bodyPr/>
+                    <a:lstStyle/>
+                    <a:p>
+                      <a:endParaRPr lang="en-US" sz="1300" dirty="0"/>
+                    </a:p>
+                  </a:txBody>
+                  <a:tcPr marL="63650" marR="63650" marT="31825" marB="31825">
+                    <a:solidFill>
+                      <a:schemeClr val="bg1"/>
+                    </a:solidFill>
+                  </a:tcPr>
+                </a:tc>
+                <a:tc>
+                  <a:txBody>
+                    <a:bodyPr/>
+                    <a:lstStyle/>
+                    <a:p>
+                      <a:endParaRPr lang="en-US" sz="1300" dirty="0"/>
+                    </a:p>
+                  </a:txBody>
+                  <a:tcPr marL="63650" marR="63650" marT="31825" marB="31825">
+                    <a:solidFill>
+                      <a:schemeClr val="bg1"/>
+                    </a:solidFill>
+                  </a:tcPr>
+                </a:tc>
+                <a:tc>
+                  <a:txBody>
+                    <a:bodyPr/>
+                    <a:lstStyle/>
+                    <a:p>
+                      <a:endParaRPr lang="en-US" sz="1300"/>
+                    </a:p>
+                  </a:txBody>
+                  <a:tcPr marL="63650" marR="63650" marT="31825" marB="31825">
+                    <a:solidFill>
+                      <a:schemeClr val="bg1"/>
+                    </a:solidFill>
+                  </a:tcPr>
+                </a:tc>
+                <a:extLst>
+                  <a:ext uri="{0D108BD9-81ED-4DB2-BD59-A6C34878D82A}">
+                    <a16:rowId xmlns:a16="http://schemas.microsoft.com/office/drawing/2014/main" val="608528951"/>
+                  </a:ext>
+                </a:extLst>
+              </a:tr>
+              <a:tr h="258135">
+                <a:tc>
+                  <a:txBody>
+                    <a:bodyPr/>
+                    <a:lstStyle/>
+                    <a:p>
+                      <a:endParaRPr lang="en-US" sz="1300"/>
+                    </a:p>
+                  </a:txBody>
+                  <a:tcPr marL="63650" marR="63650" marT="31825" marB="31825">
+                    <a:solidFill>
+                      <a:schemeClr val="bg1"/>
+                    </a:solidFill>
+                  </a:tcPr>
+                </a:tc>
+                <a:tc>
+                  <a:txBody>
+                    <a:bodyPr/>
+                    <a:lstStyle/>
+                    <a:p>
+                      <a:endParaRPr lang="en-US" sz="1300"/>
+                    </a:p>
+                  </a:txBody>
+                  <a:tcPr marL="63650" marR="63650" marT="31825" marB="31825">
+                    <a:solidFill>
+                      <a:schemeClr val="bg1"/>
+                    </a:solidFill>
+                  </a:tcPr>
+                </a:tc>
+                <a:tc>
+                  <a:txBody>
+                    <a:bodyPr/>
+                    <a:lstStyle/>
+                    <a:p>
+                      <a:endParaRPr lang="en-US" sz="1300" dirty="0"/>
+                    </a:p>
+                  </a:txBody>
+                  <a:tcPr marL="63650" marR="63650" marT="31825" marB="31825">
+                    <a:solidFill>
+                      <a:schemeClr val="bg1"/>
+                    </a:solidFill>
+                  </a:tcPr>
+                </a:tc>
+                <a:extLst>
+                  <a:ext uri="{0D108BD9-81ED-4DB2-BD59-A6C34878D82A}">
+                    <a16:rowId xmlns:a16="http://schemas.microsoft.com/office/drawing/2014/main" val="521488567"/>
+                  </a:ext>
+                </a:extLst>
+              </a:tr>
+            </a:tbl>
+          </a:graphicData>
+        </a:graphic>
+      </p:graphicFrame>
+      <p:graphicFrame>
+        <p:nvGraphicFramePr>
+          <p:cNvPr id="23" name="Table 21">
+            <a:extLst>
+              <a:ext uri="{FF2B5EF4-FFF2-40B4-BE49-F238E27FC236}">
+                <a16:creationId xmlns:a16="http://schemas.microsoft.com/office/drawing/2014/main" id="{515EC3FF-378C-4A7C-B540-5C90737A3A41}"/>
+              </a:ext>
+            </a:extLst>
+          </p:cNvPr>
+          <p:cNvGraphicFramePr>
+            <a:graphicFrameLocks noGrp="1"/>
+          </p:cNvGraphicFramePr>
+          <p:nvPr>
+            <p:extLst>
+              <p:ext uri="{D42A27DB-BD31-4B8C-83A1-F6EECF244321}">
+                <p14:modId xmlns:p14="http://schemas.microsoft.com/office/powerpoint/2010/main" val="439317479"/>
+              </p:ext>
+            </p:extLst>
+          </p:nvPr>
+        </p:nvGraphicFramePr>
+        <p:xfrm>
+          <a:off x="7857956" y="3425977"/>
+          <a:ext cx="763689" cy="523540"/>
+        </p:xfrm>
+        <a:graphic>
+          <a:graphicData uri="http://schemas.openxmlformats.org/drawingml/2006/table">
+            <a:tbl>
+              <a:tblPr firstRow="1" bandRow="1">
+                <a:tableStyleId>{5940675A-B579-460E-94D1-54222C63F5DA}</a:tableStyleId>
+              </a:tblPr>
+              <a:tblGrid>
+                <a:gridCol w="254563">
+                  <a:extLst>
+                    <a:ext uri="{9D8B030D-6E8A-4147-A177-3AD203B41FA5}">
+                      <a16:colId xmlns:a16="http://schemas.microsoft.com/office/drawing/2014/main" val="2109735214"/>
+                    </a:ext>
+                  </a:extLst>
+                </a:gridCol>
+                <a:gridCol w="254563">
+                  <a:extLst>
+                    <a:ext uri="{9D8B030D-6E8A-4147-A177-3AD203B41FA5}">
+                      <a16:colId xmlns:a16="http://schemas.microsoft.com/office/drawing/2014/main" val="963963792"/>
+                    </a:ext>
+                  </a:extLst>
+                </a:gridCol>
+                <a:gridCol w="254563">
+                  <a:extLst>
+                    <a:ext uri="{9D8B030D-6E8A-4147-A177-3AD203B41FA5}">
+                      <a16:colId xmlns:a16="http://schemas.microsoft.com/office/drawing/2014/main" val="3292845390"/>
+                    </a:ext>
+                  </a:extLst>
+                </a:gridCol>
+              </a:tblGrid>
+              <a:tr h="258135">
+                <a:tc>
+                  <a:txBody>
+                    <a:bodyPr/>
+                    <a:lstStyle/>
+                    <a:p>
+                      <a:endParaRPr lang="en-US" sz="1300" dirty="0"/>
+                    </a:p>
+                  </a:txBody>
+                  <a:tcPr marL="63650" marR="63650" marT="31825" marB="31825">
+                    <a:solidFill>
+                      <a:schemeClr val="bg1"/>
+                    </a:solidFill>
+                  </a:tcPr>
+                </a:tc>
+                <a:tc>
+                  <a:txBody>
+                    <a:bodyPr/>
+                    <a:lstStyle/>
+                    <a:p>
+                      <a:endParaRPr lang="en-US" sz="1300" dirty="0"/>
+                    </a:p>
+                  </a:txBody>
+                  <a:tcPr marL="63650" marR="63650" marT="31825" marB="31825">
+                    <a:solidFill>
+                      <a:schemeClr val="bg1"/>
+                    </a:solidFill>
+                  </a:tcPr>
+                </a:tc>
+                <a:tc>
+                  <a:txBody>
+                    <a:bodyPr/>
+                    <a:lstStyle/>
+                    <a:p>
+                      <a:endParaRPr lang="en-US" sz="1300"/>
+                    </a:p>
+                  </a:txBody>
+                  <a:tcPr marL="63650" marR="63650" marT="31825" marB="31825">
+                    <a:solidFill>
+                      <a:schemeClr val="bg1"/>
+                    </a:solidFill>
+                  </a:tcPr>
+                </a:tc>
+                <a:extLst>
+                  <a:ext uri="{0D108BD9-81ED-4DB2-BD59-A6C34878D82A}">
+                    <a16:rowId xmlns:a16="http://schemas.microsoft.com/office/drawing/2014/main" val="608528951"/>
+                  </a:ext>
+                </a:extLst>
+              </a:tr>
+              <a:tr h="258135">
+                <a:tc>
+                  <a:txBody>
+                    <a:bodyPr/>
+                    <a:lstStyle/>
+                    <a:p>
+                      <a:endParaRPr lang="en-US" sz="1300"/>
+                    </a:p>
+                  </a:txBody>
+                  <a:tcPr marL="63650" marR="63650" marT="31825" marB="31825">
+                    <a:solidFill>
+                      <a:schemeClr val="bg1"/>
+                    </a:solidFill>
+                  </a:tcPr>
+                </a:tc>
+                <a:tc>
+                  <a:txBody>
+                    <a:bodyPr/>
+                    <a:lstStyle/>
+                    <a:p>
+                      <a:endParaRPr lang="en-US" sz="1300" dirty="0"/>
+                    </a:p>
+                  </a:txBody>
+                  <a:tcPr marL="63650" marR="63650" marT="31825" marB="31825">
+                    <a:solidFill>
+                      <a:schemeClr val="bg1"/>
+                    </a:solidFill>
+                  </a:tcPr>
+                </a:tc>
+                <a:tc>
+                  <a:txBody>
+                    <a:bodyPr/>
+                    <a:lstStyle/>
+                    <a:p>
+                      <a:endParaRPr lang="en-US" sz="1300" dirty="0"/>
+                    </a:p>
+                  </a:txBody>
+                  <a:tcPr marL="63650" marR="63650" marT="31825" marB="31825">
+                    <a:solidFill>
+                      <a:schemeClr val="bg1"/>
+                    </a:solidFill>
+                  </a:tcPr>
+                </a:tc>
+                <a:extLst>
+                  <a:ext uri="{0D108BD9-81ED-4DB2-BD59-A6C34878D82A}">
+                    <a16:rowId xmlns:a16="http://schemas.microsoft.com/office/drawing/2014/main" val="521488567"/>
+                  </a:ext>
+                </a:extLst>
+              </a:tr>
+            </a:tbl>
+          </a:graphicData>
+        </a:graphic>
+      </p:graphicFrame>
+      <p:graphicFrame>
+        <p:nvGraphicFramePr>
+          <p:cNvPr id="25" name="Table 21">
+            <a:extLst>
+              <a:ext uri="{FF2B5EF4-FFF2-40B4-BE49-F238E27FC236}">
+                <a16:creationId xmlns:a16="http://schemas.microsoft.com/office/drawing/2014/main" id="{802BA283-DAA2-47E7-8F24-C0481C53E865}"/>
+              </a:ext>
+            </a:extLst>
+          </p:cNvPr>
+          <p:cNvGraphicFramePr>
+            <a:graphicFrameLocks noGrp="1"/>
+          </p:cNvGraphicFramePr>
+          <p:nvPr>
+            <p:extLst>
+              <p:ext uri="{D42A27DB-BD31-4B8C-83A1-F6EECF244321}">
+                <p14:modId xmlns:p14="http://schemas.microsoft.com/office/powerpoint/2010/main" val="3981961732"/>
+              </p:ext>
+            </p:extLst>
+          </p:nvPr>
+        </p:nvGraphicFramePr>
+        <p:xfrm>
+          <a:off x="7739060" y="3300774"/>
+          <a:ext cx="763689" cy="523540"/>
+        </p:xfrm>
+        <a:graphic>
+          <a:graphicData uri="http://schemas.openxmlformats.org/drawingml/2006/table">
+            <a:tbl>
+              <a:tblPr firstRow="1" bandRow="1">
+                <a:tableStyleId>{5940675A-B579-460E-94D1-54222C63F5DA}</a:tableStyleId>
+              </a:tblPr>
+              <a:tblGrid>
+                <a:gridCol w="254563">
+                  <a:extLst>
+                    <a:ext uri="{9D8B030D-6E8A-4147-A177-3AD203B41FA5}">
+                      <a16:colId xmlns:a16="http://schemas.microsoft.com/office/drawing/2014/main" val="2109735214"/>
+                    </a:ext>
+                  </a:extLst>
+                </a:gridCol>
+                <a:gridCol w="254563">
+                  <a:extLst>
+                    <a:ext uri="{9D8B030D-6E8A-4147-A177-3AD203B41FA5}">
+                      <a16:colId xmlns:a16="http://schemas.microsoft.com/office/drawing/2014/main" val="963963792"/>
+                    </a:ext>
+                  </a:extLst>
+                </a:gridCol>
+                <a:gridCol w="254563">
+                  <a:extLst>
+                    <a:ext uri="{9D8B030D-6E8A-4147-A177-3AD203B41FA5}">
+                      <a16:colId xmlns:a16="http://schemas.microsoft.com/office/drawing/2014/main" val="3292845390"/>
+                    </a:ext>
+                  </a:extLst>
+                </a:gridCol>
+              </a:tblGrid>
+              <a:tr h="258135">
+                <a:tc>
+                  <a:txBody>
+                    <a:bodyPr/>
+                    <a:lstStyle/>
+                    <a:p>
+                      <a:endParaRPr lang="en-US" sz="1300" dirty="0"/>
+                    </a:p>
+                  </a:txBody>
+                  <a:tcPr marL="63650" marR="63650" marT="31825" marB="31825">
+                    <a:solidFill>
+                      <a:schemeClr val="bg1"/>
+                    </a:solidFill>
+                  </a:tcPr>
+                </a:tc>
+                <a:tc>
+                  <a:txBody>
+                    <a:bodyPr/>
+                    <a:lstStyle/>
+                    <a:p>
+                      <a:endParaRPr lang="en-US" sz="1300" dirty="0"/>
+                    </a:p>
+                  </a:txBody>
+                  <a:tcPr marL="63650" marR="63650" marT="31825" marB="31825">
+                    <a:solidFill>
+                      <a:schemeClr val="bg1"/>
+                    </a:solidFill>
+                  </a:tcPr>
+                </a:tc>
+                <a:tc>
+                  <a:txBody>
+                    <a:bodyPr/>
+                    <a:lstStyle/>
+                    <a:p>
+                      <a:endParaRPr lang="en-US" sz="1300" dirty="0"/>
+                    </a:p>
+                  </a:txBody>
+                  <a:tcPr marL="63650" marR="63650" marT="31825" marB="31825">
+                    <a:solidFill>
+                      <a:schemeClr val="bg1"/>
+                    </a:solidFill>
+                  </a:tcPr>
+                </a:tc>
+                <a:extLst>
+                  <a:ext uri="{0D108BD9-81ED-4DB2-BD59-A6C34878D82A}">
+                    <a16:rowId xmlns:a16="http://schemas.microsoft.com/office/drawing/2014/main" val="608528951"/>
+                  </a:ext>
+                </a:extLst>
+              </a:tr>
+              <a:tr h="258135">
+                <a:tc>
+                  <a:txBody>
+                    <a:bodyPr/>
+                    <a:lstStyle/>
+                    <a:p>
+                      <a:endParaRPr lang="en-US" sz="1300"/>
+                    </a:p>
+                  </a:txBody>
+                  <a:tcPr marL="63650" marR="63650" marT="31825" marB="31825">
+                    <a:solidFill>
+                      <a:schemeClr val="bg1"/>
+                    </a:solidFill>
+                  </a:tcPr>
+                </a:tc>
+                <a:tc>
+                  <a:txBody>
+                    <a:bodyPr/>
+                    <a:lstStyle/>
+                    <a:p>
+                      <a:endParaRPr lang="en-US" sz="1300" dirty="0"/>
+                    </a:p>
+                  </a:txBody>
+                  <a:tcPr marL="63650" marR="63650" marT="31825" marB="31825">
+                    <a:solidFill>
+                      <a:schemeClr val="bg1"/>
+                    </a:solidFill>
+                  </a:tcPr>
+                </a:tc>
+                <a:tc>
+                  <a:txBody>
+                    <a:bodyPr/>
+                    <a:lstStyle/>
+                    <a:p>
+                      <a:endParaRPr lang="en-US" sz="1300" dirty="0"/>
+                    </a:p>
+                  </a:txBody>
+                  <a:tcPr marL="63650" marR="63650" marT="31825" marB="31825">
+                    <a:solidFill>
+                      <a:schemeClr val="bg1"/>
+                    </a:solidFill>
+                  </a:tcPr>
+                </a:tc>
+                <a:extLst>
+                  <a:ext uri="{0D108BD9-81ED-4DB2-BD59-A6C34878D82A}">
+                    <a16:rowId xmlns:a16="http://schemas.microsoft.com/office/drawing/2014/main" val="521488567"/>
+                  </a:ext>
+                </a:extLst>
+              </a:tr>
+            </a:tbl>
+          </a:graphicData>
+        </a:graphic>
+      </p:graphicFrame>
+      <p:graphicFrame>
+        <p:nvGraphicFramePr>
+          <p:cNvPr id="26" name="Table 21">
+            <a:extLst>
+              <a:ext uri="{FF2B5EF4-FFF2-40B4-BE49-F238E27FC236}">
+                <a16:creationId xmlns:a16="http://schemas.microsoft.com/office/drawing/2014/main" id="{7B6DEFB6-47D5-480E-927C-07A6548753AA}"/>
+              </a:ext>
+            </a:extLst>
+          </p:cNvPr>
+          <p:cNvGraphicFramePr>
+            <a:graphicFrameLocks noGrp="1"/>
+          </p:cNvGraphicFramePr>
+          <p:nvPr>
+            <p:extLst>
+              <p:ext uri="{D42A27DB-BD31-4B8C-83A1-F6EECF244321}">
+                <p14:modId xmlns:p14="http://schemas.microsoft.com/office/powerpoint/2010/main" val="570369090"/>
+              </p:ext>
+            </p:extLst>
+          </p:nvPr>
+        </p:nvGraphicFramePr>
+        <p:xfrm>
+          <a:off x="7607586" y="3167230"/>
+          <a:ext cx="763689" cy="523540"/>
+        </p:xfrm>
+        <a:graphic>
+          <a:graphicData uri="http://schemas.openxmlformats.org/drawingml/2006/table">
+            <a:tbl>
+              <a:tblPr firstRow="1" bandRow="1">
+                <a:tableStyleId>{5940675A-B579-460E-94D1-54222C63F5DA}</a:tableStyleId>
+              </a:tblPr>
+              <a:tblGrid>
+                <a:gridCol w="254563">
+                  <a:extLst>
+                    <a:ext uri="{9D8B030D-6E8A-4147-A177-3AD203B41FA5}">
+                      <a16:colId xmlns:a16="http://schemas.microsoft.com/office/drawing/2014/main" val="2109735214"/>
+                    </a:ext>
+                  </a:extLst>
+                </a:gridCol>
+                <a:gridCol w="254563">
+                  <a:extLst>
+                    <a:ext uri="{9D8B030D-6E8A-4147-A177-3AD203B41FA5}">
+                      <a16:colId xmlns:a16="http://schemas.microsoft.com/office/drawing/2014/main" val="963963792"/>
+                    </a:ext>
+                  </a:extLst>
+                </a:gridCol>
+                <a:gridCol w="254563">
+                  <a:extLst>
+                    <a:ext uri="{9D8B030D-6E8A-4147-A177-3AD203B41FA5}">
+                      <a16:colId xmlns:a16="http://schemas.microsoft.com/office/drawing/2014/main" val="3292845390"/>
+                    </a:ext>
+                  </a:extLst>
+                </a:gridCol>
+              </a:tblGrid>
+              <a:tr h="258135">
+                <a:tc>
+                  <a:txBody>
+                    <a:bodyPr/>
+                    <a:lstStyle/>
+                    <a:p>
+                      <a:endParaRPr lang="en-US" sz="1300" dirty="0"/>
+                    </a:p>
+                  </a:txBody>
+                  <a:tcPr marL="63650" marR="63650" marT="31825" marB="31825">
+                    <a:solidFill>
+                      <a:schemeClr val="bg1"/>
+                    </a:solidFill>
+                  </a:tcPr>
+                </a:tc>
+                <a:tc>
+                  <a:txBody>
+                    <a:bodyPr/>
+                    <a:lstStyle/>
+                    <a:p>
+                      <a:endParaRPr lang="en-US" sz="1300" dirty="0"/>
+                    </a:p>
+                  </a:txBody>
+                  <a:tcPr marL="63650" marR="63650" marT="31825" marB="31825">
+                    <a:solidFill>
+                      <a:schemeClr val="bg1"/>
+                    </a:solidFill>
+                  </a:tcPr>
+                </a:tc>
+                <a:tc>
+                  <a:txBody>
+                    <a:bodyPr/>
+                    <a:lstStyle/>
+                    <a:p>
+                      <a:endParaRPr lang="en-US" sz="1300"/>
+                    </a:p>
+                  </a:txBody>
+                  <a:tcPr marL="63650" marR="63650" marT="31825" marB="31825">
+                    <a:solidFill>
+                      <a:schemeClr val="bg1"/>
+                    </a:solidFill>
+                  </a:tcPr>
+                </a:tc>
+                <a:extLst>
+                  <a:ext uri="{0D108BD9-81ED-4DB2-BD59-A6C34878D82A}">
+                    <a16:rowId xmlns:a16="http://schemas.microsoft.com/office/drawing/2014/main" val="608528951"/>
+                  </a:ext>
+                </a:extLst>
+              </a:tr>
+              <a:tr h="258135">
+                <a:tc>
+                  <a:txBody>
+                    <a:bodyPr/>
+                    <a:lstStyle/>
+                    <a:p>
+                      <a:endParaRPr lang="en-US" sz="1300"/>
+                    </a:p>
+                  </a:txBody>
+                  <a:tcPr marL="63650" marR="63650" marT="31825" marB="31825">
+                    <a:solidFill>
+                      <a:schemeClr val="bg1"/>
+                    </a:solidFill>
+                  </a:tcPr>
+                </a:tc>
+                <a:tc>
+                  <a:txBody>
+                    <a:bodyPr/>
+                    <a:lstStyle/>
+                    <a:p>
+                      <a:endParaRPr lang="en-US" sz="1300" dirty="0"/>
+                    </a:p>
+                  </a:txBody>
+                  <a:tcPr marL="63650" marR="63650" marT="31825" marB="31825">
+                    <a:solidFill>
+                      <a:schemeClr val="bg1"/>
+                    </a:solidFill>
+                  </a:tcPr>
+                </a:tc>
+                <a:tc>
+                  <a:txBody>
+                    <a:bodyPr/>
+                    <a:lstStyle/>
+                    <a:p>
+                      <a:endParaRPr lang="en-US" sz="1300" dirty="0"/>
+                    </a:p>
+                  </a:txBody>
+                  <a:tcPr marL="63650" marR="63650" marT="31825" marB="31825">
+                    <a:solidFill>
+                      <a:schemeClr val="bg1"/>
+                    </a:solidFill>
+                  </a:tcPr>
+                </a:tc>
+                <a:extLst>
+                  <a:ext uri="{0D108BD9-81ED-4DB2-BD59-A6C34878D82A}">
+                    <a16:rowId xmlns:a16="http://schemas.microsoft.com/office/drawing/2014/main" val="521488567"/>
+                  </a:ext>
+                </a:extLst>
+              </a:tr>
+            </a:tbl>
+          </a:graphicData>
+        </a:graphic>
+      </p:graphicFrame>
+      <p:graphicFrame>
+        <p:nvGraphicFramePr>
+          <p:cNvPr id="27" name="Table 21">
+            <a:extLst>
+              <a:ext uri="{FF2B5EF4-FFF2-40B4-BE49-F238E27FC236}">
+                <a16:creationId xmlns:a16="http://schemas.microsoft.com/office/drawing/2014/main" id="{6C79316D-AFEF-49F9-8C8E-C50CE5685A10}"/>
+              </a:ext>
+            </a:extLst>
+          </p:cNvPr>
+          <p:cNvGraphicFramePr>
+            <a:graphicFrameLocks noGrp="1"/>
+          </p:cNvGraphicFramePr>
+          <p:nvPr>
+            <p:extLst>
+              <p:ext uri="{D42A27DB-BD31-4B8C-83A1-F6EECF244321}">
+                <p14:modId xmlns:p14="http://schemas.microsoft.com/office/powerpoint/2010/main" val="1910287428"/>
+              </p:ext>
+            </p:extLst>
+          </p:nvPr>
+        </p:nvGraphicFramePr>
+        <p:xfrm>
+          <a:off x="7476112" y="3036345"/>
+          <a:ext cx="763689" cy="523540"/>
+        </p:xfrm>
+        <a:graphic>
+          <a:graphicData uri="http://schemas.openxmlformats.org/drawingml/2006/table">
+            <a:tbl>
+              <a:tblPr firstRow="1" bandRow="1">
+                <a:tableStyleId>{5940675A-B579-460E-94D1-54222C63F5DA}</a:tableStyleId>
+              </a:tblPr>
+              <a:tblGrid>
+                <a:gridCol w="254563">
+                  <a:extLst>
+                    <a:ext uri="{9D8B030D-6E8A-4147-A177-3AD203B41FA5}">
+                      <a16:colId xmlns:a16="http://schemas.microsoft.com/office/drawing/2014/main" val="2109735214"/>
+                    </a:ext>
+                  </a:extLst>
+                </a:gridCol>
+                <a:gridCol w="254563">
+                  <a:extLst>
+                    <a:ext uri="{9D8B030D-6E8A-4147-A177-3AD203B41FA5}">
+                      <a16:colId xmlns:a16="http://schemas.microsoft.com/office/drawing/2014/main" val="963963792"/>
+                    </a:ext>
+                  </a:extLst>
+                </a:gridCol>
+                <a:gridCol w="254563">
+                  <a:extLst>
+                    <a:ext uri="{9D8B030D-6E8A-4147-A177-3AD203B41FA5}">
+                      <a16:colId xmlns:a16="http://schemas.microsoft.com/office/drawing/2014/main" val="3292845390"/>
+                    </a:ext>
+                  </a:extLst>
+                </a:gridCol>
+              </a:tblGrid>
+              <a:tr h="258135">
+                <a:tc>
+                  <a:txBody>
+                    <a:bodyPr/>
+                    <a:lstStyle/>
+                    <a:p>
+                      <a:endParaRPr lang="en-US" sz="1300" dirty="0"/>
+                    </a:p>
+                  </a:txBody>
+                  <a:tcPr marL="63650" marR="63650" marT="31825" marB="31825">
+                    <a:solidFill>
+                      <a:schemeClr val="bg1"/>
+                    </a:solidFill>
+                  </a:tcPr>
+                </a:tc>
+                <a:tc>
+                  <a:txBody>
+                    <a:bodyPr/>
+                    <a:lstStyle/>
+                    <a:p>
+                      <a:endParaRPr lang="en-US" sz="1300" dirty="0"/>
+                    </a:p>
+                  </a:txBody>
+                  <a:tcPr marL="63650" marR="63650" marT="31825" marB="31825">
+                    <a:solidFill>
+                      <a:schemeClr val="bg1"/>
+                    </a:solidFill>
+                  </a:tcPr>
+                </a:tc>
+                <a:tc>
+                  <a:txBody>
+                    <a:bodyPr/>
+                    <a:lstStyle/>
+                    <a:p>
+                      <a:endParaRPr lang="en-US" sz="1300"/>
+                    </a:p>
+                  </a:txBody>
+                  <a:tcPr marL="63650" marR="63650" marT="31825" marB="31825">
+                    <a:solidFill>
+                      <a:schemeClr val="bg1"/>
+                    </a:solidFill>
+                  </a:tcPr>
+                </a:tc>
+                <a:extLst>
+                  <a:ext uri="{0D108BD9-81ED-4DB2-BD59-A6C34878D82A}">
+                    <a16:rowId xmlns:a16="http://schemas.microsoft.com/office/drawing/2014/main" val="608528951"/>
+                  </a:ext>
+                </a:extLst>
+              </a:tr>
+              <a:tr h="258135">
+                <a:tc>
+                  <a:txBody>
+                    <a:bodyPr/>
+                    <a:lstStyle/>
+                    <a:p>
+                      <a:endParaRPr lang="en-US" sz="1300"/>
+                    </a:p>
+                  </a:txBody>
+                  <a:tcPr marL="63650" marR="63650" marT="31825" marB="31825">
+                    <a:solidFill>
+                      <a:schemeClr val="bg1"/>
+                    </a:solidFill>
+                  </a:tcPr>
+                </a:tc>
+                <a:tc>
+                  <a:txBody>
+                    <a:bodyPr/>
+                    <a:lstStyle/>
+                    <a:p>
+                      <a:endParaRPr lang="en-US" sz="1300"/>
+                    </a:p>
+                  </a:txBody>
+                  <a:tcPr marL="63650" marR="63650" marT="31825" marB="31825">
+                    <a:solidFill>
+                      <a:schemeClr val="bg1"/>
+                    </a:solidFill>
+                  </a:tcPr>
+                </a:tc>
+                <a:tc>
+                  <a:txBody>
+                    <a:bodyPr/>
+                    <a:lstStyle/>
+                    <a:p>
+                      <a:endParaRPr lang="en-US" sz="1300" dirty="0"/>
+                    </a:p>
+                  </a:txBody>
+                  <a:tcPr marL="63650" marR="63650" marT="31825" marB="31825">
+                    <a:solidFill>
+                      <a:schemeClr val="bg1"/>
+                    </a:solidFill>
+                  </a:tcPr>
+                </a:tc>
+                <a:extLst>
+                  <a:ext uri="{0D108BD9-81ED-4DB2-BD59-A6C34878D82A}">
+                    <a16:rowId xmlns:a16="http://schemas.microsoft.com/office/drawing/2014/main" val="521488567"/>
+                  </a:ext>
+                </a:extLst>
+              </a:tr>
+            </a:tbl>
+          </a:graphicData>
+        </a:graphic>
+      </p:graphicFrame>
+      <p:graphicFrame>
+        <p:nvGraphicFramePr>
+          <p:cNvPr id="29" name="Table 21">
+            <a:extLst>
+              <a:ext uri="{FF2B5EF4-FFF2-40B4-BE49-F238E27FC236}">
+                <a16:creationId xmlns:a16="http://schemas.microsoft.com/office/drawing/2014/main" id="{E030FB13-F14C-4B8D-96BD-64114F361268}"/>
+              </a:ext>
+            </a:extLst>
+          </p:cNvPr>
+          <p:cNvGraphicFramePr>
+            <a:graphicFrameLocks noGrp="1"/>
+          </p:cNvGraphicFramePr>
+          <p:nvPr>
+            <p:extLst>
+              <p:ext uri="{D42A27DB-BD31-4B8C-83A1-F6EECF244321}">
+                <p14:modId xmlns:p14="http://schemas.microsoft.com/office/powerpoint/2010/main" val="3164056512"/>
+              </p:ext>
+            </p:extLst>
+          </p:nvPr>
+        </p:nvGraphicFramePr>
+        <p:xfrm>
+          <a:off x="7344638" y="2905460"/>
+          <a:ext cx="763689" cy="523540"/>
+        </p:xfrm>
+        <a:graphic>
+          <a:graphicData uri="http://schemas.openxmlformats.org/drawingml/2006/table">
+            <a:tbl>
+              <a:tblPr firstRow="1" bandRow="1">
+                <a:tableStyleId>{5940675A-B579-460E-94D1-54222C63F5DA}</a:tableStyleId>
+              </a:tblPr>
+              <a:tblGrid>
+                <a:gridCol w="254563">
+                  <a:extLst>
+                    <a:ext uri="{9D8B030D-6E8A-4147-A177-3AD203B41FA5}">
+                      <a16:colId xmlns:a16="http://schemas.microsoft.com/office/drawing/2014/main" val="2109735214"/>
+                    </a:ext>
+                  </a:extLst>
+                </a:gridCol>
+                <a:gridCol w="254563">
+                  <a:extLst>
+                    <a:ext uri="{9D8B030D-6E8A-4147-A177-3AD203B41FA5}">
+                      <a16:colId xmlns:a16="http://schemas.microsoft.com/office/drawing/2014/main" val="963963792"/>
+                    </a:ext>
+                  </a:extLst>
+                </a:gridCol>
+                <a:gridCol w="254563">
+                  <a:extLst>
+                    <a:ext uri="{9D8B030D-6E8A-4147-A177-3AD203B41FA5}">
+                      <a16:colId xmlns:a16="http://schemas.microsoft.com/office/drawing/2014/main" val="3292845390"/>
+                    </a:ext>
+                  </a:extLst>
+                </a:gridCol>
+              </a:tblGrid>
+              <a:tr h="258135">
+                <a:tc>
+                  <a:txBody>
+                    <a:bodyPr/>
+                    <a:lstStyle/>
+                    <a:p>
+                      <a:endParaRPr lang="en-US" sz="1300" dirty="0"/>
+                    </a:p>
+                  </a:txBody>
+                  <a:tcPr marL="63650" marR="63650" marT="31825" marB="31825">
+                    <a:solidFill>
+                      <a:schemeClr val="bg1"/>
+                    </a:solidFill>
+                  </a:tcPr>
+                </a:tc>
+                <a:tc>
+                  <a:txBody>
+                    <a:bodyPr/>
+                    <a:lstStyle/>
+                    <a:p>
+                      <a:endParaRPr lang="en-US" sz="1300" dirty="0"/>
+                    </a:p>
+                  </a:txBody>
+                  <a:tcPr marL="63650" marR="63650" marT="31825" marB="31825">
+                    <a:solidFill>
+                      <a:schemeClr val="bg1"/>
+                    </a:solidFill>
+                  </a:tcPr>
+                </a:tc>
+                <a:tc>
+                  <a:txBody>
+                    <a:bodyPr/>
+                    <a:lstStyle/>
+                    <a:p>
+                      <a:endParaRPr lang="en-US" sz="1300" dirty="0"/>
+                    </a:p>
+                  </a:txBody>
+                  <a:tcPr marL="63650" marR="63650" marT="31825" marB="31825">
+                    <a:solidFill>
+                      <a:schemeClr val="bg1"/>
+                    </a:solidFill>
+                  </a:tcPr>
+                </a:tc>
+                <a:extLst>
+                  <a:ext uri="{0D108BD9-81ED-4DB2-BD59-A6C34878D82A}">
+                    <a16:rowId xmlns:a16="http://schemas.microsoft.com/office/drawing/2014/main" val="608528951"/>
+                  </a:ext>
+                </a:extLst>
+              </a:tr>
+              <a:tr h="258135">
+                <a:tc>
+                  <a:txBody>
+                    <a:bodyPr/>
+                    <a:lstStyle/>
+                    <a:p>
+                      <a:endParaRPr lang="en-US" sz="1300"/>
+                    </a:p>
+                  </a:txBody>
+                  <a:tcPr marL="63650" marR="63650" marT="31825" marB="31825">
+                    <a:solidFill>
+                      <a:schemeClr val="bg1"/>
+                    </a:solidFill>
+                  </a:tcPr>
+                </a:tc>
+                <a:tc>
+                  <a:txBody>
+                    <a:bodyPr/>
+                    <a:lstStyle/>
+                    <a:p>
+                      <a:endParaRPr lang="en-US" sz="1300"/>
+                    </a:p>
+                  </a:txBody>
+                  <a:tcPr marL="63650" marR="63650" marT="31825" marB="31825">
+                    <a:solidFill>
+                      <a:schemeClr val="bg1"/>
+                    </a:solidFill>
+                  </a:tcPr>
+                </a:tc>
+                <a:tc>
+                  <a:txBody>
+                    <a:bodyPr/>
+                    <a:lstStyle/>
+                    <a:p>
+                      <a:endParaRPr lang="en-US" sz="1300" dirty="0"/>
+                    </a:p>
+                  </a:txBody>
+                  <a:tcPr marL="63650" marR="63650" marT="31825" marB="31825">
+                    <a:solidFill>
+                      <a:schemeClr val="bg1"/>
+                    </a:solidFill>
+                  </a:tcPr>
+                </a:tc>
+                <a:extLst>
+                  <a:ext uri="{0D108BD9-81ED-4DB2-BD59-A6C34878D82A}">
+                    <a16:rowId xmlns:a16="http://schemas.microsoft.com/office/drawing/2014/main" val="521488567"/>
+                  </a:ext>
+                </a:extLst>
+              </a:tr>
+            </a:tbl>
+          </a:graphicData>
+        </a:graphic>
+      </p:graphicFrame>
+      <p:graphicFrame>
+        <p:nvGraphicFramePr>
+          <p:cNvPr id="30" name="Table 21">
+            <a:extLst>
+              <a:ext uri="{FF2B5EF4-FFF2-40B4-BE49-F238E27FC236}">
+                <a16:creationId xmlns:a16="http://schemas.microsoft.com/office/drawing/2014/main" id="{11956062-6FB9-45F3-8703-E7DEFB463C5F}"/>
+              </a:ext>
+            </a:extLst>
+          </p:cNvPr>
+          <p:cNvGraphicFramePr>
+            <a:graphicFrameLocks noGrp="1"/>
+          </p:cNvGraphicFramePr>
+          <p:nvPr>
+            <p:extLst>
+              <p:ext uri="{D42A27DB-BD31-4B8C-83A1-F6EECF244321}">
+                <p14:modId xmlns:p14="http://schemas.microsoft.com/office/powerpoint/2010/main" val="110437736"/>
+              </p:ext>
+            </p:extLst>
+          </p:nvPr>
+        </p:nvGraphicFramePr>
+        <p:xfrm>
+          <a:off x="7225741" y="2774575"/>
+          <a:ext cx="763689" cy="523540"/>
+        </p:xfrm>
+        <a:graphic>
+          <a:graphicData uri="http://schemas.openxmlformats.org/drawingml/2006/table">
+            <a:tbl>
+              <a:tblPr firstRow="1" bandRow="1">
+                <a:tableStyleId>{5940675A-B579-460E-94D1-54222C63F5DA}</a:tableStyleId>
+              </a:tblPr>
+              <a:tblGrid>
+                <a:gridCol w="254563">
+                  <a:extLst>
+                    <a:ext uri="{9D8B030D-6E8A-4147-A177-3AD203B41FA5}">
+                      <a16:colId xmlns:a16="http://schemas.microsoft.com/office/drawing/2014/main" val="2109735214"/>
+                    </a:ext>
+                  </a:extLst>
+                </a:gridCol>
+                <a:gridCol w="254563">
+                  <a:extLst>
+                    <a:ext uri="{9D8B030D-6E8A-4147-A177-3AD203B41FA5}">
+                      <a16:colId xmlns:a16="http://schemas.microsoft.com/office/drawing/2014/main" val="963963792"/>
+                    </a:ext>
+                  </a:extLst>
+                </a:gridCol>
+                <a:gridCol w="254563">
+                  <a:extLst>
+                    <a:ext uri="{9D8B030D-6E8A-4147-A177-3AD203B41FA5}">
+                      <a16:colId xmlns:a16="http://schemas.microsoft.com/office/drawing/2014/main" val="3292845390"/>
+                    </a:ext>
+                  </a:extLst>
+                </a:gridCol>
+              </a:tblGrid>
+              <a:tr h="258135">
+                <a:tc>
+                  <a:txBody>
+                    <a:bodyPr/>
+                    <a:lstStyle/>
+                    <a:p>
+                      <a:endParaRPr lang="en-US" sz="1300" dirty="0"/>
+                    </a:p>
+                  </a:txBody>
+                  <a:tcPr marL="63650" marR="63650" marT="31825" marB="31825">
+                    <a:solidFill>
+                      <a:schemeClr val="bg1"/>
+                    </a:solidFill>
+                  </a:tcPr>
+                </a:tc>
+                <a:tc>
+                  <a:txBody>
+                    <a:bodyPr/>
+                    <a:lstStyle/>
+                    <a:p>
+                      <a:endParaRPr lang="en-US" sz="1300" dirty="0"/>
+                    </a:p>
+                  </a:txBody>
+                  <a:tcPr marL="63650" marR="63650" marT="31825" marB="31825">
+                    <a:solidFill>
+                      <a:schemeClr val="bg1"/>
+                    </a:solidFill>
+                  </a:tcPr>
+                </a:tc>
+                <a:tc>
+                  <a:txBody>
+                    <a:bodyPr/>
+                    <a:lstStyle/>
+                    <a:p>
+                      <a:endParaRPr lang="en-US" sz="1300" dirty="0"/>
+                    </a:p>
+                  </a:txBody>
+                  <a:tcPr marL="63650" marR="63650" marT="31825" marB="31825">
+                    <a:solidFill>
+                      <a:schemeClr val="bg1"/>
+                    </a:solidFill>
+                  </a:tcPr>
+                </a:tc>
+                <a:extLst>
+                  <a:ext uri="{0D108BD9-81ED-4DB2-BD59-A6C34878D82A}">
+                    <a16:rowId xmlns:a16="http://schemas.microsoft.com/office/drawing/2014/main" val="608528951"/>
+                  </a:ext>
+                </a:extLst>
+              </a:tr>
+              <a:tr h="258135">
+                <a:tc>
+                  <a:txBody>
+                    <a:bodyPr/>
+                    <a:lstStyle/>
+                    <a:p>
+                      <a:endParaRPr lang="en-US" sz="1300" dirty="0"/>
+                    </a:p>
+                  </a:txBody>
+                  <a:tcPr marL="63650" marR="63650" marT="31825" marB="31825">
+                    <a:solidFill>
+                      <a:schemeClr val="bg1"/>
+                    </a:solidFill>
+                  </a:tcPr>
+                </a:tc>
+                <a:tc>
+                  <a:txBody>
+                    <a:bodyPr/>
+                    <a:lstStyle/>
+                    <a:p>
+                      <a:endParaRPr lang="en-US" sz="1300" dirty="0"/>
+                    </a:p>
+                  </a:txBody>
+                  <a:tcPr marL="63650" marR="63650" marT="31825" marB="31825">
+                    <a:solidFill>
+                      <a:schemeClr val="bg1"/>
+                    </a:solidFill>
+                  </a:tcPr>
+                </a:tc>
+                <a:tc>
+                  <a:txBody>
+                    <a:bodyPr/>
+                    <a:lstStyle/>
+                    <a:p>
+                      <a:endParaRPr lang="en-US" sz="1300" dirty="0"/>
+                    </a:p>
+                  </a:txBody>
+                  <a:tcPr marL="63650" marR="63650" marT="31825" marB="31825">
+                    <a:solidFill>
+                      <a:schemeClr val="bg1"/>
+                    </a:solidFill>
+                  </a:tcPr>
+                </a:tc>
+                <a:extLst>
+                  <a:ext uri="{0D108BD9-81ED-4DB2-BD59-A6C34878D82A}">
+                    <a16:rowId xmlns:a16="http://schemas.microsoft.com/office/drawing/2014/main" val="521488567"/>
+                  </a:ext>
+                </a:extLst>
+              </a:tr>
+            </a:tbl>
+          </a:graphicData>
+        </a:graphic>
+      </p:graphicFrame>
+      <p:sp>
+        <p:nvSpPr>
+          <p:cNvPr id="34" name="TextBox 33">
+            <a:extLst>
+              <a:ext uri="{FF2B5EF4-FFF2-40B4-BE49-F238E27FC236}">
+                <a16:creationId xmlns:a16="http://schemas.microsoft.com/office/drawing/2014/main" id="{19D073D6-0020-4B1A-8AC9-B5B409B2DE85}"/>
+              </a:ext>
+            </a:extLst>
+          </p:cNvPr>
+          <p:cNvSpPr txBox="1"/>
+          <p:nvPr/>
+        </p:nvSpPr>
+        <p:spPr>
+          <a:xfrm>
+            <a:off x="6329718" y="3102972"/>
+            <a:ext cx="436406" cy="584775"/>
+          </a:xfrm>
+          <a:prstGeom prst="rect">
+            <a:avLst/>
+          </a:prstGeom>
+          <a:noFill/>
+        </p:spPr>
+        <p:txBody>
+          <a:bodyPr wrap="square" rtlCol="0">
+            <a:spAutoFit/>
+          </a:bodyPr>
+          <a:lstStyle/>
+          <a:p>
+            <a:r>
+              <a:rPr lang="en-US" sz="3200" dirty="0"/>
+              <a:t>+</a:t>
+            </a:r>
+          </a:p>
+        </p:txBody>
+      </p:sp>
     </p:spTree>
     <p:extLst>
       <p:ext uri="{BB962C8B-B14F-4D97-AF65-F5344CB8AC3E}">
@@ -28015,8 +31753,8 @@
         </p:nvSpPr>
         <p:spPr>
           <a:xfrm>
-            <a:off x="2114040" y="1654664"/>
-            <a:ext cx="1220697" cy="369332"/>
+            <a:off x="1946642" y="1616157"/>
+            <a:ext cx="682945" cy="369332"/>
           </a:xfrm>
           <a:prstGeom prst="rect">
             <a:avLst/>
@@ -28050,8 +31788,8 @@
         </p:nvSpPr>
         <p:spPr>
           <a:xfrm>
-            <a:off x="4384863" y="1541328"/>
-            <a:ext cx="745812" cy="584775"/>
+            <a:off x="4591737" y="1528952"/>
+            <a:ext cx="414664" cy="584775"/>
           </a:xfrm>
           <a:prstGeom prst="rect">
             <a:avLst/>
@@ -30700,13 +34438,13 @@
           <p:nvPr>
             <p:extLst>
               <p:ext uri="{D42A27DB-BD31-4B8C-83A1-F6EECF244321}">
-                <p14:modId xmlns:p14="http://schemas.microsoft.com/office/powerpoint/2010/main" val="2426597750"/>
+                <p14:modId xmlns:p14="http://schemas.microsoft.com/office/powerpoint/2010/main" val="2473646945"/>
               </p:ext>
             </p:extLst>
           </p:nvPr>
         </p:nvGraphicFramePr>
         <p:xfrm>
-          <a:off x="3332512" y="1737081"/>
+          <a:off x="3146195" y="1732153"/>
           <a:ext cx="431910" cy="419061"/>
         </p:xfrm>
         <a:graphic>
@@ -30904,13 +34642,13 @@
           <p:nvPr>
             <p:extLst>
               <p:ext uri="{D42A27DB-BD31-4B8C-83A1-F6EECF244321}">
-                <p14:modId xmlns:p14="http://schemas.microsoft.com/office/powerpoint/2010/main" val="1791239231"/>
+                <p14:modId xmlns:p14="http://schemas.microsoft.com/office/powerpoint/2010/main" val="2620404865"/>
               </p:ext>
             </p:extLst>
           </p:nvPr>
         </p:nvGraphicFramePr>
         <p:xfrm>
-          <a:off x="3243989" y="1668530"/>
+          <a:off x="3057672" y="1663602"/>
           <a:ext cx="431910" cy="417246"/>
         </p:xfrm>
         <a:graphic>
@@ -31108,13 +34846,13 @@
           <p:nvPr>
             <p:extLst>
               <p:ext uri="{D42A27DB-BD31-4B8C-83A1-F6EECF244321}">
-                <p14:modId xmlns:p14="http://schemas.microsoft.com/office/powerpoint/2010/main" val="3459360778"/>
+                <p14:modId xmlns:p14="http://schemas.microsoft.com/office/powerpoint/2010/main" val="3765196053"/>
               </p:ext>
             </p:extLst>
           </p:nvPr>
         </p:nvGraphicFramePr>
         <p:xfrm>
-          <a:off x="3155466" y="1604935"/>
+          <a:off x="2969149" y="1600007"/>
           <a:ext cx="431910" cy="419061"/>
         </p:xfrm>
         <a:graphic>
@@ -31338,8 +35076,8 @@
         </p:nvSpPr>
         <p:spPr>
           <a:xfrm>
-            <a:off x="3871670" y="1604935"/>
-            <a:ext cx="736349" cy="584775"/>
+            <a:off x="3685353" y="1600007"/>
+            <a:ext cx="468617" cy="584775"/>
           </a:xfrm>
           <a:prstGeom prst="rect">
             <a:avLst/>
@@ -31373,7 +35111,7 @@
         </p:nvSpPr>
         <p:spPr>
           <a:xfrm rot="16200000">
-            <a:off x="3753150" y="1703802"/>
+            <a:off x="3566833" y="1698874"/>
             <a:ext cx="88761" cy="993047"/>
           </a:xfrm>
           <a:prstGeom prst="leftBrace">
@@ -31417,7 +35155,7 @@
         </p:nvSpPr>
         <p:spPr>
           <a:xfrm>
-            <a:off x="3673905" y="2169999"/>
+            <a:off x="3487588" y="2165071"/>
             <a:ext cx="260665" cy="276999"/>
           </a:xfrm>
           <a:prstGeom prst="rect">
@@ -31453,14 +35191,14 @@
           <p:nvPr>
             <p:extLst>
               <p:ext uri="{D42A27DB-BD31-4B8C-83A1-F6EECF244321}">
-                <p14:modId xmlns:p14="http://schemas.microsoft.com/office/powerpoint/2010/main" val="2589979898"/>
+                <p14:modId xmlns:p14="http://schemas.microsoft.com/office/powerpoint/2010/main" val="2343248274"/>
               </p:ext>
             </p:extLst>
           </p:nvPr>
         </p:nvGraphicFramePr>
         <p:xfrm>
           <a:off x="5395869" y="1323764"/>
-          <a:ext cx="431910" cy="296090"/>
+          <a:ext cx="612534" cy="285356"/>
         </p:xfrm>
         <a:graphic>
           <a:graphicData uri="http://schemas.openxmlformats.org/drawingml/2006/table">
@@ -31469,21 +35207,21 @@
                 <a:tableStyleId>{5940675A-B579-460E-94D1-54222C63F5DA}</a:tableStyleId>
               </a:tblPr>
               <a:tblGrid>
-                <a:gridCol w="143970">
+                <a:gridCol w="204178">
                   <a:extLst>
                     <a:ext uri="{9D8B030D-6E8A-4147-A177-3AD203B41FA5}">
                       <a16:colId xmlns:a16="http://schemas.microsoft.com/office/drawing/2014/main" val="2109735214"/>
                     </a:ext>
                   </a:extLst>
                 </a:gridCol>
-                <a:gridCol w="143970">
+                <a:gridCol w="204178">
                   <a:extLst>
                     <a:ext uri="{9D8B030D-6E8A-4147-A177-3AD203B41FA5}">
                       <a16:colId xmlns:a16="http://schemas.microsoft.com/office/drawing/2014/main" val="963963792"/>
                     </a:ext>
                   </a:extLst>
                 </a:gridCol>
-                <a:gridCol w="143970">
+                <a:gridCol w="204178">
                   <a:extLst>
                     <a:ext uri="{9D8B030D-6E8A-4147-A177-3AD203B41FA5}">
                       <a16:colId xmlns:a16="http://schemas.microsoft.com/office/drawing/2014/main" val="3292845390"/>
@@ -31491,7 +35229,7 @@
                   </a:extLst>
                 </a:gridCol>
               </a:tblGrid>
-              <a:tr h="148045">
+              <a:tr h="138374">
                 <a:tc>
                   <a:txBody>
                     <a:bodyPr/>
@@ -31549,7 +35287,7 @@
                   </a:ext>
                 </a:extLst>
               </a:tr>
-              <a:tr h="148045">
+              <a:tr h="138374">
                 <a:tc>
                   <a:txBody>
                     <a:bodyPr/>
@@ -31626,14 +35364,14 @@
           <p:nvPr>
             <p:extLst>
               <p:ext uri="{D42A27DB-BD31-4B8C-83A1-F6EECF244321}">
-                <p14:modId xmlns:p14="http://schemas.microsoft.com/office/powerpoint/2010/main" val="121482582"/>
+                <p14:modId xmlns:p14="http://schemas.microsoft.com/office/powerpoint/2010/main" val="3077552831"/>
               </p:ext>
             </p:extLst>
           </p:nvPr>
         </p:nvGraphicFramePr>
         <p:xfrm>
           <a:off x="5324093" y="1248688"/>
-          <a:ext cx="431910" cy="296090"/>
+          <a:ext cx="612534" cy="285356"/>
         </p:xfrm>
         <a:graphic>
           <a:graphicData uri="http://schemas.openxmlformats.org/drawingml/2006/table">
@@ -31642,21 +35380,21 @@
                 <a:tableStyleId>{5940675A-B579-460E-94D1-54222C63F5DA}</a:tableStyleId>
               </a:tblPr>
               <a:tblGrid>
-                <a:gridCol w="143970">
+                <a:gridCol w="204178">
                   <a:extLst>
                     <a:ext uri="{9D8B030D-6E8A-4147-A177-3AD203B41FA5}">
                       <a16:colId xmlns:a16="http://schemas.microsoft.com/office/drawing/2014/main" val="2109735214"/>
                     </a:ext>
                   </a:extLst>
                 </a:gridCol>
-                <a:gridCol w="143970">
+                <a:gridCol w="204178">
                   <a:extLst>
                     <a:ext uri="{9D8B030D-6E8A-4147-A177-3AD203B41FA5}">
                       <a16:colId xmlns:a16="http://schemas.microsoft.com/office/drawing/2014/main" val="963963792"/>
                     </a:ext>
                   </a:extLst>
                 </a:gridCol>
-                <a:gridCol w="143970">
+                <a:gridCol w="204178">
                   <a:extLst>
                     <a:ext uri="{9D8B030D-6E8A-4147-A177-3AD203B41FA5}">
                       <a16:colId xmlns:a16="http://schemas.microsoft.com/office/drawing/2014/main" val="3292845390"/>
@@ -31664,7 +35402,7 @@
                   </a:extLst>
                 </a:gridCol>
               </a:tblGrid>
-              <a:tr h="148045">
+              <a:tr h="138374">
                 <a:tc>
                   <a:txBody>
                     <a:bodyPr/>
@@ -31722,7 +35460,7 @@
                   </a:ext>
                 </a:extLst>
               </a:tr>
-              <a:tr h="148045">
+              <a:tr h="138374">
                 <a:tc>
                   <a:txBody>
                     <a:bodyPr/>
@@ -31799,14 +35537,14 @@
           <p:nvPr>
             <p:extLst>
               <p:ext uri="{D42A27DB-BD31-4B8C-83A1-F6EECF244321}">
-                <p14:modId xmlns:p14="http://schemas.microsoft.com/office/powerpoint/2010/main" val="3050693683"/>
+                <p14:modId xmlns:p14="http://schemas.microsoft.com/office/powerpoint/2010/main" val="3418672099"/>
               </p:ext>
             </p:extLst>
           </p:nvPr>
         </p:nvGraphicFramePr>
         <p:xfrm>
           <a:off x="5257079" y="1183864"/>
-          <a:ext cx="431910" cy="296090"/>
+          <a:ext cx="612534" cy="285356"/>
         </p:xfrm>
         <a:graphic>
           <a:graphicData uri="http://schemas.openxmlformats.org/drawingml/2006/table">
@@ -31815,21 +35553,21 @@
                 <a:tableStyleId>{5940675A-B579-460E-94D1-54222C63F5DA}</a:tableStyleId>
               </a:tblPr>
               <a:tblGrid>
-                <a:gridCol w="143970">
+                <a:gridCol w="204178">
                   <a:extLst>
                     <a:ext uri="{9D8B030D-6E8A-4147-A177-3AD203B41FA5}">
                       <a16:colId xmlns:a16="http://schemas.microsoft.com/office/drawing/2014/main" val="2109735214"/>
                     </a:ext>
                   </a:extLst>
                 </a:gridCol>
-                <a:gridCol w="143970">
+                <a:gridCol w="204178">
                   <a:extLst>
                     <a:ext uri="{9D8B030D-6E8A-4147-A177-3AD203B41FA5}">
                       <a16:colId xmlns:a16="http://schemas.microsoft.com/office/drawing/2014/main" val="963963792"/>
                     </a:ext>
                   </a:extLst>
                 </a:gridCol>
-                <a:gridCol w="143970">
+                <a:gridCol w="204178">
                   <a:extLst>
                     <a:ext uri="{9D8B030D-6E8A-4147-A177-3AD203B41FA5}">
                       <a16:colId xmlns:a16="http://schemas.microsoft.com/office/drawing/2014/main" val="3292845390"/>
@@ -31837,7 +35575,7 @@
                   </a:extLst>
                 </a:gridCol>
               </a:tblGrid>
-              <a:tr h="148045">
+              <a:tr h="138374">
                 <a:tc>
                   <a:txBody>
                     <a:bodyPr/>
@@ -31895,7 +35633,7 @@
                   </a:ext>
                 </a:extLst>
               </a:tr>
-              <a:tr h="148045">
+              <a:tr h="138374">
                 <a:tc>
                   <a:txBody>
                     <a:bodyPr/>
@@ -31972,14 +35710,14 @@
           <p:nvPr>
             <p:extLst>
               <p:ext uri="{D42A27DB-BD31-4B8C-83A1-F6EECF244321}">
-                <p14:modId xmlns:p14="http://schemas.microsoft.com/office/powerpoint/2010/main" val="1742183047"/>
+                <p14:modId xmlns:p14="http://schemas.microsoft.com/office/powerpoint/2010/main" val="783174876"/>
               </p:ext>
             </p:extLst>
           </p:nvPr>
         </p:nvGraphicFramePr>
         <p:xfrm>
           <a:off x="5190065" y="1100643"/>
-          <a:ext cx="431910" cy="296090"/>
+          <a:ext cx="612534" cy="285356"/>
         </p:xfrm>
         <a:graphic>
           <a:graphicData uri="http://schemas.openxmlformats.org/drawingml/2006/table">
@@ -31988,21 +35726,21 @@
                 <a:tableStyleId>{5940675A-B579-460E-94D1-54222C63F5DA}</a:tableStyleId>
               </a:tblPr>
               <a:tblGrid>
-                <a:gridCol w="143970">
+                <a:gridCol w="204178">
                   <a:extLst>
                     <a:ext uri="{9D8B030D-6E8A-4147-A177-3AD203B41FA5}">
                       <a16:colId xmlns:a16="http://schemas.microsoft.com/office/drawing/2014/main" val="2109735214"/>
                     </a:ext>
                   </a:extLst>
                 </a:gridCol>
-                <a:gridCol w="143970">
+                <a:gridCol w="204178">
                   <a:extLst>
                     <a:ext uri="{9D8B030D-6E8A-4147-A177-3AD203B41FA5}">
                       <a16:colId xmlns:a16="http://schemas.microsoft.com/office/drawing/2014/main" val="963963792"/>
                     </a:ext>
                   </a:extLst>
                 </a:gridCol>
-                <a:gridCol w="143970">
+                <a:gridCol w="204178">
                   <a:extLst>
                     <a:ext uri="{9D8B030D-6E8A-4147-A177-3AD203B41FA5}">
                       <a16:colId xmlns:a16="http://schemas.microsoft.com/office/drawing/2014/main" val="3292845390"/>
@@ -32010,7 +35748,7 @@
                   </a:extLst>
                 </a:gridCol>
               </a:tblGrid>
-              <a:tr h="148045">
+              <a:tr h="138374">
                 <a:tc>
                   <a:txBody>
                     <a:bodyPr/>
@@ -32068,7 +35806,7 @@
                   </a:ext>
                 </a:extLst>
               </a:tr>
-              <a:tr h="148045">
+              <a:tr h="138374">
                 <a:tc>
                   <a:txBody>
                     <a:bodyPr/>
@@ -32145,14 +35883,14 @@
           <p:nvPr>
             <p:extLst>
               <p:ext uri="{D42A27DB-BD31-4B8C-83A1-F6EECF244321}">
-                <p14:modId xmlns:p14="http://schemas.microsoft.com/office/powerpoint/2010/main" val="3683914538"/>
+                <p14:modId xmlns:p14="http://schemas.microsoft.com/office/powerpoint/2010/main" val="1829473568"/>
               </p:ext>
             </p:extLst>
           </p:nvPr>
         </p:nvGraphicFramePr>
         <p:xfrm>
           <a:off x="5117416" y="1020574"/>
-          <a:ext cx="431910" cy="296090"/>
+          <a:ext cx="612534" cy="285356"/>
         </p:xfrm>
         <a:graphic>
           <a:graphicData uri="http://schemas.openxmlformats.org/drawingml/2006/table">
@@ -32161,21 +35899,21 @@
                 <a:tableStyleId>{5940675A-B579-460E-94D1-54222C63F5DA}</a:tableStyleId>
               </a:tblPr>
               <a:tblGrid>
-                <a:gridCol w="143970">
+                <a:gridCol w="204178">
                   <a:extLst>
                     <a:ext uri="{9D8B030D-6E8A-4147-A177-3AD203B41FA5}">
                       <a16:colId xmlns:a16="http://schemas.microsoft.com/office/drawing/2014/main" val="2109735214"/>
                     </a:ext>
                   </a:extLst>
                 </a:gridCol>
-                <a:gridCol w="143970">
+                <a:gridCol w="204178">
                   <a:extLst>
                     <a:ext uri="{9D8B030D-6E8A-4147-A177-3AD203B41FA5}">
                       <a16:colId xmlns:a16="http://schemas.microsoft.com/office/drawing/2014/main" val="963963792"/>
                     </a:ext>
                   </a:extLst>
                 </a:gridCol>
-                <a:gridCol w="143970">
+                <a:gridCol w="204178">
                   <a:extLst>
                     <a:ext uri="{9D8B030D-6E8A-4147-A177-3AD203B41FA5}">
                       <a16:colId xmlns:a16="http://schemas.microsoft.com/office/drawing/2014/main" val="3292845390"/>
@@ -32183,7 +35921,7 @@
                   </a:extLst>
                 </a:gridCol>
               </a:tblGrid>
-              <a:tr h="148045">
+              <a:tr h="138374">
                 <a:tc>
                   <a:txBody>
                     <a:bodyPr/>
@@ -32241,7 +35979,7 @@
                   </a:ext>
                 </a:extLst>
               </a:tr>
-              <a:tr h="148045">
+              <a:tr h="138374">
                 <a:tc>
                   <a:txBody>
                     <a:bodyPr/>
@@ -32318,14 +36056,14 @@
           <p:nvPr>
             <p:extLst>
               <p:ext uri="{D42A27DB-BD31-4B8C-83A1-F6EECF244321}">
-                <p14:modId xmlns:p14="http://schemas.microsoft.com/office/powerpoint/2010/main" val="3682423664"/>
+                <p14:modId xmlns:p14="http://schemas.microsoft.com/office/powerpoint/2010/main" val="3087182237"/>
               </p:ext>
             </p:extLst>
           </p:nvPr>
         </p:nvGraphicFramePr>
         <p:xfrm>
           <a:off x="5045763" y="952598"/>
-          <a:ext cx="431910" cy="296090"/>
+          <a:ext cx="612534" cy="285356"/>
         </p:xfrm>
         <a:graphic>
           <a:graphicData uri="http://schemas.openxmlformats.org/drawingml/2006/table">
@@ -32334,21 +36072,21 @@
                 <a:tableStyleId>{5940675A-B579-460E-94D1-54222C63F5DA}</a:tableStyleId>
               </a:tblPr>
               <a:tblGrid>
-                <a:gridCol w="143970">
+                <a:gridCol w="204178">
                   <a:extLst>
                     <a:ext uri="{9D8B030D-6E8A-4147-A177-3AD203B41FA5}">
                       <a16:colId xmlns:a16="http://schemas.microsoft.com/office/drawing/2014/main" val="2109735214"/>
                     </a:ext>
                   </a:extLst>
                 </a:gridCol>
-                <a:gridCol w="143970">
+                <a:gridCol w="204178">
                   <a:extLst>
                     <a:ext uri="{9D8B030D-6E8A-4147-A177-3AD203B41FA5}">
                       <a16:colId xmlns:a16="http://schemas.microsoft.com/office/drawing/2014/main" val="963963792"/>
                     </a:ext>
                   </a:extLst>
                 </a:gridCol>
-                <a:gridCol w="143970">
+                <a:gridCol w="204178">
                   <a:extLst>
                     <a:ext uri="{9D8B030D-6E8A-4147-A177-3AD203B41FA5}">
                       <a16:colId xmlns:a16="http://schemas.microsoft.com/office/drawing/2014/main" val="3292845390"/>
@@ -32356,7 +36094,7 @@
                   </a:extLst>
                 </a:gridCol>
               </a:tblGrid>
-              <a:tr h="148045">
+              <a:tr h="138374">
                 <a:tc>
                   <a:txBody>
                     <a:bodyPr/>
@@ -32414,7 +36152,7 @@
                   </a:ext>
                 </a:extLst>
               </a:tr>
-              <a:tr h="148045">
+              <a:tr h="138374">
                 <a:tc>
                   <a:txBody>
                     <a:bodyPr/>
@@ -32491,14 +36229,14 @@
           <p:nvPr>
             <p:extLst>
               <p:ext uri="{D42A27DB-BD31-4B8C-83A1-F6EECF244321}">
-                <p14:modId xmlns:p14="http://schemas.microsoft.com/office/powerpoint/2010/main" val="1095776526"/>
+                <p14:modId xmlns:p14="http://schemas.microsoft.com/office/powerpoint/2010/main" val="1159534133"/>
               </p:ext>
             </p:extLst>
           </p:nvPr>
         </p:nvGraphicFramePr>
         <p:xfrm>
           <a:off x="4974110" y="869377"/>
-          <a:ext cx="431910" cy="296090"/>
+          <a:ext cx="612534" cy="285356"/>
         </p:xfrm>
         <a:graphic>
           <a:graphicData uri="http://schemas.openxmlformats.org/drawingml/2006/table">
@@ -32507,21 +36245,21 @@
                 <a:tableStyleId>{5940675A-B579-460E-94D1-54222C63F5DA}</a:tableStyleId>
               </a:tblPr>
               <a:tblGrid>
-                <a:gridCol w="143970">
+                <a:gridCol w="204178">
                   <a:extLst>
                     <a:ext uri="{9D8B030D-6E8A-4147-A177-3AD203B41FA5}">
                       <a16:colId xmlns:a16="http://schemas.microsoft.com/office/drawing/2014/main" val="2109735214"/>
                     </a:ext>
                   </a:extLst>
                 </a:gridCol>
-                <a:gridCol w="143970">
+                <a:gridCol w="204178">
                   <a:extLst>
                     <a:ext uri="{9D8B030D-6E8A-4147-A177-3AD203B41FA5}">
                       <a16:colId xmlns:a16="http://schemas.microsoft.com/office/drawing/2014/main" val="963963792"/>
                     </a:ext>
                   </a:extLst>
                 </a:gridCol>
-                <a:gridCol w="143970">
+                <a:gridCol w="204178">
                   <a:extLst>
                     <a:ext uri="{9D8B030D-6E8A-4147-A177-3AD203B41FA5}">
                       <a16:colId xmlns:a16="http://schemas.microsoft.com/office/drawing/2014/main" val="3292845390"/>
@@ -32529,7 +36267,7 @@
                   </a:extLst>
                 </a:gridCol>
               </a:tblGrid>
-              <a:tr h="148045">
+              <a:tr h="138374">
                 <a:tc>
                   <a:txBody>
                     <a:bodyPr/>
@@ -32596,7 +36334,7 @@
                   </a:ext>
                 </a:extLst>
               </a:tr>
-              <a:tr h="148045">
+              <a:tr h="138374">
                 <a:tc>
                   <a:txBody>
                     <a:bodyPr/>
@@ -32682,14 +36420,14 @@
           <p:nvPr>
             <p:extLst>
               <p:ext uri="{D42A27DB-BD31-4B8C-83A1-F6EECF244321}">
-                <p14:modId xmlns:p14="http://schemas.microsoft.com/office/powerpoint/2010/main" val="2396917318"/>
+                <p14:modId xmlns:p14="http://schemas.microsoft.com/office/powerpoint/2010/main" val="2340903039"/>
               </p:ext>
             </p:extLst>
           </p:nvPr>
         </p:nvGraphicFramePr>
         <p:xfrm>
           <a:off x="5419249" y="2353010"/>
-          <a:ext cx="431910" cy="296090"/>
+          <a:ext cx="612534" cy="285356"/>
         </p:xfrm>
         <a:graphic>
           <a:graphicData uri="http://schemas.openxmlformats.org/drawingml/2006/table">
@@ -32698,21 +36436,21 @@
                 <a:tableStyleId>{5940675A-B579-460E-94D1-54222C63F5DA}</a:tableStyleId>
               </a:tblPr>
               <a:tblGrid>
-                <a:gridCol w="143970">
+                <a:gridCol w="204178">
                   <a:extLst>
                     <a:ext uri="{9D8B030D-6E8A-4147-A177-3AD203B41FA5}">
                       <a16:colId xmlns:a16="http://schemas.microsoft.com/office/drawing/2014/main" val="2109735214"/>
                     </a:ext>
                   </a:extLst>
                 </a:gridCol>
-                <a:gridCol w="143970">
+                <a:gridCol w="204178">
                   <a:extLst>
                     <a:ext uri="{9D8B030D-6E8A-4147-A177-3AD203B41FA5}">
                       <a16:colId xmlns:a16="http://schemas.microsoft.com/office/drawing/2014/main" val="963963792"/>
                     </a:ext>
                   </a:extLst>
                 </a:gridCol>
-                <a:gridCol w="143970">
+                <a:gridCol w="204178">
                   <a:extLst>
                     <a:ext uri="{9D8B030D-6E8A-4147-A177-3AD203B41FA5}">
                       <a16:colId xmlns:a16="http://schemas.microsoft.com/office/drawing/2014/main" val="3292845390"/>
@@ -32720,7 +36458,7 @@
                   </a:extLst>
                 </a:gridCol>
               </a:tblGrid>
-              <a:tr h="148045">
+              <a:tr h="138374">
                 <a:tc>
                   <a:txBody>
                     <a:bodyPr/>
@@ -32775,7 +36513,7 @@
                   </a:ext>
                 </a:extLst>
               </a:tr>
-              <a:tr h="148045">
+              <a:tr h="138374">
                 <a:tc>
                   <a:txBody>
                     <a:bodyPr/>
@@ -32849,14 +36587,14 @@
           <p:nvPr>
             <p:extLst>
               <p:ext uri="{D42A27DB-BD31-4B8C-83A1-F6EECF244321}">
-                <p14:modId xmlns:p14="http://schemas.microsoft.com/office/powerpoint/2010/main" val="3900647521"/>
+                <p14:modId xmlns:p14="http://schemas.microsoft.com/office/powerpoint/2010/main" val="3565681589"/>
               </p:ext>
             </p:extLst>
           </p:nvPr>
         </p:nvGraphicFramePr>
         <p:xfrm>
           <a:off x="5333371" y="2276993"/>
-          <a:ext cx="431910" cy="296090"/>
+          <a:ext cx="612534" cy="285356"/>
         </p:xfrm>
         <a:graphic>
           <a:graphicData uri="http://schemas.openxmlformats.org/drawingml/2006/table">
@@ -32865,21 +36603,21 @@
                 <a:tableStyleId>{5940675A-B579-460E-94D1-54222C63F5DA}</a:tableStyleId>
               </a:tblPr>
               <a:tblGrid>
-                <a:gridCol w="143970">
+                <a:gridCol w="204178">
                   <a:extLst>
                     <a:ext uri="{9D8B030D-6E8A-4147-A177-3AD203B41FA5}">
                       <a16:colId xmlns:a16="http://schemas.microsoft.com/office/drawing/2014/main" val="2109735214"/>
                     </a:ext>
                   </a:extLst>
                 </a:gridCol>
-                <a:gridCol w="143970">
+                <a:gridCol w="204178">
                   <a:extLst>
                     <a:ext uri="{9D8B030D-6E8A-4147-A177-3AD203B41FA5}">
                       <a16:colId xmlns:a16="http://schemas.microsoft.com/office/drawing/2014/main" val="963963792"/>
                     </a:ext>
                   </a:extLst>
                 </a:gridCol>
-                <a:gridCol w="143970">
+                <a:gridCol w="204178">
                   <a:extLst>
                     <a:ext uri="{9D8B030D-6E8A-4147-A177-3AD203B41FA5}">
                       <a16:colId xmlns:a16="http://schemas.microsoft.com/office/drawing/2014/main" val="3292845390"/>
@@ -32887,7 +36625,7 @@
                   </a:extLst>
                 </a:gridCol>
               </a:tblGrid>
-              <a:tr h="148045">
+              <a:tr h="138374">
                 <a:tc>
                   <a:txBody>
                     <a:bodyPr/>
@@ -32942,7 +36680,7 @@
                   </a:ext>
                 </a:extLst>
               </a:tr>
-              <a:tr h="148045">
+              <a:tr h="138374">
                 <a:tc>
                   <a:txBody>
                     <a:bodyPr/>
@@ -33016,14 +36754,14 @@
           <p:nvPr>
             <p:extLst>
               <p:ext uri="{D42A27DB-BD31-4B8C-83A1-F6EECF244321}">
-                <p14:modId xmlns:p14="http://schemas.microsoft.com/office/powerpoint/2010/main" val="1146441161"/>
+                <p14:modId xmlns:p14="http://schemas.microsoft.com/office/powerpoint/2010/main" val="230983766"/>
               </p:ext>
             </p:extLst>
           </p:nvPr>
         </p:nvGraphicFramePr>
         <p:xfrm>
           <a:off x="5271337" y="2211394"/>
-          <a:ext cx="431910" cy="296090"/>
+          <a:ext cx="612534" cy="285356"/>
         </p:xfrm>
         <a:graphic>
           <a:graphicData uri="http://schemas.openxmlformats.org/drawingml/2006/table">
@@ -33032,21 +36770,21 @@
                 <a:tableStyleId>{5940675A-B579-460E-94D1-54222C63F5DA}</a:tableStyleId>
               </a:tblPr>
               <a:tblGrid>
-                <a:gridCol w="143970">
+                <a:gridCol w="204178">
                   <a:extLst>
                     <a:ext uri="{9D8B030D-6E8A-4147-A177-3AD203B41FA5}">
                       <a16:colId xmlns:a16="http://schemas.microsoft.com/office/drawing/2014/main" val="2109735214"/>
                     </a:ext>
                   </a:extLst>
                 </a:gridCol>
-                <a:gridCol w="143970">
+                <a:gridCol w="204178">
                   <a:extLst>
                     <a:ext uri="{9D8B030D-6E8A-4147-A177-3AD203B41FA5}">
                       <a16:colId xmlns:a16="http://schemas.microsoft.com/office/drawing/2014/main" val="963963792"/>
                     </a:ext>
                   </a:extLst>
                 </a:gridCol>
-                <a:gridCol w="143970">
+                <a:gridCol w="204178">
                   <a:extLst>
                     <a:ext uri="{9D8B030D-6E8A-4147-A177-3AD203B41FA5}">
                       <a16:colId xmlns:a16="http://schemas.microsoft.com/office/drawing/2014/main" val="3292845390"/>
@@ -33054,7 +36792,7 @@
                   </a:extLst>
                 </a:gridCol>
               </a:tblGrid>
-              <a:tr h="148045">
+              <a:tr h="138374">
                 <a:tc>
                   <a:txBody>
                     <a:bodyPr/>
@@ -33109,7 +36847,7 @@
                   </a:ext>
                 </a:extLst>
               </a:tr>
-              <a:tr h="148045">
+              <a:tr h="138374">
                 <a:tc>
                   <a:txBody>
                     <a:bodyPr/>
@@ -33183,14 +36921,14 @@
           <p:nvPr>
             <p:extLst>
               <p:ext uri="{D42A27DB-BD31-4B8C-83A1-F6EECF244321}">
-                <p14:modId xmlns:p14="http://schemas.microsoft.com/office/powerpoint/2010/main" val="3108702389"/>
+                <p14:modId xmlns:p14="http://schemas.microsoft.com/office/powerpoint/2010/main" val="2492988814"/>
               </p:ext>
             </p:extLst>
           </p:nvPr>
         </p:nvGraphicFramePr>
         <p:xfrm>
           <a:off x="5186236" y="2129589"/>
-          <a:ext cx="431910" cy="296090"/>
+          <a:ext cx="612534" cy="285356"/>
         </p:xfrm>
         <a:graphic>
           <a:graphicData uri="http://schemas.openxmlformats.org/drawingml/2006/table">
@@ -33199,21 +36937,21 @@
                 <a:tableStyleId>{5940675A-B579-460E-94D1-54222C63F5DA}</a:tableStyleId>
               </a:tblPr>
               <a:tblGrid>
-                <a:gridCol w="143970">
+                <a:gridCol w="204178">
                   <a:extLst>
                     <a:ext uri="{9D8B030D-6E8A-4147-A177-3AD203B41FA5}">
                       <a16:colId xmlns:a16="http://schemas.microsoft.com/office/drawing/2014/main" val="2109735214"/>
                     </a:ext>
                   </a:extLst>
                 </a:gridCol>
-                <a:gridCol w="143970">
+                <a:gridCol w="204178">
                   <a:extLst>
                     <a:ext uri="{9D8B030D-6E8A-4147-A177-3AD203B41FA5}">
                       <a16:colId xmlns:a16="http://schemas.microsoft.com/office/drawing/2014/main" val="963963792"/>
                     </a:ext>
                   </a:extLst>
                 </a:gridCol>
-                <a:gridCol w="143970">
+                <a:gridCol w="204178">
                   <a:extLst>
                     <a:ext uri="{9D8B030D-6E8A-4147-A177-3AD203B41FA5}">
                       <a16:colId xmlns:a16="http://schemas.microsoft.com/office/drawing/2014/main" val="3292845390"/>
@@ -33221,7 +36959,7 @@
                   </a:extLst>
                 </a:gridCol>
               </a:tblGrid>
-              <a:tr h="148045">
+              <a:tr h="138374">
                 <a:tc>
                   <a:txBody>
                     <a:bodyPr/>
@@ -33276,7 +37014,7 @@
                   </a:ext>
                 </a:extLst>
               </a:tr>
-              <a:tr h="148045">
+              <a:tr h="138374">
                 <a:tc>
                   <a:txBody>
                     <a:bodyPr/>
@@ -33350,14 +37088,14 @@
           <p:nvPr>
             <p:extLst>
               <p:ext uri="{D42A27DB-BD31-4B8C-83A1-F6EECF244321}">
-                <p14:modId xmlns:p14="http://schemas.microsoft.com/office/powerpoint/2010/main" val="4132754239"/>
+                <p14:modId xmlns:p14="http://schemas.microsoft.com/office/powerpoint/2010/main" val="1079296825"/>
               </p:ext>
             </p:extLst>
           </p:nvPr>
         </p:nvGraphicFramePr>
         <p:xfrm>
           <a:off x="5122022" y="2060539"/>
-          <a:ext cx="431910" cy="296090"/>
+          <a:ext cx="612534" cy="285356"/>
         </p:xfrm>
         <a:graphic>
           <a:graphicData uri="http://schemas.openxmlformats.org/drawingml/2006/table">
@@ -33366,21 +37104,21 @@
                 <a:tableStyleId>{5940675A-B579-460E-94D1-54222C63F5DA}</a:tableStyleId>
               </a:tblPr>
               <a:tblGrid>
-                <a:gridCol w="143970">
+                <a:gridCol w="204178">
                   <a:extLst>
                     <a:ext uri="{9D8B030D-6E8A-4147-A177-3AD203B41FA5}">
                       <a16:colId xmlns:a16="http://schemas.microsoft.com/office/drawing/2014/main" val="2109735214"/>
                     </a:ext>
                   </a:extLst>
                 </a:gridCol>
-                <a:gridCol w="143970">
+                <a:gridCol w="204178">
                   <a:extLst>
                     <a:ext uri="{9D8B030D-6E8A-4147-A177-3AD203B41FA5}">
                       <a16:colId xmlns:a16="http://schemas.microsoft.com/office/drawing/2014/main" val="963963792"/>
                     </a:ext>
                   </a:extLst>
                 </a:gridCol>
-                <a:gridCol w="143970">
+                <a:gridCol w="204178">
                   <a:extLst>
                     <a:ext uri="{9D8B030D-6E8A-4147-A177-3AD203B41FA5}">
                       <a16:colId xmlns:a16="http://schemas.microsoft.com/office/drawing/2014/main" val="3292845390"/>
@@ -33388,7 +37126,7 @@
                   </a:extLst>
                 </a:gridCol>
               </a:tblGrid>
-              <a:tr h="148045">
+              <a:tr h="138374">
                 <a:tc>
                   <a:txBody>
                     <a:bodyPr/>
@@ -33443,7 +37181,7 @@
                   </a:ext>
                 </a:extLst>
               </a:tr>
-              <a:tr h="148045">
+              <a:tr h="138374">
                 <a:tc>
                   <a:txBody>
                     <a:bodyPr/>
@@ -33517,14 +37255,14 @@
           <p:nvPr>
             <p:extLst>
               <p:ext uri="{D42A27DB-BD31-4B8C-83A1-F6EECF244321}">
-                <p14:modId xmlns:p14="http://schemas.microsoft.com/office/powerpoint/2010/main" val="3242175947"/>
+                <p14:modId xmlns:p14="http://schemas.microsoft.com/office/powerpoint/2010/main" val="4079293294"/>
               </p:ext>
             </p:extLst>
           </p:nvPr>
         </p:nvGraphicFramePr>
         <p:xfrm>
           <a:off x="5040750" y="1983067"/>
-          <a:ext cx="431910" cy="296090"/>
+          <a:ext cx="612534" cy="285356"/>
         </p:xfrm>
         <a:graphic>
           <a:graphicData uri="http://schemas.openxmlformats.org/drawingml/2006/table">
@@ -33533,21 +37271,21 @@
                 <a:tableStyleId>{5940675A-B579-460E-94D1-54222C63F5DA}</a:tableStyleId>
               </a:tblPr>
               <a:tblGrid>
-                <a:gridCol w="143970">
+                <a:gridCol w="204178">
                   <a:extLst>
                     <a:ext uri="{9D8B030D-6E8A-4147-A177-3AD203B41FA5}">
                       <a16:colId xmlns:a16="http://schemas.microsoft.com/office/drawing/2014/main" val="2109735214"/>
                     </a:ext>
                   </a:extLst>
                 </a:gridCol>
-                <a:gridCol w="143970">
+                <a:gridCol w="204178">
                   <a:extLst>
                     <a:ext uri="{9D8B030D-6E8A-4147-A177-3AD203B41FA5}">
                       <a16:colId xmlns:a16="http://schemas.microsoft.com/office/drawing/2014/main" val="963963792"/>
                     </a:ext>
                   </a:extLst>
                 </a:gridCol>
-                <a:gridCol w="143970">
+                <a:gridCol w="204178">
                   <a:extLst>
                     <a:ext uri="{9D8B030D-6E8A-4147-A177-3AD203B41FA5}">
                       <a16:colId xmlns:a16="http://schemas.microsoft.com/office/drawing/2014/main" val="3292845390"/>
@@ -33555,7 +37293,7 @@
                   </a:extLst>
                 </a:gridCol>
               </a:tblGrid>
-              <a:tr h="148045">
+              <a:tr h="138374">
                 <a:tc>
                   <a:txBody>
                     <a:bodyPr/>
@@ -33610,7 +37348,7 @@
                   </a:ext>
                 </a:extLst>
               </a:tr>
-              <a:tr h="148045">
+              <a:tr h="138374">
                 <a:tc>
                   <a:txBody>
                     <a:bodyPr/>
@@ -33684,14 +37422,14 @@
           <p:nvPr>
             <p:extLst>
               <p:ext uri="{D42A27DB-BD31-4B8C-83A1-F6EECF244321}">
-                <p14:modId xmlns:p14="http://schemas.microsoft.com/office/powerpoint/2010/main" val="448086960"/>
+                <p14:modId xmlns:p14="http://schemas.microsoft.com/office/powerpoint/2010/main" val="2479359116"/>
               </p:ext>
             </p:extLst>
           </p:nvPr>
         </p:nvGraphicFramePr>
         <p:xfrm>
           <a:off x="4974110" y="1912494"/>
-          <a:ext cx="431910" cy="296090"/>
+          <a:ext cx="612534" cy="285356"/>
         </p:xfrm>
         <a:graphic>
           <a:graphicData uri="http://schemas.openxmlformats.org/drawingml/2006/table">
@@ -33700,21 +37438,21 @@
                 <a:tableStyleId>{5940675A-B579-460E-94D1-54222C63F5DA}</a:tableStyleId>
               </a:tblPr>
               <a:tblGrid>
-                <a:gridCol w="143970">
+                <a:gridCol w="204178">
                   <a:extLst>
                     <a:ext uri="{9D8B030D-6E8A-4147-A177-3AD203B41FA5}">
                       <a16:colId xmlns:a16="http://schemas.microsoft.com/office/drawing/2014/main" val="2109735214"/>
                     </a:ext>
                   </a:extLst>
                 </a:gridCol>
-                <a:gridCol w="143970">
+                <a:gridCol w="204178">
                   <a:extLst>
                     <a:ext uri="{9D8B030D-6E8A-4147-A177-3AD203B41FA5}">
                       <a16:colId xmlns:a16="http://schemas.microsoft.com/office/drawing/2014/main" val="963963792"/>
                     </a:ext>
                   </a:extLst>
                 </a:gridCol>
-                <a:gridCol w="143970">
+                <a:gridCol w="204178">
                   <a:extLst>
                     <a:ext uri="{9D8B030D-6E8A-4147-A177-3AD203B41FA5}">
                       <a16:colId xmlns:a16="http://schemas.microsoft.com/office/drawing/2014/main" val="3292845390"/>
@@ -33722,7 +37460,7 @@
                   </a:extLst>
                 </a:gridCol>
               </a:tblGrid>
-              <a:tr h="148045">
+              <a:tr h="138374">
                 <a:tc>
                   <a:txBody>
                     <a:bodyPr/>
@@ -33777,7 +37515,7 @@
                   </a:ext>
                 </a:extLst>
               </a:tr>
-              <a:tr h="148045">
+              <a:tr h="138374">
                 <a:tc>
                   <a:txBody>
                     <a:bodyPr/>
@@ -34096,7 +37834,7 @@
         </p:nvCxnSpPr>
         <p:spPr>
           <a:xfrm flipH="1">
-            <a:off x="3005297" y="1598943"/>
+            <a:off x="2818980" y="1594015"/>
             <a:ext cx="8172" cy="425053"/>
           </a:xfrm>
           <a:prstGeom prst="straightConnector1">
@@ -34136,7 +37874,7 @@
         </p:nvSpPr>
         <p:spPr>
           <a:xfrm>
-            <a:off x="2671027" y="1645875"/>
+            <a:off x="2484710" y="1640947"/>
             <a:ext cx="554237" cy="307777"/>
           </a:xfrm>
           <a:prstGeom prst="rect">
@@ -34178,7 +37916,7 @@
         </p:nvCxnSpPr>
         <p:spPr>
           <a:xfrm>
-            <a:off x="3096030" y="1470829"/>
+            <a:off x="2909713" y="1465901"/>
             <a:ext cx="530500" cy="0"/>
           </a:xfrm>
           <a:prstGeom prst="straightConnector1">
@@ -34220,7 +37958,7 @@
         </p:nvCxnSpPr>
         <p:spPr>
           <a:xfrm>
-            <a:off x="3617591" y="1556775"/>
+            <a:off x="3431274" y="1551847"/>
             <a:ext cx="182426" cy="151281"/>
           </a:xfrm>
           <a:prstGeom prst="straightConnector1">
@@ -34260,7 +37998,7 @@
         </p:nvSpPr>
         <p:spPr>
           <a:xfrm>
-            <a:off x="3665367" y="1443436"/>
+            <a:off x="3479050" y="1438508"/>
             <a:ext cx="627144" cy="307777"/>
           </a:xfrm>
           <a:prstGeom prst="rect">
@@ -34300,7 +38038,7 @@
         </p:nvSpPr>
         <p:spPr>
           <a:xfrm>
-            <a:off x="3150489" y="1306075"/>
+            <a:off x="2964172" y="1301147"/>
             <a:ext cx="613934" cy="307777"/>
           </a:xfrm>
           <a:prstGeom prst="rect">
@@ -34337,13 +38075,14 @@
           </p:cNvPr>
           <p:cNvCxnSpPr>
             <a:cxnSpLocks/>
+            <a:endCxn id="43" idx="3"/>
           </p:cNvCxnSpPr>
           <p:nvPr/>
         </p:nvCxnSpPr>
         <p:spPr>
           <a:xfrm>
             <a:off x="4873973" y="820934"/>
-            <a:ext cx="0" cy="324447"/>
+            <a:ext cx="1062654" cy="570432"/>
           </a:xfrm>
           <a:prstGeom prst="straightConnector1">
             <a:avLst/>
@@ -34382,8 +38121,8 @@
         </p:nvSpPr>
         <p:spPr>
           <a:xfrm>
-            <a:off x="4559092" y="812863"/>
-            <a:ext cx="627144" cy="307777"/>
+            <a:off x="4559091" y="812864"/>
+            <a:ext cx="889415" cy="307777"/>
           </a:xfrm>
           <a:prstGeom prst="rect">
             <a:avLst/>
@@ -34419,13 +38158,14 @@
           </p:cNvPr>
           <p:cNvCxnSpPr>
             <a:cxnSpLocks/>
+            <a:endCxn id="43" idx="3"/>
           </p:cNvCxnSpPr>
           <p:nvPr/>
         </p:nvCxnSpPr>
         <p:spPr>
           <a:xfrm>
             <a:off x="4960187" y="746597"/>
-            <a:ext cx="459062" cy="0"/>
+            <a:ext cx="976440" cy="644769"/>
           </a:xfrm>
           <a:prstGeom prst="straightConnector1">
             <a:avLst/>
@@ -34461,13 +38201,14 @@
           </p:cNvPr>
           <p:cNvCxnSpPr>
             <a:cxnSpLocks/>
+            <a:endCxn id="43" idx="3"/>
           </p:cNvCxnSpPr>
           <p:nvPr/>
         </p:nvCxnSpPr>
         <p:spPr>
           <a:xfrm>
             <a:off x="5452215" y="837205"/>
-            <a:ext cx="417777" cy="452940"/>
+            <a:ext cx="484412" cy="554161"/>
           </a:xfrm>
           <a:prstGeom prst="straightConnector1">
             <a:avLst/>
@@ -34506,8 +38247,8 @@
         </p:nvSpPr>
         <p:spPr>
           <a:xfrm>
-            <a:off x="5585448" y="832202"/>
-            <a:ext cx="627144" cy="307777"/>
+            <a:off x="5585447" y="832203"/>
+            <a:ext cx="889415" cy="307777"/>
           </a:xfrm>
           <a:prstGeom prst="rect">
             <a:avLst/>
@@ -44759,7 +48500,7 @@
                     <a:bodyPr/>
                     <a:lstStyle/>
                     <a:p>
-                      <a:endParaRPr lang="en-US" sz="700"/>
+                      <a:endParaRPr lang="en-US" sz="700" dirty="0"/>
                     </a:p>
                   </a:txBody>
                   <a:tcPr marL="34485" marR="34485" marT="17242" marB="17242">
@@ -44997,7 +48738,7 @@
                     <a:bodyPr/>
                     <a:lstStyle/>
                     <a:p>
-                      <a:endParaRPr lang="en-US" sz="700"/>
+                      <a:endParaRPr lang="en-US" sz="700" dirty="0"/>
                     </a:p>
                   </a:txBody>
                   <a:tcPr marL="34485" marR="34485" marT="17242" marB="17242">
@@ -45534,7 +49275,7 @@
         </p:nvSpPr>
         <p:spPr>
           <a:xfrm rot="16200000">
-            <a:off x="8268358" y="5136659"/>
+            <a:off x="10287461" y="5136659"/>
             <a:ext cx="3073349" cy="369332"/>
           </a:xfrm>
           <a:prstGeom prst="rect">
@@ -46662,6 +50403,1421 @@
           </a:p>
         </p:txBody>
       </p:sp>
+      <p:sp>
+        <p:nvSpPr>
+          <p:cNvPr id="16" name="TextBox 15">
+            <a:extLst>
+              <a:ext uri="{FF2B5EF4-FFF2-40B4-BE49-F238E27FC236}">
+                <a16:creationId xmlns:a16="http://schemas.microsoft.com/office/drawing/2014/main" id="{15A615A6-C7CA-41AF-BD6F-760B145F33E5}"/>
+              </a:ext>
+            </a:extLst>
+          </p:cNvPr>
+          <p:cNvSpPr txBox="1"/>
+          <p:nvPr/>
+        </p:nvSpPr>
+        <p:spPr>
+          <a:xfrm>
+            <a:off x="4114837" y="1502447"/>
+            <a:ext cx="656285" cy="584775"/>
+          </a:xfrm>
+          <a:prstGeom prst="rect">
+            <a:avLst/>
+          </a:prstGeom>
+          <a:noFill/>
+        </p:spPr>
+        <p:txBody>
+          <a:bodyPr wrap="square" rtlCol="0">
+            <a:spAutoFit/>
+          </a:bodyPr>
+          <a:lstStyle/>
+          <a:p>
+            <a:r>
+              <a:rPr lang="en-US" sz="3200" dirty="0"/>
+              <a:t>+b</a:t>
+            </a:r>
+          </a:p>
+        </p:txBody>
+      </p:sp>
+      <p:graphicFrame>
+        <p:nvGraphicFramePr>
+          <p:cNvPr id="19" name="Table 102">
+            <a:extLst>
+              <a:ext uri="{FF2B5EF4-FFF2-40B4-BE49-F238E27FC236}">
+                <a16:creationId xmlns:a16="http://schemas.microsoft.com/office/drawing/2014/main" id="{06CDE17D-4A47-4379-9743-1CE78A97969A}"/>
+              </a:ext>
+            </a:extLst>
+          </p:cNvPr>
+          <p:cNvGraphicFramePr>
+            <a:graphicFrameLocks noGrp="1"/>
+          </p:cNvGraphicFramePr>
+          <p:nvPr>
+            <p:extLst>
+              <p:ext uri="{D42A27DB-BD31-4B8C-83A1-F6EECF244321}">
+                <p14:modId xmlns:p14="http://schemas.microsoft.com/office/powerpoint/2010/main" val="1325680314"/>
+              </p:ext>
+            </p:extLst>
+          </p:nvPr>
+        </p:nvGraphicFramePr>
+        <p:xfrm>
+          <a:off x="9901261" y="4573246"/>
+          <a:ext cx="1047578" cy="1867032"/>
+        </p:xfrm>
+        <a:graphic>
+          <a:graphicData uri="http://schemas.openxmlformats.org/drawingml/2006/table">
+            <a:tbl>
+              <a:tblPr firstRow="1" bandRow="1">
+                <a:tableStyleId>{5940675A-B579-460E-94D1-54222C63F5DA}</a:tableStyleId>
+              </a:tblPr>
+              <a:tblGrid>
+                <a:gridCol w="149654">
+                  <a:extLst>
+                    <a:ext uri="{9D8B030D-6E8A-4147-A177-3AD203B41FA5}">
+                      <a16:colId xmlns:a16="http://schemas.microsoft.com/office/drawing/2014/main" val="2049834058"/>
+                    </a:ext>
+                  </a:extLst>
+                </a:gridCol>
+                <a:gridCol w="149654">
+                  <a:extLst>
+                    <a:ext uri="{9D8B030D-6E8A-4147-A177-3AD203B41FA5}">
+                      <a16:colId xmlns:a16="http://schemas.microsoft.com/office/drawing/2014/main" val="2832492242"/>
+                    </a:ext>
+                  </a:extLst>
+                </a:gridCol>
+                <a:gridCol w="149654">
+                  <a:extLst>
+                    <a:ext uri="{9D8B030D-6E8A-4147-A177-3AD203B41FA5}">
+                      <a16:colId xmlns:a16="http://schemas.microsoft.com/office/drawing/2014/main" val="1734008995"/>
+                    </a:ext>
+                  </a:extLst>
+                </a:gridCol>
+                <a:gridCol w="149654">
+                  <a:extLst>
+                    <a:ext uri="{9D8B030D-6E8A-4147-A177-3AD203B41FA5}">
+                      <a16:colId xmlns:a16="http://schemas.microsoft.com/office/drawing/2014/main" val="55366628"/>
+                    </a:ext>
+                  </a:extLst>
+                </a:gridCol>
+                <a:gridCol w="149654">
+                  <a:extLst>
+                    <a:ext uri="{9D8B030D-6E8A-4147-A177-3AD203B41FA5}">
+                      <a16:colId xmlns:a16="http://schemas.microsoft.com/office/drawing/2014/main" val="3520864711"/>
+                    </a:ext>
+                  </a:extLst>
+                </a:gridCol>
+                <a:gridCol w="149654">
+                  <a:extLst>
+                    <a:ext uri="{9D8B030D-6E8A-4147-A177-3AD203B41FA5}">
+                      <a16:colId xmlns:a16="http://schemas.microsoft.com/office/drawing/2014/main" val="802301427"/>
+                    </a:ext>
+                  </a:extLst>
+                </a:gridCol>
+                <a:gridCol w="149654">
+                  <a:extLst>
+                    <a:ext uri="{9D8B030D-6E8A-4147-A177-3AD203B41FA5}">
+                      <a16:colId xmlns:a16="http://schemas.microsoft.com/office/drawing/2014/main" val="3286765593"/>
+                    </a:ext>
+                  </a:extLst>
+                </a:gridCol>
+              </a:tblGrid>
+              <a:tr h="155586">
+                <a:tc>
+                  <a:txBody>
+                    <a:bodyPr/>
+                    <a:lstStyle/>
+                    <a:p>
+                      <a:endParaRPr lang="en-US" sz="700" dirty="0"/>
+                    </a:p>
+                  </a:txBody>
+                  <a:tcPr marL="34485" marR="34485" marT="17242" marB="17242">
+                    <a:solidFill>
+                      <a:schemeClr val="bg1"/>
+                    </a:solidFill>
+                  </a:tcPr>
+                </a:tc>
+                <a:tc>
+                  <a:txBody>
+                    <a:bodyPr/>
+                    <a:lstStyle/>
+                    <a:p>
+                      <a:endParaRPr lang="en-US" sz="700" dirty="0"/>
+                    </a:p>
+                  </a:txBody>
+                  <a:tcPr marL="34485" marR="34485" marT="17242" marB="17242">
+                    <a:solidFill>
+                      <a:schemeClr val="bg1"/>
+                    </a:solidFill>
+                  </a:tcPr>
+                </a:tc>
+                <a:tc>
+                  <a:txBody>
+                    <a:bodyPr/>
+                    <a:lstStyle/>
+                    <a:p>
+                      <a:endParaRPr lang="en-US" sz="700" dirty="0"/>
+                    </a:p>
+                  </a:txBody>
+                  <a:tcPr marL="34485" marR="34485" marT="17242" marB="17242">
+                    <a:solidFill>
+                      <a:schemeClr val="bg1"/>
+                    </a:solidFill>
+                  </a:tcPr>
+                </a:tc>
+                <a:tc>
+                  <a:txBody>
+                    <a:bodyPr/>
+                    <a:lstStyle/>
+                    <a:p>
+                      <a:endParaRPr lang="en-US" sz="700" dirty="0"/>
+                    </a:p>
+                  </a:txBody>
+                  <a:tcPr marL="34485" marR="34485" marT="17242" marB="17242">
+                    <a:solidFill>
+                      <a:schemeClr val="bg1"/>
+                    </a:solidFill>
+                  </a:tcPr>
+                </a:tc>
+                <a:tc>
+                  <a:txBody>
+                    <a:bodyPr/>
+                    <a:lstStyle/>
+                    <a:p>
+                      <a:endParaRPr lang="en-US" sz="700"/>
+                    </a:p>
+                  </a:txBody>
+                  <a:tcPr marL="34485" marR="34485" marT="17242" marB="17242">
+                    <a:solidFill>
+                      <a:schemeClr val="bg1"/>
+                    </a:solidFill>
+                  </a:tcPr>
+                </a:tc>
+                <a:tc>
+                  <a:txBody>
+                    <a:bodyPr/>
+                    <a:lstStyle/>
+                    <a:p>
+                      <a:endParaRPr lang="en-US" sz="700"/>
+                    </a:p>
+                  </a:txBody>
+                  <a:tcPr marL="34485" marR="34485" marT="17242" marB="17242">
+                    <a:solidFill>
+                      <a:schemeClr val="bg1"/>
+                    </a:solidFill>
+                  </a:tcPr>
+                </a:tc>
+                <a:tc>
+                  <a:txBody>
+                    <a:bodyPr/>
+                    <a:lstStyle/>
+                    <a:p>
+                      <a:endParaRPr lang="en-US" sz="700"/>
+                    </a:p>
+                  </a:txBody>
+                  <a:tcPr marL="34485" marR="34485" marT="17242" marB="17242">
+                    <a:solidFill>
+                      <a:schemeClr val="bg1"/>
+                    </a:solidFill>
+                  </a:tcPr>
+                </a:tc>
+                <a:extLst>
+                  <a:ext uri="{0D108BD9-81ED-4DB2-BD59-A6C34878D82A}">
+                    <a16:rowId xmlns:a16="http://schemas.microsoft.com/office/drawing/2014/main" val="3216914447"/>
+                  </a:ext>
+                </a:extLst>
+              </a:tr>
+              <a:tr h="155586">
+                <a:tc>
+                  <a:txBody>
+                    <a:bodyPr/>
+                    <a:lstStyle/>
+                    <a:p>
+                      <a:endParaRPr lang="en-US" sz="700" dirty="0"/>
+                    </a:p>
+                  </a:txBody>
+                  <a:tcPr marL="34485" marR="34485" marT="17242" marB="17242">
+                    <a:solidFill>
+                      <a:schemeClr val="bg1"/>
+                    </a:solidFill>
+                  </a:tcPr>
+                </a:tc>
+                <a:tc>
+                  <a:txBody>
+                    <a:bodyPr/>
+                    <a:lstStyle/>
+                    <a:p>
+                      <a:endParaRPr lang="en-US" sz="700" dirty="0"/>
+                    </a:p>
+                  </a:txBody>
+                  <a:tcPr marL="34485" marR="34485" marT="17242" marB="17242">
+                    <a:solidFill>
+                      <a:schemeClr val="bg1"/>
+                    </a:solidFill>
+                  </a:tcPr>
+                </a:tc>
+                <a:tc>
+                  <a:txBody>
+                    <a:bodyPr/>
+                    <a:lstStyle/>
+                    <a:p>
+                      <a:endParaRPr lang="en-US" sz="700"/>
+                    </a:p>
+                  </a:txBody>
+                  <a:tcPr marL="34485" marR="34485" marT="17242" marB="17242">
+                    <a:solidFill>
+                      <a:schemeClr val="bg1"/>
+                    </a:solidFill>
+                  </a:tcPr>
+                </a:tc>
+                <a:tc>
+                  <a:txBody>
+                    <a:bodyPr/>
+                    <a:lstStyle/>
+                    <a:p>
+                      <a:endParaRPr lang="en-US" sz="700" dirty="0"/>
+                    </a:p>
+                  </a:txBody>
+                  <a:tcPr marL="34485" marR="34485" marT="17242" marB="17242">
+                    <a:solidFill>
+                      <a:schemeClr val="bg1"/>
+                    </a:solidFill>
+                  </a:tcPr>
+                </a:tc>
+                <a:tc>
+                  <a:txBody>
+                    <a:bodyPr/>
+                    <a:lstStyle/>
+                    <a:p>
+                      <a:endParaRPr lang="en-US" sz="700"/>
+                    </a:p>
+                  </a:txBody>
+                  <a:tcPr marL="34485" marR="34485" marT="17242" marB="17242">
+                    <a:solidFill>
+                      <a:schemeClr val="bg1"/>
+                    </a:solidFill>
+                  </a:tcPr>
+                </a:tc>
+                <a:tc>
+                  <a:txBody>
+                    <a:bodyPr/>
+                    <a:lstStyle/>
+                    <a:p>
+                      <a:endParaRPr lang="en-US" sz="700"/>
+                    </a:p>
+                  </a:txBody>
+                  <a:tcPr marL="34485" marR="34485" marT="17242" marB="17242">
+                    <a:solidFill>
+                      <a:schemeClr val="bg1"/>
+                    </a:solidFill>
+                  </a:tcPr>
+                </a:tc>
+                <a:tc>
+                  <a:txBody>
+                    <a:bodyPr/>
+                    <a:lstStyle/>
+                    <a:p>
+                      <a:endParaRPr lang="en-US" sz="700"/>
+                    </a:p>
+                  </a:txBody>
+                  <a:tcPr marL="34485" marR="34485" marT="17242" marB="17242">
+                    <a:solidFill>
+                      <a:schemeClr val="bg1"/>
+                    </a:solidFill>
+                  </a:tcPr>
+                </a:tc>
+                <a:extLst>
+                  <a:ext uri="{0D108BD9-81ED-4DB2-BD59-A6C34878D82A}">
+                    <a16:rowId xmlns:a16="http://schemas.microsoft.com/office/drawing/2014/main" val="31804705"/>
+                  </a:ext>
+                </a:extLst>
+              </a:tr>
+              <a:tr h="155586">
+                <a:tc>
+                  <a:txBody>
+                    <a:bodyPr/>
+                    <a:lstStyle/>
+                    <a:p>
+                      <a:endParaRPr lang="en-US" sz="700" dirty="0"/>
+                    </a:p>
+                  </a:txBody>
+                  <a:tcPr marL="34485" marR="34485" marT="17242" marB="17242">
+                    <a:solidFill>
+                      <a:schemeClr val="bg1"/>
+                    </a:solidFill>
+                  </a:tcPr>
+                </a:tc>
+                <a:tc>
+                  <a:txBody>
+                    <a:bodyPr/>
+                    <a:lstStyle/>
+                    <a:p>
+                      <a:endParaRPr lang="en-US" sz="700"/>
+                    </a:p>
+                  </a:txBody>
+                  <a:tcPr marL="34485" marR="34485" marT="17242" marB="17242">
+                    <a:solidFill>
+                      <a:schemeClr val="bg1"/>
+                    </a:solidFill>
+                  </a:tcPr>
+                </a:tc>
+                <a:tc>
+                  <a:txBody>
+                    <a:bodyPr/>
+                    <a:lstStyle/>
+                    <a:p>
+                      <a:endParaRPr lang="en-US" sz="700"/>
+                    </a:p>
+                  </a:txBody>
+                  <a:tcPr marL="34485" marR="34485" marT="17242" marB="17242">
+                    <a:solidFill>
+                      <a:schemeClr val="bg1"/>
+                    </a:solidFill>
+                  </a:tcPr>
+                </a:tc>
+                <a:tc>
+                  <a:txBody>
+                    <a:bodyPr/>
+                    <a:lstStyle/>
+                    <a:p>
+                      <a:endParaRPr lang="en-US" sz="700" dirty="0"/>
+                    </a:p>
+                  </a:txBody>
+                  <a:tcPr marL="34485" marR="34485" marT="17242" marB="17242">
+                    <a:solidFill>
+                      <a:schemeClr val="bg1"/>
+                    </a:solidFill>
+                  </a:tcPr>
+                </a:tc>
+                <a:tc>
+                  <a:txBody>
+                    <a:bodyPr/>
+                    <a:lstStyle/>
+                    <a:p>
+                      <a:endParaRPr lang="en-US" sz="700"/>
+                    </a:p>
+                  </a:txBody>
+                  <a:tcPr marL="34485" marR="34485" marT="17242" marB="17242">
+                    <a:solidFill>
+                      <a:schemeClr val="bg1"/>
+                    </a:solidFill>
+                  </a:tcPr>
+                </a:tc>
+                <a:tc>
+                  <a:txBody>
+                    <a:bodyPr/>
+                    <a:lstStyle/>
+                    <a:p>
+                      <a:endParaRPr lang="en-US" sz="700"/>
+                    </a:p>
+                  </a:txBody>
+                  <a:tcPr marL="34485" marR="34485" marT="17242" marB="17242">
+                    <a:solidFill>
+                      <a:schemeClr val="bg1"/>
+                    </a:solidFill>
+                  </a:tcPr>
+                </a:tc>
+                <a:tc>
+                  <a:txBody>
+                    <a:bodyPr/>
+                    <a:lstStyle/>
+                    <a:p>
+                      <a:endParaRPr lang="en-US" sz="700"/>
+                    </a:p>
+                  </a:txBody>
+                  <a:tcPr marL="34485" marR="34485" marT="17242" marB="17242">
+                    <a:solidFill>
+                      <a:schemeClr val="bg1"/>
+                    </a:solidFill>
+                  </a:tcPr>
+                </a:tc>
+                <a:extLst>
+                  <a:ext uri="{0D108BD9-81ED-4DB2-BD59-A6C34878D82A}">
+                    <a16:rowId xmlns:a16="http://schemas.microsoft.com/office/drawing/2014/main" val="3443647678"/>
+                  </a:ext>
+                </a:extLst>
+              </a:tr>
+              <a:tr h="155586">
+                <a:tc>
+                  <a:txBody>
+                    <a:bodyPr/>
+                    <a:lstStyle/>
+                    <a:p>
+                      <a:endParaRPr lang="en-US" sz="700" dirty="0"/>
+                    </a:p>
+                  </a:txBody>
+                  <a:tcPr marL="34485" marR="34485" marT="17242" marB="17242">
+                    <a:solidFill>
+                      <a:schemeClr val="bg1"/>
+                    </a:solidFill>
+                  </a:tcPr>
+                </a:tc>
+                <a:tc>
+                  <a:txBody>
+                    <a:bodyPr/>
+                    <a:lstStyle/>
+                    <a:p>
+                      <a:endParaRPr lang="en-US" sz="700"/>
+                    </a:p>
+                  </a:txBody>
+                  <a:tcPr marL="34485" marR="34485" marT="17242" marB="17242">
+                    <a:solidFill>
+                      <a:schemeClr val="bg1"/>
+                    </a:solidFill>
+                  </a:tcPr>
+                </a:tc>
+                <a:tc>
+                  <a:txBody>
+                    <a:bodyPr/>
+                    <a:lstStyle/>
+                    <a:p>
+                      <a:endParaRPr lang="en-US" sz="700"/>
+                    </a:p>
+                  </a:txBody>
+                  <a:tcPr marL="34485" marR="34485" marT="17242" marB="17242">
+                    <a:solidFill>
+                      <a:schemeClr val="bg1"/>
+                    </a:solidFill>
+                  </a:tcPr>
+                </a:tc>
+                <a:tc>
+                  <a:txBody>
+                    <a:bodyPr/>
+                    <a:lstStyle/>
+                    <a:p>
+                      <a:endParaRPr lang="en-US" sz="700" dirty="0"/>
+                    </a:p>
+                  </a:txBody>
+                  <a:tcPr marL="34485" marR="34485" marT="17242" marB="17242">
+                    <a:solidFill>
+                      <a:schemeClr val="bg1"/>
+                    </a:solidFill>
+                  </a:tcPr>
+                </a:tc>
+                <a:tc>
+                  <a:txBody>
+                    <a:bodyPr/>
+                    <a:lstStyle/>
+                    <a:p>
+                      <a:endParaRPr lang="en-US" sz="700" dirty="0"/>
+                    </a:p>
+                  </a:txBody>
+                  <a:tcPr marL="34485" marR="34485" marT="17242" marB="17242">
+                    <a:solidFill>
+                      <a:schemeClr val="bg1"/>
+                    </a:solidFill>
+                  </a:tcPr>
+                </a:tc>
+                <a:tc>
+                  <a:txBody>
+                    <a:bodyPr/>
+                    <a:lstStyle/>
+                    <a:p>
+                      <a:endParaRPr lang="en-US" sz="700" dirty="0"/>
+                    </a:p>
+                  </a:txBody>
+                  <a:tcPr marL="34485" marR="34485" marT="17242" marB="17242">
+                    <a:solidFill>
+                      <a:schemeClr val="bg1"/>
+                    </a:solidFill>
+                  </a:tcPr>
+                </a:tc>
+                <a:tc>
+                  <a:txBody>
+                    <a:bodyPr/>
+                    <a:lstStyle/>
+                    <a:p>
+                      <a:endParaRPr lang="en-US" sz="700" dirty="0"/>
+                    </a:p>
+                  </a:txBody>
+                  <a:tcPr marL="34485" marR="34485" marT="17242" marB="17242">
+                    <a:solidFill>
+                      <a:schemeClr val="bg1"/>
+                    </a:solidFill>
+                  </a:tcPr>
+                </a:tc>
+                <a:extLst>
+                  <a:ext uri="{0D108BD9-81ED-4DB2-BD59-A6C34878D82A}">
+                    <a16:rowId xmlns:a16="http://schemas.microsoft.com/office/drawing/2014/main" val="2563981451"/>
+                  </a:ext>
+                </a:extLst>
+              </a:tr>
+              <a:tr h="155586">
+                <a:tc>
+                  <a:txBody>
+                    <a:bodyPr/>
+                    <a:lstStyle/>
+                    <a:p>
+                      <a:endParaRPr lang="en-US" sz="700" dirty="0"/>
+                    </a:p>
+                  </a:txBody>
+                  <a:tcPr marL="34485" marR="34485" marT="17242" marB="17242">
+                    <a:solidFill>
+                      <a:schemeClr val="bg1"/>
+                    </a:solidFill>
+                  </a:tcPr>
+                </a:tc>
+                <a:tc>
+                  <a:txBody>
+                    <a:bodyPr/>
+                    <a:lstStyle/>
+                    <a:p>
+                      <a:endParaRPr lang="en-US" sz="700" dirty="0"/>
+                    </a:p>
+                  </a:txBody>
+                  <a:tcPr marL="34485" marR="34485" marT="17242" marB="17242">
+                    <a:solidFill>
+                      <a:schemeClr val="bg1"/>
+                    </a:solidFill>
+                  </a:tcPr>
+                </a:tc>
+                <a:tc>
+                  <a:txBody>
+                    <a:bodyPr/>
+                    <a:lstStyle/>
+                    <a:p>
+                      <a:endParaRPr lang="en-US" sz="700" dirty="0"/>
+                    </a:p>
+                  </a:txBody>
+                  <a:tcPr marL="34485" marR="34485" marT="17242" marB="17242">
+                    <a:solidFill>
+                      <a:schemeClr val="bg1"/>
+                    </a:solidFill>
+                  </a:tcPr>
+                </a:tc>
+                <a:tc>
+                  <a:txBody>
+                    <a:bodyPr/>
+                    <a:lstStyle/>
+                    <a:p>
+                      <a:endParaRPr lang="en-US" sz="700" dirty="0"/>
+                    </a:p>
+                  </a:txBody>
+                  <a:tcPr marL="34485" marR="34485" marT="17242" marB="17242">
+                    <a:solidFill>
+                      <a:schemeClr val="bg1"/>
+                    </a:solidFill>
+                  </a:tcPr>
+                </a:tc>
+                <a:tc>
+                  <a:txBody>
+                    <a:bodyPr/>
+                    <a:lstStyle/>
+                    <a:p>
+                      <a:endParaRPr lang="en-US" sz="700"/>
+                    </a:p>
+                  </a:txBody>
+                  <a:tcPr marL="34485" marR="34485" marT="17242" marB="17242">
+                    <a:solidFill>
+                      <a:schemeClr val="bg1"/>
+                    </a:solidFill>
+                  </a:tcPr>
+                </a:tc>
+                <a:tc>
+                  <a:txBody>
+                    <a:bodyPr/>
+                    <a:lstStyle/>
+                    <a:p>
+                      <a:endParaRPr lang="en-US" sz="700"/>
+                    </a:p>
+                  </a:txBody>
+                  <a:tcPr marL="34485" marR="34485" marT="17242" marB="17242">
+                    <a:solidFill>
+                      <a:schemeClr val="bg1"/>
+                    </a:solidFill>
+                  </a:tcPr>
+                </a:tc>
+                <a:tc>
+                  <a:txBody>
+                    <a:bodyPr/>
+                    <a:lstStyle/>
+                    <a:p>
+                      <a:endParaRPr lang="en-US" sz="700"/>
+                    </a:p>
+                  </a:txBody>
+                  <a:tcPr marL="34485" marR="34485" marT="17242" marB="17242">
+                    <a:solidFill>
+                      <a:schemeClr val="bg1"/>
+                    </a:solidFill>
+                  </a:tcPr>
+                </a:tc>
+                <a:extLst>
+                  <a:ext uri="{0D108BD9-81ED-4DB2-BD59-A6C34878D82A}">
+                    <a16:rowId xmlns:a16="http://schemas.microsoft.com/office/drawing/2014/main" val="4059000769"/>
+                  </a:ext>
+                </a:extLst>
+              </a:tr>
+              <a:tr h="155586">
+                <a:tc>
+                  <a:txBody>
+                    <a:bodyPr/>
+                    <a:lstStyle/>
+                    <a:p>
+                      <a:endParaRPr lang="en-US" sz="700" dirty="0"/>
+                    </a:p>
+                  </a:txBody>
+                  <a:tcPr marL="34485" marR="34485" marT="17242" marB="17242">
+                    <a:solidFill>
+                      <a:schemeClr val="bg1"/>
+                    </a:solidFill>
+                  </a:tcPr>
+                </a:tc>
+                <a:tc>
+                  <a:txBody>
+                    <a:bodyPr/>
+                    <a:lstStyle/>
+                    <a:p>
+                      <a:endParaRPr lang="en-US" sz="700" dirty="0"/>
+                    </a:p>
+                  </a:txBody>
+                  <a:tcPr marL="34485" marR="34485" marT="17242" marB="17242">
+                    <a:solidFill>
+                      <a:schemeClr val="bg1"/>
+                    </a:solidFill>
+                  </a:tcPr>
+                </a:tc>
+                <a:tc>
+                  <a:txBody>
+                    <a:bodyPr/>
+                    <a:lstStyle/>
+                    <a:p>
+                      <a:endParaRPr lang="en-US" sz="700"/>
+                    </a:p>
+                  </a:txBody>
+                  <a:tcPr marL="34485" marR="34485" marT="17242" marB="17242">
+                    <a:solidFill>
+                      <a:schemeClr val="bg1"/>
+                    </a:solidFill>
+                  </a:tcPr>
+                </a:tc>
+                <a:tc>
+                  <a:txBody>
+                    <a:bodyPr/>
+                    <a:lstStyle/>
+                    <a:p>
+                      <a:endParaRPr lang="en-US" sz="700" dirty="0"/>
+                    </a:p>
+                  </a:txBody>
+                  <a:tcPr marL="34485" marR="34485" marT="17242" marB="17242">
+                    <a:solidFill>
+                      <a:schemeClr val="bg1"/>
+                    </a:solidFill>
+                  </a:tcPr>
+                </a:tc>
+                <a:tc>
+                  <a:txBody>
+                    <a:bodyPr/>
+                    <a:lstStyle/>
+                    <a:p>
+                      <a:endParaRPr lang="en-US" sz="700"/>
+                    </a:p>
+                  </a:txBody>
+                  <a:tcPr marL="34485" marR="34485" marT="17242" marB="17242">
+                    <a:solidFill>
+                      <a:schemeClr val="bg1"/>
+                    </a:solidFill>
+                  </a:tcPr>
+                </a:tc>
+                <a:tc>
+                  <a:txBody>
+                    <a:bodyPr/>
+                    <a:lstStyle/>
+                    <a:p>
+                      <a:endParaRPr lang="en-US" sz="700"/>
+                    </a:p>
+                  </a:txBody>
+                  <a:tcPr marL="34485" marR="34485" marT="17242" marB="17242">
+                    <a:solidFill>
+                      <a:schemeClr val="bg1"/>
+                    </a:solidFill>
+                  </a:tcPr>
+                </a:tc>
+                <a:tc>
+                  <a:txBody>
+                    <a:bodyPr/>
+                    <a:lstStyle/>
+                    <a:p>
+                      <a:endParaRPr lang="en-US" sz="700" dirty="0"/>
+                    </a:p>
+                  </a:txBody>
+                  <a:tcPr marL="34485" marR="34485" marT="17242" marB="17242">
+                    <a:solidFill>
+                      <a:schemeClr val="bg1"/>
+                    </a:solidFill>
+                  </a:tcPr>
+                </a:tc>
+                <a:extLst>
+                  <a:ext uri="{0D108BD9-81ED-4DB2-BD59-A6C34878D82A}">
+                    <a16:rowId xmlns:a16="http://schemas.microsoft.com/office/drawing/2014/main" val="735981416"/>
+                  </a:ext>
+                </a:extLst>
+              </a:tr>
+              <a:tr h="155586">
+                <a:tc>
+                  <a:txBody>
+                    <a:bodyPr/>
+                    <a:lstStyle/>
+                    <a:p>
+                      <a:endParaRPr lang="en-US" sz="700" dirty="0"/>
+                    </a:p>
+                  </a:txBody>
+                  <a:tcPr marL="34485" marR="34485" marT="17242" marB="17242">
+                    <a:solidFill>
+                      <a:schemeClr val="bg1"/>
+                    </a:solidFill>
+                  </a:tcPr>
+                </a:tc>
+                <a:tc>
+                  <a:txBody>
+                    <a:bodyPr/>
+                    <a:lstStyle/>
+                    <a:p>
+                      <a:endParaRPr lang="en-US" sz="700" dirty="0"/>
+                    </a:p>
+                  </a:txBody>
+                  <a:tcPr marL="34485" marR="34485" marT="17242" marB="17242">
+                    <a:solidFill>
+                      <a:schemeClr val="bg1"/>
+                    </a:solidFill>
+                  </a:tcPr>
+                </a:tc>
+                <a:tc>
+                  <a:txBody>
+                    <a:bodyPr/>
+                    <a:lstStyle/>
+                    <a:p>
+                      <a:endParaRPr lang="en-US" sz="700"/>
+                    </a:p>
+                  </a:txBody>
+                  <a:tcPr marL="34485" marR="34485" marT="17242" marB="17242">
+                    <a:solidFill>
+                      <a:schemeClr val="bg1"/>
+                    </a:solidFill>
+                  </a:tcPr>
+                </a:tc>
+                <a:tc>
+                  <a:txBody>
+                    <a:bodyPr/>
+                    <a:lstStyle/>
+                    <a:p>
+                      <a:endParaRPr lang="en-US" sz="700"/>
+                    </a:p>
+                  </a:txBody>
+                  <a:tcPr marL="34485" marR="34485" marT="17242" marB="17242">
+                    <a:solidFill>
+                      <a:schemeClr val="bg1"/>
+                    </a:solidFill>
+                  </a:tcPr>
+                </a:tc>
+                <a:tc>
+                  <a:txBody>
+                    <a:bodyPr/>
+                    <a:lstStyle/>
+                    <a:p>
+                      <a:endParaRPr lang="en-US" sz="700"/>
+                    </a:p>
+                  </a:txBody>
+                  <a:tcPr marL="34485" marR="34485" marT="17242" marB="17242">
+                    <a:solidFill>
+                      <a:schemeClr val="bg1"/>
+                    </a:solidFill>
+                  </a:tcPr>
+                </a:tc>
+                <a:tc>
+                  <a:txBody>
+                    <a:bodyPr/>
+                    <a:lstStyle/>
+                    <a:p>
+                      <a:endParaRPr lang="en-US" sz="700"/>
+                    </a:p>
+                  </a:txBody>
+                  <a:tcPr marL="34485" marR="34485" marT="17242" marB="17242">
+                    <a:solidFill>
+                      <a:schemeClr val="bg1"/>
+                    </a:solidFill>
+                  </a:tcPr>
+                </a:tc>
+                <a:tc>
+                  <a:txBody>
+                    <a:bodyPr/>
+                    <a:lstStyle/>
+                    <a:p>
+                      <a:endParaRPr lang="en-US" sz="700"/>
+                    </a:p>
+                  </a:txBody>
+                  <a:tcPr marL="34485" marR="34485" marT="17242" marB="17242">
+                    <a:solidFill>
+                      <a:schemeClr val="bg1"/>
+                    </a:solidFill>
+                  </a:tcPr>
+                </a:tc>
+                <a:extLst>
+                  <a:ext uri="{0D108BD9-81ED-4DB2-BD59-A6C34878D82A}">
+                    <a16:rowId xmlns:a16="http://schemas.microsoft.com/office/drawing/2014/main" val="2851457454"/>
+                  </a:ext>
+                </a:extLst>
+              </a:tr>
+              <a:tr h="155586">
+                <a:tc>
+                  <a:txBody>
+                    <a:bodyPr/>
+                    <a:lstStyle/>
+                    <a:p>
+                      <a:endParaRPr lang="en-US" sz="700"/>
+                    </a:p>
+                  </a:txBody>
+                  <a:tcPr marL="34485" marR="34485" marT="17242" marB="17242">
+                    <a:solidFill>
+                      <a:schemeClr val="bg1"/>
+                    </a:solidFill>
+                  </a:tcPr>
+                </a:tc>
+                <a:tc>
+                  <a:txBody>
+                    <a:bodyPr/>
+                    <a:lstStyle/>
+                    <a:p>
+                      <a:endParaRPr lang="en-US" sz="700" dirty="0"/>
+                    </a:p>
+                  </a:txBody>
+                  <a:tcPr marL="34485" marR="34485" marT="17242" marB="17242">
+                    <a:solidFill>
+                      <a:schemeClr val="bg1"/>
+                    </a:solidFill>
+                  </a:tcPr>
+                </a:tc>
+                <a:tc>
+                  <a:txBody>
+                    <a:bodyPr/>
+                    <a:lstStyle/>
+                    <a:p>
+                      <a:endParaRPr lang="en-US" sz="700" dirty="0"/>
+                    </a:p>
+                  </a:txBody>
+                  <a:tcPr marL="34485" marR="34485" marT="17242" marB="17242">
+                    <a:solidFill>
+                      <a:schemeClr val="bg1"/>
+                    </a:solidFill>
+                  </a:tcPr>
+                </a:tc>
+                <a:tc>
+                  <a:txBody>
+                    <a:bodyPr/>
+                    <a:lstStyle/>
+                    <a:p>
+                      <a:endParaRPr lang="en-US" sz="700" dirty="0"/>
+                    </a:p>
+                  </a:txBody>
+                  <a:tcPr marL="34485" marR="34485" marT="17242" marB="17242">
+                    <a:solidFill>
+                      <a:schemeClr val="bg1"/>
+                    </a:solidFill>
+                  </a:tcPr>
+                </a:tc>
+                <a:tc>
+                  <a:txBody>
+                    <a:bodyPr/>
+                    <a:lstStyle/>
+                    <a:p>
+                      <a:endParaRPr lang="en-US" sz="700"/>
+                    </a:p>
+                  </a:txBody>
+                  <a:tcPr marL="34485" marR="34485" marT="17242" marB="17242">
+                    <a:solidFill>
+                      <a:schemeClr val="bg1"/>
+                    </a:solidFill>
+                  </a:tcPr>
+                </a:tc>
+                <a:tc>
+                  <a:txBody>
+                    <a:bodyPr/>
+                    <a:lstStyle/>
+                    <a:p>
+                      <a:endParaRPr lang="en-US" sz="700" dirty="0"/>
+                    </a:p>
+                  </a:txBody>
+                  <a:tcPr marL="34485" marR="34485" marT="17242" marB="17242">
+                    <a:solidFill>
+                      <a:schemeClr val="bg1"/>
+                    </a:solidFill>
+                  </a:tcPr>
+                </a:tc>
+                <a:tc>
+                  <a:txBody>
+                    <a:bodyPr/>
+                    <a:lstStyle/>
+                    <a:p>
+                      <a:endParaRPr lang="en-US" sz="700"/>
+                    </a:p>
+                  </a:txBody>
+                  <a:tcPr marL="34485" marR="34485" marT="17242" marB="17242">
+                    <a:solidFill>
+                      <a:schemeClr val="bg1"/>
+                    </a:solidFill>
+                  </a:tcPr>
+                </a:tc>
+                <a:extLst>
+                  <a:ext uri="{0D108BD9-81ED-4DB2-BD59-A6C34878D82A}">
+                    <a16:rowId xmlns:a16="http://schemas.microsoft.com/office/drawing/2014/main" val="384485485"/>
+                  </a:ext>
+                </a:extLst>
+              </a:tr>
+              <a:tr h="155586">
+                <a:tc>
+                  <a:txBody>
+                    <a:bodyPr/>
+                    <a:lstStyle/>
+                    <a:p>
+                      <a:endParaRPr lang="en-US" sz="700"/>
+                    </a:p>
+                  </a:txBody>
+                  <a:tcPr marL="34485" marR="34485" marT="17242" marB="17242">
+                    <a:solidFill>
+                      <a:schemeClr val="bg1"/>
+                    </a:solidFill>
+                  </a:tcPr>
+                </a:tc>
+                <a:tc>
+                  <a:txBody>
+                    <a:bodyPr/>
+                    <a:lstStyle/>
+                    <a:p>
+                      <a:endParaRPr lang="en-US" sz="700"/>
+                    </a:p>
+                  </a:txBody>
+                  <a:tcPr marL="34485" marR="34485" marT="17242" marB="17242">
+                    <a:solidFill>
+                      <a:schemeClr val="bg1"/>
+                    </a:solidFill>
+                  </a:tcPr>
+                </a:tc>
+                <a:tc>
+                  <a:txBody>
+                    <a:bodyPr/>
+                    <a:lstStyle/>
+                    <a:p>
+                      <a:endParaRPr lang="en-US" sz="700" dirty="0"/>
+                    </a:p>
+                  </a:txBody>
+                  <a:tcPr marL="34485" marR="34485" marT="17242" marB="17242">
+                    <a:solidFill>
+                      <a:schemeClr val="bg1"/>
+                    </a:solidFill>
+                  </a:tcPr>
+                </a:tc>
+                <a:tc>
+                  <a:txBody>
+                    <a:bodyPr/>
+                    <a:lstStyle/>
+                    <a:p>
+                      <a:endParaRPr lang="en-US" sz="700" dirty="0"/>
+                    </a:p>
+                  </a:txBody>
+                  <a:tcPr marL="34485" marR="34485" marT="17242" marB="17242">
+                    <a:solidFill>
+                      <a:schemeClr val="bg1"/>
+                    </a:solidFill>
+                  </a:tcPr>
+                </a:tc>
+                <a:tc>
+                  <a:txBody>
+                    <a:bodyPr/>
+                    <a:lstStyle/>
+                    <a:p>
+                      <a:endParaRPr lang="en-US" sz="700" dirty="0"/>
+                    </a:p>
+                  </a:txBody>
+                  <a:tcPr marL="34485" marR="34485" marT="17242" marB="17242">
+                    <a:solidFill>
+                      <a:schemeClr val="bg1"/>
+                    </a:solidFill>
+                  </a:tcPr>
+                </a:tc>
+                <a:tc>
+                  <a:txBody>
+                    <a:bodyPr/>
+                    <a:lstStyle/>
+                    <a:p>
+                      <a:endParaRPr lang="en-US" sz="700"/>
+                    </a:p>
+                  </a:txBody>
+                  <a:tcPr marL="34485" marR="34485" marT="17242" marB="17242">
+                    <a:solidFill>
+                      <a:schemeClr val="bg1"/>
+                    </a:solidFill>
+                  </a:tcPr>
+                </a:tc>
+                <a:tc>
+                  <a:txBody>
+                    <a:bodyPr/>
+                    <a:lstStyle/>
+                    <a:p>
+                      <a:endParaRPr lang="en-US" sz="700"/>
+                    </a:p>
+                  </a:txBody>
+                  <a:tcPr marL="34485" marR="34485" marT="17242" marB="17242">
+                    <a:solidFill>
+                      <a:schemeClr val="bg1"/>
+                    </a:solidFill>
+                  </a:tcPr>
+                </a:tc>
+                <a:extLst>
+                  <a:ext uri="{0D108BD9-81ED-4DB2-BD59-A6C34878D82A}">
+                    <a16:rowId xmlns:a16="http://schemas.microsoft.com/office/drawing/2014/main" val="3959594469"/>
+                  </a:ext>
+                </a:extLst>
+              </a:tr>
+              <a:tr h="155586">
+                <a:tc>
+                  <a:txBody>
+                    <a:bodyPr/>
+                    <a:lstStyle/>
+                    <a:p>
+                      <a:endParaRPr lang="en-US" sz="700"/>
+                    </a:p>
+                  </a:txBody>
+                  <a:tcPr marL="34485" marR="34485" marT="17242" marB="17242">
+                    <a:solidFill>
+                      <a:schemeClr val="bg1"/>
+                    </a:solidFill>
+                  </a:tcPr>
+                </a:tc>
+                <a:tc>
+                  <a:txBody>
+                    <a:bodyPr/>
+                    <a:lstStyle/>
+                    <a:p>
+                      <a:endParaRPr lang="en-US" sz="700"/>
+                    </a:p>
+                  </a:txBody>
+                  <a:tcPr marL="34485" marR="34485" marT="17242" marB="17242">
+                    <a:solidFill>
+                      <a:schemeClr val="bg1"/>
+                    </a:solidFill>
+                  </a:tcPr>
+                </a:tc>
+                <a:tc>
+                  <a:txBody>
+                    <a:bodyPr/>
+                    <a:lstStyle/>
+                    <a:p>
+                      <a:endParaRPr lang="en-US" sz="700"/>
+                    </a:p>
+                  </a:txBody>
+                  <a:tcPr marL="34485" marR="34485" marT="17242" marB="17242">
+                    <a:solidFill>
+                      <a:schemeClr val="bg1"/>
+                    </a:solidFill>
+                  </a:tcPr>
+                </a:tc>
+                <a:tc>
+                  <a:txBody>
+                    <a:bodyPr/>
+                    <a:lstStyle/>
+                    <a:p>
+                      <a:endParaRPr lang="en-US" sz="700"/>
+                    </a:p>
+                  </a:txBody>
+                  <a:tcPr marL="34485" marR="34485" marT="17242" marB="17242">
+                    <a:solidFill>
+                      <a:schemeClr val="bg1"/>
+                    </a:solidFill>
+                  </a:tcPr>
+                </a:tc>
+                <a:tc>
+                  <a:txBody>
+                    <a:bodyPr/>
+                    <a:lstStyle/>
+                    <a:p>
+                      <a:endParaRPr lang="en-US" sz="700" dirty="0"/>
+                    </a:p>
+                  </a:txBody>
+                  <a:tcPr marL="34485" marR="34485" marT="17242" marB="17242">
+                    <a:solidFill>
+                      <a:schemeClr val="bg1"/>
+                    </a:solidFill>
+                  </a:tcPr>
+                </a:tc>
+                <a:tc>
+                  <a:txBody>
+                    <a:bodyPr/>
+                    <a:lstStyle/>
+                    <a:p>
+                      <a:endParaRPr lang="en-US" sz="700" dirty="0"/>
+                    </a:p>
+                  </a:txBody>
+                  <a:tcPr marL="34485" marR="34485" marT="17242" marB="17242">
+                    <a:solidFill>
+                      <a:schemeClr val="bg1"/>
+                    </a:solidFill>
+                  </a:tcPr>
+                </a:tc>
+                <a:tc>
+                  <a:txBody>
+                    <a:bodyPr/>
+                    <a:lstStyle/>
+                    <a:p>
+                      <a:endParaRPr lang="en-US" sz="700"/>
+                    </a:p>
+                  </a:txBody>
+                  <a:tcPr marL="34485" marR="34485" marT="17242" marB="17242">
+                    <a:solidFill>
+                      <a:schemeClr val="bg1"/>
+                    </a:solidFill>
+                  </a:tcPr>
+                </a:tc>
+                <a:extLst>
+                  <a:ext uri="{0D108BD9-81ED-4DB2-BD59-A6C34878D82A}">
+                    <a16:rowId xmlns:a16="http://schemas.microsoft.com/office/drawing/2014/main" val="1882200741"/>
+                  </a:ext>
+                </a:extLst>
+              </a:tr>
+              <a:tr h="155586">
+                <a:tc>
+                  <a:txBody>
+                    <a:bodyPr/>
+                    <a:lstStyle/>
+                    <a:p>
+                      <a:endParaRPr lang="en-US" sz="700"/>
+                    </a:p>
+                  </a:txBody>
+                  <a:tcPr marL="34485" marR="34485" marT="17242" marB="17242">
+                    <a:solidFill>
+                      <a:schemeClr val="bg1"/>
+                    </a:solidFill>
+                  </a:tcPr>
+                </a:tc>
+                <a:tc>
+                  <a:txBody>
+                    <a:bodyPr/>
+                    <a:lstStyle/>
+                    <a:p>
+                      <a:endParaRPr lang="en-US" sz="700"/>
+                    </a:p>
+                  </a:txBody>
+                  <a:tcPr marL="34485" marR="34485" marT="17242" marB="17242">
+                    <a:solidFill>
+                      <a:schemeClr val="bg1"/>
+                    </a:solidFill>
+                  </a:tcPr>
+                </a:tc>
+                <a:tc>
+                  <a:txBody>
+                    <a:bodyPr/>
+                    <a:lstStyle/>
+                    <a:p>
+                      <a:endParaRPr lang="en-US" sz="700"/>
+                    </a:p>
+                  </a:txBody>
+                  <a:tcPr marL="34485" marR="34485" marT="17242" marB="17242">
+                    <a:solidFill>
+                      <a:schemeClr val="bg1"/>
+                    </a:solidFill>
+                  </a:tcPr>
+                </a:tc>
+                <a:tc>
+                  <a:txBody>
+                    <a:bodyPr/>
+                    <a:lstStyle/>
+                    <a:p>
+                      <a:endParaRPr lang="en-US" sz="700"/>
+                    </a:p>
+                  </a:txBody>
+                  <a:tcPr marL="34485" marR="34485" marT="17242" marB="17242">
+                    <a:solidFill>
+                      <a:schemeClr val="bg1"/>
+                    </a:solidFill>
+                  </a:tcPr>
+                </a:tc>
+                <a:tc>
+                  <a:txBody>
+                    <a:bodyPr/>
+                    <a:lstStyle/>
+                    <a:p>
+                      <a:endParaRPr lang="en-US" sz="700"/>
+                    </a:p>
+                  </a:txBody>
+                  <a:tcPr marL="34485" marR="34485" marT="17242" marB="17242">
+                    <a:solidFill>
+                      <a:schemeClr val="bg1"/>
+                    </a:solidFill>
+                  </a:tcPr>
+                </a:tc>
+                <a:tc>
+                  <a:txBody>
+                    <a:bodyPr/>
+                    <a:lstStyle/>
+                    <a:p>
+                      <a:endParaRPr lang="en-US" sz="700" dirty="0"/>
+                    </a:p>
+                  </a:txBody>
+                  <a:tcPr marL="34485" marR="34485" marT="17242" marB="17242">
+                    <a:solidFill>
+                      <a:schemeClr val="bg1"/>
+                    </a:solidFill>
+                  </a:tcPr>
+                </a:tc>
+                <a:tc>
+                  <a:txBody>
+                    <a:bodyPr/>
+                    <a:lstStyle/>
+                    <a:p>
+                      <a:endParaRPr lang="en-US" sz="700"/>
+                    </a:p>
+                  </a:txBody>
+                  <a:tcPr marL="34485" marR="34485" marT="17242" marB="17242">
+                    <a:solidFill>
+                      <a:schemeClr val="bg1"/>
+                    </a:solidFill>
+                  </a:tcPr>
+                </a:tc>
+                <a:extLst>
+                  <a:ext uri="{0D108BD9-81ED-4DB2-BD59-A6C34878D82A}">
+                    <a16:rowId xmlns:a16="http://schemas.microsoft.com/office/drawing/2014/main" val="3837679813"/>
+                  </a:ext>
+                </a:extLst>
+              </a:tr>
+              <a:tr h="155586">
+                <a:tc>
+                  <a:txBody>
+                    <a:bodyPr/>
+                    <a:lstStyle/>
+                    <a:p>
+                      <a:endParaRPr lang="en-US" sz="700"/>
+                    </a:p>
+                  </a:txBody>
+                  <a:tcPr marL="34485" marR="34485" marT="17242" marB="17242">
+                    <a:solidFill>
+                      <a:schemeClr val="bg1"/>
+                    </a:solidFill>
+                  </a:tcPr>
+                </a:tc>
+                <a:tc>
+                  <a:txBody>
+                    <a:bodyPr/>
+                    <a:lstStyle/>
+                    <a:p>
+                      <a:endParaRPr lang="en-US" sz="700"/>
+                    </a:p>
+                  </a:txBody>
+                  <a:tcPr marL="34485" marR="34485" marT="17242" marB="17242">
+                    <a:solidFill>
+                      <a:schemeClr val="bg1"/>
+                    </a:solidFill>
+                  </a:tcPr>
+                </a:tc>
+                <a:tc>
+                  <a:txBody>
+                    <a:bodyPr/>
+                    <a:lstStyle/>
+                    <a:p>
+                      <a:endParaRPr lang="en-US" sz="700"/>
+                    </a:p>
+                  </a:txBody>
+                  <a:tcPr marL="34485" marR="34485" marT="17242" marB="17242">
+                    <a:solidFill>
+                      <a:schemeClr val="bg1"/>
+                    </a:solidFill>
+                  </a:tcPr>
+                </a:tc>
+                <a:tc>
+                  <a:txBody>
+                    <a:bodyPr/>
+                    <a:lstStyle/>
+                    <a:p>
+                      <a:endParaRPr lang="en-US" sz="700"/>
+                    </a:p>
+                  </a:txBody>
+                  <a:tcPr marL="34485" marR="34485" marT="17242" marB="17242">
+                    <a:solidFill>
+                      <a:schemeClr val="bg1"/>
+                    </a:solidFill>
+                  </a:tcPr>
+                </a:tc>
+                <a:tc>
+                  <a:txBody>
+                    <a:bodyPr/>
+                    <a:lstStyle/>
+                    <a:p>
+                      <a:endParaRPr lang="en-US" sz="700"/>
+                    </a:p>
+                  </a:txBody>
+                  <a:tcPr marL="34485" marR="34485" marT="17242" marB="17242">
+                    <a:solidFill>
+                      <a:schemeClr val="bg1"/>
+                    </a:solidFill>
+                  </a:tcPr>
+                </a:tc>
+                <a:tc>
+                  <a:txBody>
+                    <a:bodyPr/>
+                    <a:lstStyle/>
+                    <a:p>
+                      <a:endParaRPr lang="en-US" sz="700" dirty="0"/>
+                    </a:p>
+                  </a:txBody>
+                  <a:tcPr marL="34485" marR="34485" marT="17242" marB="17242">
+                    <a:solidFill>
+                      <a:schemeClr val="bg1"/>
+                    </a:solidFill>
+                  </a:tcPr>
+                </a:tc>
+                <a:tc>
+                  <a:txBody>
+                    <a:bodyPr/>
+                    <a:lstStyle/>
+                    <a:p>
+                      <a:endParaRPr lang="en-US" sz="700" dirty="0"/>
+                    </a:p>
+                  </a:txBody>
+                  <a:tcPr marL="34485" marR="34485" marT="17242" marB="17242">
+                    <a:solidFill>
+                      <a:schemeClr val="bg1"/>
+                    </a:solidFill>
+                  </a:tcPr>
+                </a:tc>
+                <a:extLst>
+                  <a:ext uri="{0D108BD9-81ED-4DB2-BD59-A6C34878D82A}">
+                    <a16:rowId xmlns:a16="http://schemas.microsoft.com/office/drawing/2014/main" val="3419269189"/>
+                  </a:ext>
+                </a:extLst>
+              </a:tr>
+            </a:tbl>
+          </a:graphicData>
+        </a:graphic>
+      </p:graphicFrame>
+      <p:sp>
+        <p:nvSpPr>
+          <p:cNvPr id="20" name="TextBox 19">
+            <a:extLst>
+              <a:ext uri="{FF2B5EF4-FFF2-40B4-BE49-F238E27FC236}">
+                <a16:creationId xmlns:a16="http://schemas.microsoft.com/office/drawing/2014/main" id="{71C6A916-7EAE-4698-BB0B-B0278CDED885}"/>
+              </a:ext>
+            </a:extLst>
+          </p:cNvPr>
+          <p:cNvSpPr txBox="1"/>
+          <p:nvPr/>
+        </p:nvSpPr>
+        <p:spPr>
+          <a:xfrm>
+            <a:off x="9524492" y="5214374"/>
+            <a:ext cx="369332" cy="584775"/>
+          </a:xfrm>
+          <a:prstGeom prst="rect">
+            <a:avLst/>
+          </a:prstGeom>
+          <a:noFill/>
+        </p:spPr>
+        <p:txBody>
+          <a:bodyPr wrap="square" rtlCol="0">
+            <a:spAutoFit/>
+          </a:bodyPr>
+          <a:lstStyle/>
+          <a:p>
+            <a:r>
+              <a:rPr lang="en-US" sz="3200" dirty="0"/>
+              <a:t>+</a:t>
+            </a:r>
+          </a:p>
+        </p:txBody>
+      </p:sp>
     </p:spTree>
     <p:extLst>
       <p:ext uri="{BB962C8B-B14F-4D97-AF65-F5344CB8AC3E}">
